--- a/profile/ImageSource/images.pptx
+++ b/profile/ImageSource/images.pptx
@@ -5,13 +5,15 @@
     <p:sldMasterId id="2147485431" r:id="rId6"/>
   </p:sldMasterIdLst>
   <p:notesMasterIdLst>
-    <p:notesMasterId r:id="rId8"/>
+    <p:notesMasterId r:id="rId10"/>
   </p:notesMasterIdLst>
   <p:handoutMasterIdLst>
-    <p:handoutMasterId r:id="rId9"/>
+    <p:handoutMasterId r:id="rId11"/>
   </p:handoutMasterIdLst>
   <p:sldIdLst>
     <p:sldId id="2086971674" r:id="rId7"/>
+    <p:sldId id="2147483646" r:id="rId8"/>
+    <p:sldId id="258" r:id="rId9"/>
   </p:sldIdLst>
   <p:sldSz cx="12192000" cy="6858000"/>
   <p:notesSz cx="6858000" cy="9144000"/>
@@ -496,7 +498,7 @@
               <a:pPr>
                 <a:defRPr/>
               </a:pPr>
-              <a:t>1/27/2026</a:t>
+              <a:t>2/16/2026</a:t>
             </a:fld>
             <a:endParaRPr lang="en-US" altLang="en-US"/>
           </a:p>
@@ -923,6 +925,358 @@
     <p:extLst>
       <p:ext uri="{BB962C8B-B14F-4D97-AF65-F5344CB8AC3E}">
         <p14:creationId xmlns:p14="http://schemas.microsoft.com/office/powerpoint/2010/main" val="4293473224"/>
+      </p:ext>
+    </p:extLst>
+  </p:cSld>
+  <p:clrMapOvr>
+    <a:masterClrMapping/>
+  </p:clrMapOvr>
+</p:notes>
+</file>
+
+<file path=ppt/notesSlides/notesSlide2.xml><?xml version="1.0" encoding="utf-8"?>
+<p:notes xmlns:a="http://schemas.openxmlformats.org/drawingml/2006/main" xmlns:r="http://schemas.openxmlformats.org/officeDocument/2006/relationships" xmlns:p="http://schemas.openxmlformats.org/presentationml/2006/main">
+  <p:cSld>
+    <p:spTree>
+      <p:nvGrpSpPr>
+        <p:cNvPr id="1" name="">
+          <a:extLst>
+            <a:ext uri="{FF2B5EF4-FFF2-40B4-BE49-F238E27FC236}">
+              <a16:creationId xmlns:a16="http://schemas.microsoft.com/office/drawing/2014/main" id="{CBF63EB0-13FD-9F10-F0D1-F2FC8EDA2979}"/>
+            </a:ext>
+          </a:extLst>
+        </p:cNvPr>
+        <p:cNvGrpSpPr/>
+        <p:nvPr/>
+      </p:nvGrpSpPr>
+      <p:grpSpPr>
+        <a:xfrm>
+          <a:off x="0" y="0"/>
+          <a:ext cx="0" cy="0"/>
+          <a:chOff x="0" y="0"/>
+          <a:chExt cx="0" cy="0"/>
+        </a:xfrm>
+      </p:grpSpPr>
+      <p:sp>
+        <p:nvSpPr>
+          <p:cNvPr id="2" name="Slide Image Placeholder 1">
+            <a:extLst>
+              <a:ext uri="{FF2B5EF4-FFF2-40B4-BE49-F238E27FC236}">
+                <a16:creationId xmlns:a16="http://schemas.microsoft.com/office/drawing/2014/main" id="{87EED9E6-656F-B3A4-C725-9FCF9051ACAB}"/>
+              </a:ext>
+            </a:extLst>
+          </p:cNvPr>
+          <p:cNvSpPr>
+            <a:spLocks noGrp="1" noRot="1" noChangeAspect="1"/>
+          </p:cNvSpPr>
+          <p:nvPr>
+            <p:ph type="sldImg"/>
+          </p:nvPr>
+        </p:nvSpPr>
+        <p:spPr/>
+      </p:sp>
+      <p:sp>
+        <p:nvSpPr>
+          <p:cNvPr id="3" name="Notes Placeholder 2">
+            <a:extLst>
+              <a:ext uri="{FF2B5EF4-FFF2-40B4-BE49-F238E27FC236}">
+                <a16:creationId xmlns:a16="http://schemas.microsoft.com/office/drawing/2014/main" id="{509120AC-D8BE-4C56-4C83-142D3A76035B}"/>
+              </a:ext>
+            </a:extLst>
+          </p:cNvPr>
+          <p:cNvSpPr>
+            <a:spLocks noGrp="1"/>
+          </p:cNvSpPr>
+          <p:nvPr>
+            <p:ph type="body" idx="1"/>
+          </p:nvPr>
+        </p:nvSpPr>
+        <p:spPr/>
+        <p:txBody>
+          <a:bodyPr/>
+          <a:lstStyle/>
+          <a:p>
+            <a:r>
+              <a:rPr lang="en-US" sz="1600">
+                <a:latin typeface="Arial" panose="020B0604020202020204" pitchFamily="34" charset="0"/>
+                <a:cs typeface="Arial" panose="020B0604020202020204" pitchFamily="34" charset="0"/>
+              </a:rPr>
+              <a:t>But how is such an Edge AI application developed?  Let’s take a look.</a:t>
+            </a:r>
+          </a:p>
+          <a:p>
+            <a:endParaRPr lang="en-US" sz="1600">
+              <a:latin typeface="Arial" panose="020B0604020202020204" pitchFamily="34" charset="0"/>
+              <a:cs typeface="Arial" panose="020B0604020202020204" pitchFamily="34" charset="0"/>
+            </a:endParaRPr>
+          </a:p>
+          <a:p>
+            <a:r>
+              <a:rPr lang="en-US" sz="1600">
+                <a:latin typeface="Arial" panose="020B0604020202020204" pitchFamily="34" charset="0"/>
+                <a:cs typeface="Arial" panose="020B0604020202020204" pitchFamily="34" charset="0"/>
+              </a:rPr>
+              <a:t>An Edge AI Device has a classic embedded part that integrates an Optimized ML Model.  The classic embedded software interfaces to the sensor, audio or video input of your device, and contains DSP algorithms for signal conditioning. And of course, the output interface.</a:t>
+            </a:r>
+          </a:p>
+          <a:p>
+            <a:endParaRPr lang="en-US" sz="1600">
+              <a:latin typeface="Arial" panose="020B0604020202020204" pitchFamily="34" charset="0"/>
+              <a:cs typeface="Arial" panose="020B0604020202020204" pitchFamily="34" charset="0"/>
+            </a:endParaRPr>
+          </a:p>
+          <a:p>
+            <a:r>
+              <a:rPr lang="en-US" sz="1600">
+                <a:latin typeface="Arial" panose="020B0604020202020204" pitchFamily="34" charset="0"/>
+                <a:cs typeface="Arial" panose="020B0604020202020204" pitchFamily="34" charset="0"/>
+              </a:rPr>
+              <a:t>For the ML Development you need real-world data. Arm offers the SDS software component for data capturing which we will demonstrate in a dedicated webinar later this year. The data is fed into the </a:t>
+            </a:r>
+            <a:r>
+              <a:rPr lang="en-US" sz="1600" err="1">
+                <a:latin typeface="Arial" panose="020B0604020202020204" pitchFamily="34" charset="0"/>
+                <a:cs typeface="Arial" panose="020B0604020202020204" pitchFamily="34" charset="0"/>
+              </a:rPr>
+              <a:t>MLOps</a:t>
+            </a:r>
+            <a:r>
+              <a:rPr lang="en-US" sz="1600">
+                <a:latin typeface="Arial" panose="020B0604020202020204" pitchFamily="34" charset="0"/>
+                <a:cs typeface="Arial" panose="020B0604020202020204" pitchFamily="34" charset="0"/>
+              </a:rPr>
+              <a:t> system and Edge Impulse is one of our partners in this space.</a:t>
+            </a:r>
+          </a:p>
+          <a:p>
+            <a:br>
+              <a:rPr lang="en-US" sz="1600">
+                <a:latin typeface="Arial" panose="020B0604020202020204" pitchFamily="34" charset="0"/>
+                <a:cs typeface="Arial" panose="020B0604020202020204" pitchFamily="34" charset="0"/>
+              </a:rPr>
+            </a:br>
+            <a:r>
+              <a:rPr lang="en-US" sz="1600">
+                <a:latin typeface="Arial" panose="020B0604020202020204" pitchFamily="34" charset="0"/>
+                <a:cs typeface="Arial" panose="020B0604020202020204" pitchFamily="34" charset="0"/>
+              </a:rPr>
+              <a:t>In the </a:t>
+            </a:r>
+            <a:r>
+              <a:rPr lang="en-US" sz="1600" err="1">
+                <a:latin typeface="Arial" panose="020B0604020202020204" pitchFamily="34" charset="0"/>
+                <a:cs typeface="Arial" panose="020B0604020202020204" pitchFamily="34" charset="0"/>
+              </a:rPr>
+              <a:t>MLOps</a:t>
+            </a:r>
+            <a:r>
+              <a:rPr lang="en-US" sz="1600">
+                <a:latin typeface="Arial" panose="020B0604020202020204" pitchFamily="34" charset="0"/>
+                <a:cs typeface="Arial" panose="020B0604020202020204" pitchFamily="34" charset="0"/>
+              </a:rPr>
+              <a:t> system, you specify your use-case, and a model searcher helps identifying the right model. Afterwards, compression, training, clustering, and quantization is applied to the model to fit it into the memory of constrained edge devices. Finally, this is compiled, validated, and delivered to the classic embedded development flow for integration.</a:t>
+            </a:r>
+          </a:p>
+          <a:p>
+            <a:endParaRPr lang="en-US" sz="1600">
+              <a:latin typeface="Arial" panose="020B0604020202020204" pitchFamily="34" charset="0"/>
+              <a:cs typeface="Arial" panose="020B0604020202020204" pitchFamily="34" charset="0"/>
+            </a:endParaRPr>
+          </a:p>
+          <a:p>
+            <a:r>
+              <a:rPr lang="en-US" sz="1600">
+                <a:latin typeface="Arial" panose="020B0604020202020204" pitchFamily="34" charset="0"/>
+                <a:cs typeface="Arial" panose="020B0604020202020204" pitchFamily="34" charset="0"/>
+              </a:rPr>
+              <a:t>Edge Impulse will now show us how this works in practice with their system.  Over to you Alessandro!</a:t>
+            </a:r>
+          </a:p>
+        </p:txBody>
+      </p:sp>
+      <p:sp>
+        <p:nvSpPr>
+          <p:cNvPr id="4" name="Slide Number Placeholder 3">
+            <a:extLst>
+              <a:ext uri="{FF2B5EF4-FFF2-40B4-BE49-F238E27FC236}">
+                <a16:creationId xmlns:a16="http://schemas.microsoft.com/office/drawing/2014/main" id="{5374B6DF-0231-9F2E-7AB1-22DBB1FCAA08}"/>
+              </a:ext>
+            </a:extLst>
+          </p:cNvPr>
+          <p:cNvSpPr>
+            <a:spLocks noGrp="1"/>
+          </p:cNvSpPr>
+          <p:nvPr>
+            <p:ph type="sldNum" sz="quarter" idx="5"/>
+          </p:nvPr>
+        </p:nvSpPr>
+        <p:spPr/>
+        <p:txBody>
+          <a:bodyPr/>
+          <a:lstStyle/>
+          <a:p>
+            <a:pPr marL="0" marR="0" lvl="0" indent="0" algn="r" defTabSz="914400" rtl="0" eaLnBrk="1" fontAlgn="base" latinLnBrk="0" hangingPunct="1">
+              <a:lnSpc>
+                <a:spcPct val="100000"/>
+              </a:lnSpc>
+              <a:spcBef>
+                <a:spcPct val="0"/>
+              </a:spcBef>
+              <a:spcAft>
+                <a:spcPct val="0"/>
+              </a:spcAft>
+              <a:buClrTx/>
+              <a:buSzTx/>
+              <a:buFontTx/>
+              <a:buNone/>
+              <a:tabLst/>
+              <a:defRPr/>
+            </a:pPr>
+            <a:fld id="{3B16354E-6974-4833-AB87-3220A0835E84}" type="slidenum">
+              <a:rPr kumimoji="0" lang="en-US" altLang="en-US" sz="1200" b="0" i="0" u="none" strike="noStrike" kern="1200" cap="none" spc="0" normalizeH="0" baseline="0" noProof="0" smtClean="0">
+                <a:ln>
+                  <a:noFill/>
+                </a:ln>
+                <a:solidFill>
+                  <a:prstClr val="black"/>
+                </a:solidFill>
+                <a:effectLst/>
+                <a:uLnTx/>
+                <a:uFillTx/>
+                <a:latin typeface="Calibri" charset="0"/>
+                <a:ea typeface="ＭＳ Ｐゴシック" charset="-128"/>
+                <a:cs typeface="+mn-cs"/>
+              </a:rPr>
+              <a:pPr marL="0" marR="0" lvl="0" indent="0" algn="r" defTabSz="914400" rtl="0" eaLnBrk="1" fontAlgn="base" latinLnBrk="0" hangingPunct="1">
+                <a:lnSpc>
+                  <a:spcPct val="100000"/>
+                </a:lnSpc>
+                <a:spcBef>
+                  <a:spcPct val="0"/>
+                </a:spcBef>
+                <a:spcAft>
+                  <a:spcPct val="0"/>
+                </a:spcAft>
+                <a:buClrTx/>
+                <a:buSzTx/>
+                <a:buFontTx/>
+                <a:buNone/>
+                <a:tabLst/>
+                <a:defRPr/>
+              </a:pPr>
+              <a:t>2</a:t>
+            </a:fld>
+            <a:endParaRPr kumimoji="0" lang="en-US" altLang="en-US" sz="1200" b="0" i="0" u="none" strike="noStrike" kern="1200" cap="none" spc="0" normalizeH="0" baseline="0" noProof="0">
+              <a:ln>
+                <a:noFill/>
+              </a:ln>
+              <a:solidFill>
+                <a:prstClr val="black"/>
+              </a:solidFill>
+              <a:effectLst/>
+              <a:uLnTx/>
+              <a:uFillTx/>
+              <a:latin typeface="Calibri" charset="0"/>
+              <a:ea typeface="ＭＳ Ｐゴシック" charset="-128"/>
+              <a:cs typeface="+mn-cs"/>
+            </a:endParaRPr>
+          </a:p>
+        </p:txBody>
+      </p:sp>
+    </p:spTree>
+    <p:extLst>
+      <p:ext uri="{BB962C8B-B14F-4D97-AF65-F5344CB8AC3E}">
+        <p14:creationId xmlns:p14="http://schemas.microsoft.com/office/powerpoint/2010/main" val="118562117"/>
+      </p:ext>
+    </p:extLst>
+  </p:cSld>
+  <p:clrMapOvr>
+    <a:masterClrMapping/>
+  </p:clrMapOvr>
+</p:notes>
+</file>
+
+<file path=ppt/notesSlides/notesSlide3.xml><?xml version="1.0" encoding="utf-8"?>
+<p:notes xmlns:a="http://schemas.openxmlformats.org/drawingml/2006/main" xmlns:r="http://schemas.openxmlformats.org/officeDocument/2006/relationships" xmlns:p="http://schemas.openxmlformats.org/presentationml/2006/main">
+  <p:cSld>
+    <p:spTree>
+      <p:nvGrpSpPr>
+        <p:cNvPr id="1" name=""/>
+        <p:cNvGrpSpPr/>
+        <p:nvPr/>
+      </p:nvGrpSpPr>
+      <p:grpSpPr>
+        <a:xfrm>
+          <a:off x="0" y="0"/>
+          <a:ext cx="0" cy="0"/>
+          <a:chOff x="0" y="0"/>
+          <a:chExt cx="0" cy="0"/>
+        </a:xfrm>
+      </p:grpSpPr>
+      <p:sp>
+        <p:nvSpPr>
+          <p:cNvPr id="2" name="Slide Image Placeholder 1"/>
+          <p:cNvSpPr>
+            <a:spLocks noGrp="1" noRot="1" noChangeAspect="1"/>
+          </p:cNvSpPr>
+          <p:nvPr>
+            <p:ph type="sldImg"/>
+          </p:nvPr>
+        </p:nvSpPr>
+        <p:spPr/>
+      </p:sp>
+      <p:sp>
+        <p:nvSpPr>
+          <p:cNvPr id="3" name="Notes Placeholder 2"/>
+          <p:cNvSpPr>
+            <a:spLocks noGrp="1"/>
+          </p:cNvSpPr>
+          <p:nvPr>
+            <p:ph type="body" idx="1"/>
+          </p:nvPr>
+        </p:nvSpPr>
+        <p:spPr/>
+        <p:txBody>
+          <a:bodyPr/>
+          <a:lstStyle/>
+          <a:p>
+            <a:endParaRPr lang="en-US" dirty="0"/>
+          </a:p>
+        </p:txBody>
+      </p:sp>
+      <p:sp>
+        <p:nvSpPr>
+          <p:cNvPr id="4" name="Slide Number Placeholder 3"/>
+          <p:cNvSpPr>
+            <a:spLocks noGrp="1"/>
+          </p:cNvSpPr>
+          <p:nvPr>
+            <p:ph type="sldNum" sz="quarter" idx="5"/>
+          </p:nvPr>
+        </p:nvSpPr>
+        <p:spPr/>
+        <p:txBody>
+          <a:bodyPr/>
+          <a:lstStyle/>
+          <a:p>
+            <a:pPr>
+              <a:defRPr/>
+            </a:pPr>
+            <a:fld id="{3B16354E-6974-4833-AB87-3220A0835E84}" type="slidenum">
+              <a:rPr lang="en-US" altLang="en-US" smtClean="0"/>
+              <a:pPr>
+                <a:defRPr/>
+              </a:pPr>
+              <a:t>3</a:t>
+            </a:fld>
+            <a:endParaRPr lang="en-US" altLang="en-US"/>
+          </a:p>
+        </p:txBody>
+      </p:sp>
+    </p:spTree>
+    <p:extLst>
+      <p:ext uri="{BB962C8B-B14F-4D97-AF65-F5344CB8AC3E}">
+        <p14:creationId xmlns:p14="http://schemas.microsoft.com/office/powerpoint/2010/main" val="1343268853"/>
       </p:ext>
     </p:extLst>
   </p:cSld>
@@ -10362,6 +10716,6403 @@
     <p:extLst>
       <p:ext uri="{BB962C8B-B14F-4D97-AF65-F5344CB8AC3E}">
         <p14:creationId xmlns:p14="http://schemas.microsoft.com/office/powerpoint/2010/main" val="1548357301"/>
+      </p:ext>
+    </p:extLst>
+  </p:cSld>
+  <p:clrMapOvr>
+    <a:masterClrMapping/>
+  </p:clrMapOvr>
+  <mc:AlternateContent xmlns:mc="http://schemas.openxmlformats.org/markup-compatibility/2006" xmlns:p14="http://schemas.microsoft.com/office/powerpoint/2010/main">
+    <mc:Choice Requires="p14">
+      <p:transition spd="med" p14:dur="700">
+        <p:fade/>
+      </p:transition>
+    </mc:Choice>
+    <mc:Fallback xmlns="">
+      <p:transition spd="med">
+        <p:fade/>
+      </p:transition>
+    </mc:Fallback>
+  </mc:AlternateContent>
+</p:sld>
+</file>
+
+<file path=ppt/slides/slide2.xml><?xml version="1.0" encoding="utf-8"?>
+<p:sld xmlns:a="http://schemas.openxmlformats.org/drawingml/2006/main" xmlns:r="http://schemas.openxmlformats.org/officeDocument/2006/relationships" xmlns:p="http://schemas.openxmlformats.org/presentationml/2006/main">
+  <p:cSld>
+    <p:spTree>
+      <p:nvGrpSpPr>
+        <p:cNvPr id="1" name="">
+          <a:extLst>
+            <a:ext uri="{FF2B5EF4-FFF2-40B4-BE49-F238E27FC236}">
+              <a16:creationId xmlns:a16="http://schemas.microsoft.com/office/drawing/2014/main" id="{41D53EA0-2B36-4F75-7BF4-F4EF4B594797}"/>
+            </a:ext>
+          </a:extLst>
+        </p:cNvPr>
+        <p:cNvGrpSpPr/>
+        <p:nvPr/>
+      </p:nvGrpSpPr>
+      <p:grpSpPr>
+        <a:xfrm>
+          <a:off x="0" y="0"/>
+          <a:ext cx="0" cy="0"/>
+          <a:chOff x="0" y="0"/>
+          <a:chExt cx="0" cy="0"/>
+        </a:xfrm>
+      </p:grpSpPr>
+      <p:sp>
+        <p:nvSpPr>
+          <p:cNvPr id="11" name="Rectangle 10">
+            <a:extLst>
+              <a:ext uri="{FF2B5EF4-FFF2-40B4-BE49-F238E27FC236}">
+                <a16:creationId xmlns:a16="http://schemas.microsoft.com/office/drawing/2014/main" id="{10C5EDB6-1BD6-A071-F4FD-5D3911E422F7}"/>
+              </a:ext>
+            </a:extLst>
+          </p:cNvPr>
+          <p:cNvSpPr/>
+          <p:nvPr/>
+        </p:nvSpPr>
+        <p:spPr>
+          <a:xfrm>
+            <a:off x="407084" y="1031025"/>
+            <a:ext cx="9128802" cy="5134919"/>
+          </a:xfrm>
+          <a:prstGeom prst="rect">
+            <a:avLst/>
+          </a:prstGeom>
+          <a:solidFill>
+            <a:srgbClr val="F2F2F2">
+              <a:alpha val="69804"/>
+            </a:srgbClr>
+          </a:solidFill>
+          <a:ln>
+            <a:noFill/>
+          </a:ln>
+        </p:spPr>
+        <p:style>
+          <a:lnRef idx="2">
+            <a:schemeClr val="accent1">
+              <a:shade val="50000"/>
+            </a:schemeClr>
+          </a:lnRef>
+          <a:fillRef idx="1">
+            <a:schemeClr val="accent1"/>
+          </a:fillRef>
+          <a:effectRef idx="0">
+            <a:schemeClr val="accent1"/>
+          </a:effectRef>
+          <a:fontRef idx="minor">
+            <a:schemeClr val="lt1"/>
+          </a:fontRef>
+        </p:style>
+        <p:txBody>
+          <a:bodyPr rtlCol="0" anchor="ctr"/>
+          <a:lstStyle/>
+          <a:p>
+            <a:pPr algn="ctr"/>
+            <a:endParaRPr lang="en-US"/>
+          </a:p>
+        </p:txBody>
+      </p:sp>
+      <p:sp>
+        <p:nvSpPr>
+          <p:cNvPr id="59" name="Rectangle 58">
+            <a:extLst>
+              <a:ext uri="{FF2B5EF4-FFF2-40B4-BE49-F238E27FC236}">
+                <a16:creationId xmlns:a16="http://schemas.microsoft.com/office/drawing/2014/main" id="{D9689BEE-65D0-7A7A-B197-B041675691E9}"/>
+              </a:ext>
+            </a:extLst>
+          </p:cNvPr>
+          <p:cNvSpPr/>
+          <p:nvPr/>
+        </p:nvSpPr>
+        <p:spPr>
+          <a:xfrm>
+            <a:off x="1400849" y="1352668"/>
+            <a:ext cx="7993318" cy="1976097"/>
+          </a:xfrm>
+          <a:prstGeom prst="rect">
+            <a:avLst/>
+          </a:prstGeom>
+          <a:solidFill>
+            <a:schemeClr val="bg1">
+              <a:lumMod val="50000"/>
+              <a:alpha val="35000"/>
+            </a:schemeClr>
+          </a:solidFill>
+          <a:ln>
+            <a:noFill/>
+          </a:ln>
+        </p:spPr>
+        <p:style>
+          <a:lnRef idx="2">
+            <a:schemeClr val="accent1">
+              <a:shade val="50000"/>
+            </a:schemeClr>
+          </a:lnRef>
+          <a:fillRef idx="1">
+            <a:schemeClr val="accent1"/>
+          </a:fillRef>
+          <a:effectRef idx="0">
+            <a:schemeClr val="accent1"/>
+          </a:effectRef>
+          <a:fontRef idx="minor">
+            <a:schemeClr val="lt1"/>
+          </a:fontRef>
+        </p:style>
+        <p:txBody>
+          <a:bodyPr rtlCol="0" anchor="t"/>
+          <a:lstStyle/>
+          <a:p>
+            <a:pPr algn="ctr" defTabSz="1219170">
+              <a:defRPr/>
+            </a:pPr>
+            <a:r>
+              <a:rPr lang="en-US" sz="1400" b="1" spc="400" dirty="0">
+                <a:solidFill>
+                  <a:schemeClr val="tx1"/>
+                </a:solidFill>
+                <a:latin typeface="Aeonik Fono" panose="020B0504030300000000" pitchFamily="34" charset="0"/>
+                <a:ea typeface="ＭＳ Ｐゴシック" charset="0"/>
+              </a:rPr>
+              <a:t>CLASSIC EMBEDDED DEVELOPMENT</a:t>
+            </a:r>
+          </a:p>
+        </p:txBody>
+      </p:sp>
+      <p:pic>
+        <p:nvPicPr>
+          <p:cNvPr id="60" name="Picture 59">
+            <a:extLst>
+              <a:ext uri="{FF2B5EF4-FFF2-40B4-BE49-F238E27FC236}">
+                <a16:creationId xmlns:a16="http://schemas.microsoft.com/office/drawing/2014/main" id="{2E82E6CE-92A5-2A20-D721-68B448FB025A}"/>
+              </a:ext>
+            </a:extLst>
+          </p:cNvPr>
+          <p:cNvPicPr>
+            <a:picLocks noChangeAspect="1"/>
+          </p:cNvPicPr>
+          <p:nvPr/>
+        </p:nvPicPr>
+        <p:blipFill>
+          <a:blip r:embed="rId3"/>
+          <a:stretch>
+            <a:fillRect/>
+          </a:stretch>
+        </p:blipFill>
+        <p:spPr>
+          <a:xfrm>
+            <a:off x="584450" y="1410212"/>
+            <a:ext cx="371504" cy="471311"/>
+          </a:xfrm>
+          <a:prstGeom prst="rect">
+            <a:avLst/>
+          </a:prstGeom>
+        </p:spPr>
+      </p:pic>
+      <p:sp>
+        <p:nvSpPr>
+          <p:cNvPr id="61" name="Rectangle 60">
+            <a:extLst>
+              <a:ext uri="{FF2B5EF4-FFF2-40B4-BE49-F238E27FC236}">
+                <a16:creationId xmlns:a16="http://schemas.microsoft.com/office/drawing/2014/main" id="{039AEC77-402E-1201-44BB-D7B3FC4611B3}"/>
+              </a:ext>
+            </a:extLst>
+          </p:cNvPr>
+          <p:cNvSpPr/>
+          <p:nvPr/>
+        </p:nvSpPr>
+        <p:spPr>
+          <a:xfrm>
+            <a:off x="1400848" y="3879402"/>
+            <a:ext cx="7993319" cy="1947572"/>
+          </a:xfrm>
+          <a:prstGeom prst="rect">
+            <a:avLst/>
+          </a:prstGeom>
+          <a:solidFill>
+            <a:schemeClr val="bg1">
+              <a:lumMod val="50000"/>
+              <a:alpha val="35000"/>
+            </a:schemeClr>
+          </a:solidFill>
+          <a:ln>
+            <a:noFill/>
+          </a:ln>
+        </p:spPr>
+        <p:style>
+          <a:lnRef idx="2">
+            <a:schemeClr val="accent1">
+              <a:shade val="50000"/>
+            </a:schemeClr>
+          </a:lnRef>
+          <a:fillRef idx="1">
+            <a:schemeClr val="accent1"/>
+          </a:fillRef>
+          <a:effectRef idx="0">
+            <a:schemeClr val="accent1"/>
+          </a:effectRef>
+          <a:fontRef idx="minor">
+            <a:schemeClr val="lt1"/>
+          </a:fontRef>
+        </p:style>
+        <p:txBody>
+          <a:bodyPr rtlCol="0" anchor="t"/>
+          <a:lstStyle/>
+          <a:p>
+            <a:pPr algn="ctr" defTabSz="1219170">
+              <a:defRPr/>
+            </a:pPr>
+            <a:r>
+              <a:rPr kumimoji="0" lang="en-US" sz="1400" b="0" i="0" u="none" strike="noStrike" kern="1200" cap="none" spc="0" normalizeH="0" baseline="0" noProof="0" dirty="0">
+                <a:ln>
+                  <a:noFill/>
+                </a:ln>
+                <a:solidFill>
+                  <a:schemeClr val="bg1"/>
+                </a:solidFill>
+                <a:effectLst/>
+                <a:uLnTx/>
+                <a:uFillTx/>
+                <a:latin typeface="Calibri" panose="020F0502020204030204" pitchFamily="34" charset="0"/>
+                <a:ea typeface="+mn-ea"/>
+                <a:cs typeface="Calibri" panose="020F0502020204030204" pitchFamily="34" charset="0"/>
+              </a:rPr>
+              <a:t>   </a:t>
+            </a:r>
+            <a:r>
+              <a:rPr lang="en-US" sz="1400" b="1" spc="400" dirty="0">
+                <a:solidFill>
+                  <a:schemeClr val="tx1"/>
+                </a:solidFill>
+                <a:latin typeface="Aeonik Fono" panose="020B0504030300000000" pitchFamily="34" charset="0"/>
+                <a:ea typeface="ＭＳ Ｐゴシック"/>
+              </a:rPr>
+              <a:t>ML MODEL DEVELOPMENT  (</a:t>
+            </a:r>
+            <a:r>
+              <a:rPr lang="en-US" sz="1400" b="1" spc="400" dirty="0" err="1">
+                <a:solidFill>
+                  <a:schemeClr val="tx1"/>
+                </a:solidFill>
+                <a:latin typeface="Aeonik Fono" panose="020B0504030300000000" pitchFamily="34" charset="0"/>
+                <a:ea typeface="ＭＳ Ｐゴシック"/>
+              </a:rPr>
+              <a:t>MLOps</a:t>
+            </a:r>
+            <a:r>
+              <a:rPr lang="en-US" sz="1400" b="1" spc="400" dirty="0">
+                <a:solidFill>
+                  <a:schemeClr val="tx1"/>
+                </a:solidFill>
+                <a:latin typeface="Aeonik Fono" panose="020B0504030300000000" pitchFamily="34" charset="0"/>
+                <a:ea typeface="ＭＳ Ｐゴシック"/>
+              </a:rPr>
+              <a:t>)</a:t>
+            </a:r>
+            <a:endParaRPr lang="en-US" sz="1400" dirty="0">
+              <a:solidFill>
+                <a:schemeClr val="tx1"/>
+              </a:solidFill>
+              <a:latin typeface="Aeonik Fono" panose="020B0504030300000000" pitchFamily="34" charset="0"/>
+              <a:ea typeface="ＭＳ Ｐゴシック" charset="0"/>
+            </a:endParaRPr>
+          </a:p>
+        </p:txBody>
+      </p:sp>
+      <p:sp>
+        <p:nvSpPr>
+          <p:cNvPr id="63" name="Content Placeholder 2">
+            <a:extLst>
+              <a:ext uri="{FF2B5EF4-FFF2-40B4-BE49-F238E27FC236}">
+                <a16:creationId xmlns:a16="http://schemas.microsoft.com/office/drawing/2014/main" id="{B1ACBE11-37DE-BA90-6AEC-87FD54D5AE52}"/>
+              </a:ext>
+            </a:extLst>
+          </p:cNvPr>
+          <p:cNvSpPr txBox="1">
+            <a:spLocks/>
+          </p:cNvSpPr>
+          <p:nvPr/>
+        </p:nvSpPr>
+        <p:spPr>
+          <a:xfrm>
+            <a:off x="3683501" y="1510937"/>
+            <a:ext cx="4824995" cy="170332"/>
+          </a:xfrm>
+          <a:prstGeom prst="rect">
+            <a:avLst/>
+          </a:prstGeom>
+        </p:spPr>
+        <p:txBody>
+          <a:bodyPr vert="horz" lIns="0" tIns="0" rIns="0" bIns="0" rtlCol="0">
+            <a:noAutofit/>
+          </a:bodyPr>
+          <a:lstStyle>
+            <a:lvl1pPr marL="342900" indent="-342900" algn="l" rtl="0" eaLnBrk="1" fontAlgn="base" hangingPunct="1">
+              <a:lnSpc>
+                <a:spcPct val="100000"/>
+              </a:lnSpc>
+              <a:spcBef>
+                <a:spcPts val="600"/>
+              </a:spcBef>
+              <a:spcAft>
+                <a:spcPts val="0"/>
+              </a:spcAft>
+              <a:buClr>
+                <a:schemeClr val="accent1"/>
+              </a:buClr>
+              <a:buFontTx/>
+              <a:buBlip>
+                <a:blip r:embed="rId4">
+                  <a:extLst>
+                    <a:ext uri="{96DAC541-7B7A-43D3-8B79-37D633B846F1}">
+                      <asvg:svgBlip xmlns:asvg="http://schemas.microsoft.com/office/drawing/2016/SVG/main" r:embed="rId5"/>
+                    </a:ext>
+                  </a:extLst>
+                </a:blip>
+              </a:buBlip>
+              <a:defRPr sz="2400" kern="1200">
+                <a:solidFill>
+                  <a:schemeClr val="tx2"/>
+                </a:solidFill>
+                <a:latin typeface="+mn-lt"/>
+                <a:ea typeface="ＭＳ Ｐゴシック" charset="0"/>
+                <a:cs typeface="ＭＳ Ｐゴシック" charset="0"/>
+              </a:defRPr>
+            </a:lvl1pPr>
+            <a:lvl2pPr marL="672783" indent="-166688" algn="l" rtl="0" eaLnBrk="1" fontAlgn="base" hangingPunct="1">
+              <a:lnSpc>
+                <a:spcPct val="100000"/>
+              </a:lnSpc>
+              <a:spcBef>
+                <a:spcPts val="0"/>
+              </a:spcBef>
+              <a:spcAft>
+                <a:spcPts val="0"/>
+              </a:spcAft>
+              <a:buClr>
+                <a:schemeClr val="accent1"/>
+              </a:buClr>
+              <a:buSzPct val="80000"/>
+              <a:buFont typeface="Arial" charset="0"/>
+              <a:buChar char="•"/>
+              <a:defRPr sz="2000" kern="1200">
+                <a:solidFill>
+                  <a:schemeClr val="tx2"/>
+                </a:solidFill>
+                <a:latin typeface="+mn-lt"/>
+                <a:ea typeface="ＭＳ Ｐゴシック" charset="0"/>
+                <a:cs typeface="+mn-cs"/>
+              </a:defRPr>
+            </a:lvl2pPr>
+            <a:lvl3pPr marL="947103" indent="-166688" algn="l" rtl="0" eaLnBrk="1" fontAlgn="base" hangingPunct="1">
+              <a:lnSpc>
+                <a:spcPct val="100000"/>
+              </a:lnSpc>
+              <a:spcBef>
+                <a:spcPts val="0"/>
+              </a:spcBef>
+              <a:spcAft>
+                <a:spcPts val="0"/>
+              </a:spcAft>
+              <a:buClr>
+                <a:schemeClr val="accent1"/>
+              </a:buClr>
+              <a:buSzPct val="80000"/>
+              <a:buFontTx/>
+              <a:buBlip>
+                <a:blip r:embed="rId6">
+                  <a:extLst>
+                    <a:ext uri="{96DAC541-7B7A-43D3-8B79-37D633B846F1}">
+                      <asvg:svgBlip xmlns:asvg="http://schemas.microsoft.com/office/drawing/2016/SVG/main" r:embed="rId7"/>
+                    </a:ext>
+                  </a:extLst>
+                </a:blip>
+              </a:buBlip>
+              <a:defRPr sz="1800" kern="1200">
+                <a:solidFill>
+                  <a:schemeClr val="tx2"/>
+                </a:solidFill>
+                <a:latin typeface="+mn-lt"/>
+                <a:ea typeface="ＭＳ Ｐゴシック" charset="0"/>
+                <a:cs typeface="+mn-cs"/>
+              </a:defRPr>
+            </a:lvl3pPr>
+            <a:lvl4pPr marL="1293178" indent="-173038" algn="l" rtl="0" eaLnBrk="1" fontAlgn="base" hangingPunct="1">
+              <a:lnSpc>
+                <a:spcPct val="100000"/>
+              </a:lnSpc>
+              <a:spcBef>
+                <a:spcPts val="0"/>
+              </a:spcBef>
+              <a:spcAft>
+                <a:spcPts val="0"/>
+              </a:spcAft>
+              <a:buClr>
+                <a:schemeClr val="accent1"/>
+              </a:buClr>
+              <a:buSzPct val="80000"/>
+              <a:buFont typeface="Wingdings" charset="2"/>
+              <a:buChar char="§"/>
+              <a:defRPr sz="1800" kern="1200">
+                <a:solidFill>
+                  <a:schemeClr val="tx2"/>
+                </a:solidFill>
+                <a:latin typeface="+mn-lt"/>
+                <a:ea typeface="ＭＳ Ｐゴシック" charset="0"/>
+                <a:cs typeface="+mn-cs"/>
+              </a:defRPr>
+            </a:lvl4pPr>
+            <a:lvl5pPr marL="1518603" indent="-168275" algn="l" rtl="0" eaLnBrk="1" fontAlgn="base" hangingPunct="1">
+              <a:lnSpc>
+                <a:spcPct val="100000"/>
+              </a:lnSpc>
+              <a:spcBef>
+                <a:spcPts val="0"/>
+              </a:spcBef>
+              <a:spcAft>
+                <a:spcPts val="0"/>
+              </a:spcAft>
+              <a:buClr>
+                <a:schemeClr val="accent1"/>
+              </a:buClr>
+              <a:buSzPct val="80000"/>
+              <a:buFontTx/>
+              <a:buBlip>
+                <a:blip r:embed="rId6">
+                  <a:extLst>
+                    <a:ext uri="{96DAC541-7B7A-43D3-8B79-37D633B846F1}">
+                      <asvg:svgBlip xmlns:asvg="http://schemas.microsoft.com/office/drawing/2016/SVG/main" r:embed="rId7"/>
+                    </a:ext>
+                  </a:extLst>
+                </a:blip>
+              </a:buBlip>
+              <a:defRPr sz="1800" kern="1200">
+                <a:solidFill>
+                  <a:schemeClr val="tx2"/>
+                </a:solidFill>
+                <a:latin typeface="+mn-lt"/>
+                <a:ea typeface="ＭＳ Ｐゴシック" charset="0"/>
+                <a:cs typeface="+mn-cs"/>
+              </a:defRPr>
+            </a:lvl5pPr>
+            <a:lvl6pPr marL="1655064" indent="-164592" algn="l" defTabSz="914400" rtl="0" eaLnBrk="1" latinLnBrk="0" hangingPunct="1">
+              <a:lnSpc>
+                <a:spcPct val="100000"/>
+              </a:lnSpc>
+              <a:spcBef>
+                <a:spcPts val="0"/>
+              </a:spcBef>
+              <a:spcAft>
+                <a:spcPts val="0"/>
+              </a:spcAft>
+              <a:buClr>
+                <a:schemeClr val="accent1"/>
+              </a:buClr>
+              <a:buSzPct val="80000"/>
+              <a:buFont typeface="Wingdings" panose="05000000000000000000" pitchFamily="2" charset="2"/>
+              <a:buChar char="§"/>
+              <a:defRPr lang="en-US" sz="1600" kern="1200">
+                <a:solidFill>
+                  <a:schemeClr val="tx2"/>
+                </a:solidFill>
+                <a:latin typeface="+mn-lt"/>
+                <a:ea typeface="+mn-ea"/>
+                <a:cs typeface="+mn-cs"/>
+              </a:defRPr>
+            </a:lvl6pPr>
+            <a:lvl7pPr marL="1883664" indent="-164592" algn="l" defTabSz="914400" rtl="0" eaLnBrk="1" latinLnBrk="0" hangingPunct="1">
+              <a:lnSpc>
+                <a:spcPct val="100000"/>
+              </a:lnSpc>
+              <a:spcBef>
+                <a:spcPts val="0"/>
+              </a:spcBef>
+              <a:spcAft>
+                <a:spcPts val="0"/>
+              </a:spcAft>
+              <a:buClr>
+                <a:schemeClr val="accent1"/>
+              </a:buClr>
+              <a:buSzPct val="80000"/>
+              <a:buFont typeface="Calibri" panose="020F0502020204030204" pitchFamily="34" charset="0"/>
+              <a:buChar char="–"/>
+              <a:defRPr lang="en-US" sz="1600" kern="1200">
+                <a:solidFill>
+                  <a:schemeClr val="tx2"/>
+                </a:solidFill>
+                <a:latin typeface="+mn-lt"/>
+                <a:ea typeface="+mn-ea"/>
+                <a:cs typeface="+mn-cs"/>
+              </a:defRPr>
+            </a:lvl7pPr>
+            <a:lvl8pPr marL="2112264" indent="-164592" algn="l" defTabSz="914400" rtl="0" eaLnBrk="1" latinLnBrk="0" hangingPunct="1">
+              <a:lnSpc>
+                <a:spcPct val="100000"/>
+              </a:lnSpc>
+              <a:spcBef>
+                <a:spcPts val="0"/>
+              </a:spcBef>
+              <a:spcAft>
+                <a:spcPts val="0"/>
+              </a:spcAft>
+              <a:buClr>
+                <a:schemeClr val="accent1"/>
+              </a:buClr>
+              <a:buSzPct val="80000"/>
+              <a:buFont typeface="Wingdings" panose="05000000000000000000" pitchFamily="2" charset="2"/>
+              <a:buChar char="§"/>
+              <a:defRPr lang="en-US" sz="1600" kern="1200">
+                <a:solidFill>
+                  <a:schemeClr val="tx2"/>
+                </a:solidFill>
+                <a:latin typeface="+mn-lt"/>
+                <a:ea typeface="+mn-ea"/>
+                <a:cs typeface="+mn-cs"/>
+              </a:defRPr>
+            </a:lvl8pPr>
+            <a:lvl9pPr marL="2340864" indent="-164592" algn="l" defTabSz="914400" rtl="0" eaLnBrk="1" latinLnBrk="0" hangingPunct="1">
+              <a:lnSpc>
+                <a:spcPct val="100000"/>
+              </a:lnSpc>
+              <a:spcBef>
+                <a:spcPts val="0"/>
+              </a:spcBef>
+              <a:spcAft>
+                <a:spcPts val="0"/>
+              </a:spcAft>
+              <a:buClr>
+                <a:schemeClr val="accent1"/>
+              </a:buClr>
+              <a:buSzPct val="80000"/>
+              <a:buFont typeface="Calibri" panose="020F0502020204030204" pitchFamily="34" charset="0"/>
+              <a:buChar char="–"/>
+              <a:defRPr lang="en-US" sz="1600" kern="1200">
+                <a:solidFill>
+                  <a:schemeClr val="tx2"/>
+                </a:solidFill>
+                <a:latin typeface="+mn-lt"/>
+                <a:ea typeface="+mn-ea"/>
+                <a:cs typeface="+mn-cs"/>
+              </a:defRPr>
+            </a:lvl9pPr>
+          </a:lstStyle>
+          <a:p>
+            <a:pPr marL="0" marR="0" lvl="0" indent="0" algn="ctr" defTabSz="1219170" rtl="0" eaLnBrk="1" fontAlgn="base" latinLnBrk="0" hangingPunct="1">
+              <a:lnSpc>
+                <a:spcPct val="100000"/>
+              </a:lnSpc>
+              <a:spcBef>
+                <a:spcPts val="800"/>
+              </a:spcBef>
+              <a:spcAft>
+                <a:spcPts val="0"/>
+              </a:spcAft>
+              <a:buClr>
+                <a:srgbClr val="0091BD"/>
+              </a:buClr>
+              <a:buSzTx/>
+              <a:buFontTx/>
+              <a:buNone/>
+              <a:tabLst/>
+              <a:defRPr/>
+            </a:pPr>
+            <a:endParaRPr kumimoji="0" lang="en-US" sz="1067" b="1" i="0" u="none" strike="noStrike" kern="1200" cap="none" spc="400" normalizeH="0" baseline="0" noProof="0">
+              <a:ln>
+                <a:noFill/>
+              </a:ln>
+              <a:solidFill>
+                <a:schemeClr val="bg1"/>
+              </a:solidFill>
+              <a:effectLst/>
+              <a:uLnTx/>
+              <a:uFillTx/>
+              <a:latin typeface="Aeonik Fono" panose="020B0504030300000000" pitchFamily="34" charset="0"/>
+              <a:ea typeface="ＭＳ Ｐゴシック" charset="0"/>
+            </a:endParaRPr>
+          </a:p>
+        </p:txBody>
+      </p:sp>
+      <p:cxnSp>
+        <p:nvCxnSpPr>
+          <p:cNvPr id="64" name="Straight Arrow Connector 63">
+            <a:extLst>
+              <a:ext uri="{FF2B5EF4-FFF2-40B4-BE49-F238E27FC236}">
+                <a16:creationId xmlns:a16="http://schemas.microsoft.com/office/drawing/2014/main" id="{7431FE1E-51DC-CE76-50DE-FA3793809790}"/>
+              </a:ext>
+            </a:extLst>
+          </p:cNvPr>
+          <p:cNvCxnSpPr>
+            <a:cxnSpLocks/>
+            <a:stCxn id="105" idx="3"/>
+            <a:endCxn id="106" idx="1"/>
+          </p:cNvCxnSpPr>
+          <p:nvPr/>
+        </p:nvCxnSpPr>
+        <p:spPr>
+          <a:xfrm flipV="1">
+            <a:off x="2483932" y="2232176"/>
+            <a:ext cx="1171756" cy="2571"/>
+          </a:xfrm>
+          <a:prstGeom prst="straightConnector1">
+            <a:avLst/>
+          </a:prstGeom>
+          <a:ln w="15875">
+            <a:solidFill>
+              <a:schemeClr val="accent1"/>
+            </a:solidFill>
+            <a:tailEnd type="triangle"/>
+          </a:ln>
+        </p:spPr>
+        <p:style>
+          <a:lnRef idx="1">
+            <a:schemeClr val="accent1"/>
+          </a:lnRef>
+          <a:fillRef idx="0">
+            <a:schemeClr val="accent1"/>
+          </a:fillRef>
+          <a:effectRef idx="0">
+            <a:schemeClr val="accent1"/>
+          </a:effectRef>
+          <a:fontRef idx="minor">
+            <a:schemeClr val="tx1"/>
+          </a:fontRef>
+        </p:style>
+      </p:cxnSp>
+      <p:cxnSp>
+        <p:nvCxnSpPr>
+          <p:cNvPr id="65" name="Straight Arrow Connector 64">
+            <a:extLst>
+              <a:ext uri="{FF2B5EF4-FFF2-40B4-BE49-F238E27FC236}">
+                <a16:creationId xmlns:a16="http://schemas.microsoft.com/office/drawing/2014/main" id="{14ED12F4-FBB1-1EA9-70C7-5807A04DB713}"/>
+              </a:ext>
+            </a:extLst>
+          </p:cNvPr>
+          <p:cNvCxnSpPr>
+            <a:cxnSpLocks/>
+          </p:cNvCxnSpPr>
+          <p:nvPr/>
+        </p:nvCxnSpPr>
+        <p:spPr>
+          <a:xfrm>
+            <a:off x="4559008" y="2223366"/>
+            <a:ext cx="3071484" cy="0"/>
+          </a:xfrm>
+          <a:prstGeom prst="straightConnector1">
+            <a:avLst/>
+          </a:prstGeom>
+          <a:ln w="15875">
+            <a:solidFill>
+              <a:schemeClr val="accent1"/>
+            </a:solidFill>
+            <a:tailEnd type="triangle"/>
+          </a:ln>
+        </p:spPr>
+        <p:style>
+          <a:lnRef idx="1">
+            <a:schemeClr val="accent1"/>
+          </a:lnRef>
+          <a:fillRef idx="0">
+            <a:schemeClr val="accent1"/>
+          </a:fillRef>
+          <a:effectRef idx="0">
+            <a:schemeClr val="accent1"/>
+          </a:effectRef>
+          <a:fontRef idx="minor">
+            <a:schemeClr val="tx1"/>
+          </a:fontRef>
+        </p:style>
+      </p:cxnSp>
+      <p:cxnSp>
+        <p:nvCxnSpPr>
+          <p:cNvPr id="66" name="Straight Arrow Connector 65">
+            <a:extLst>
+              <a:ext uri="{FF2B5EF4-FFF2-40B4-BE49-F238E27FC236}">
+                <a16:creationId xmlns:a16="http://schemas.microsoft.com/office/drawing/2014/main" id="{7A8F982D-CC9E-6900-4BE0-38574FC1AB0B}"/>
+              </a:ext>
+            </a:extLst>
+          </p:cNvPr>
+          <p:cNvCxnSpPr>
+            <a:cxnSpLocks/>
+            <a:stCxn id="107" idx="3"/>
+            <a:endCxn id="108" idx="1"/>
+          </p:cNvCxnSpPr>
+          <p:nvPr/>
+        </p:nvCxnSpPr>
+        <p:spPr>
+          <a:xfrm>
+            <a:off x="7749704" y="2241920"/>
+            <a:ext cx="530363" cy="4923"/>
+          </a:xfrm>
+          <a:prstGeom prst="straightConnector1">
+            <a:avLst/>
+          </a:prstGeom>
+          <a:ln w="15875">
+            <a:solidFill>
+              <a:schemeClr val="accent1"/>
+            </a:solidFill>
+            <a:tailEnd type="triangle"/>
+          </a:ln>
+        </p:spPr>
+        <p:style>
+          <a:lnRef idx="1">
+            <a:schemeClr val="accent1"/>
+          </a:lnRef>
+          <a:fillRef idx="0">
+            <a:schemeClr val="accent1"/>
+          </a:fillRef>
+          <a:effectRef idx="0">
+            <a:schemeClr val="accent1"/>
+          </a:effectRef>
+          <a:fontRef idx="minor">
+            <a:schemeClr val="tx1"/>
+          </a:fontRef>
+        </p:style>
+      </p:cxnSp>
+      <p:cxnSp>
+        <p:nvCxnSpPr>
+          <p:cNvPr id="67" name="Straight Arrow Connector 66">
+            <a:extLst>
+              <a:ext uri="{FF2B5EF4-FFF2-40B4-BE49-F238E27FC236}">
+                <a16:creationId xmlns:a16="http://schemas.microsoft.com/office/drawing/2014/main" id="{D274CD40-C8D6-DE13-07F8-F3E8E1381493}"/>
+              </a:ext>
+            </a:extLst>
+          </p:cNvPr>
+          <p:cNvCxnSpPr>
+            <a:cxnSpLocks/>
+            <a:endCxn id="109" idx="0"/>
+          </p:cNvCxnSpPr>
+          <p:nvPr/>
+        </p:nvCxnSpPr>
+        <p:spPr>
+          <a:xfrm>
+            <a:off x="5711270" y="2219958"/>
+            <a:ext cx="183" cy="181305"/>
+          </a:xfrm>
+          <a:prstGeom prst="straightConnector1">
+            <a:avLst/>
+          </a:prstGeom>
+          <a:ln w="15875">
+            <a:solidFill>
+              <a:schemeClr val="accent1"/>
+            </a:solidFill>
+            <a:tailEnd type="triangle"/>
+          </a:ln>
+        </p:spPr>
+        <p:style>
+          <a:lnRef idx="1">
+            <a:schemeClr val="accent1"/>
+          </a:lnRef>
+          <a:fillRef idx="0">
+            <a:schemeClr val="accent1"/>
+          </a:fillRef>
+          <a:effectRef idx="0">
+            <a:schemeClr val="accent1"/>
+          </a:effectRef>
+          <a:fontRef idx="minor">
+            <a:schemeClr val="tx1"/>
+          </a:fontRef>
+        </p:style>
+      </p:cxnSp>
+      <p:sp>
+        <p:nvSpPr>
+          <p:cNvPr id="68" name="Process 67">
+            <a:extLst>
+              <a:ext uri="{FF2B5EF4-FFF2-40B4-BE49-F238E27FC236}">
+                <a16:creationId xmlns:a16="http://schemas.microsoft.com/office/drawing/2014/main" id="{57E49395-EA3D-6B0D-F08D-AA8BF39ADD61}"/>
+              </a:ext>
+            </a:extLst>
+          </p:cNvPr>
+          <p:cNvSpPr/>
+          <p:nvPr/>
+        </p:nvSpPr>
+        <p:spPr>
+          <a:xfrm>
+            <a:off x="1625073" y="4427234"/>
+            <a:ext cx="864000" cy="848717"/>
+          </a:xfrm>
+          <a:prstGeom prst="flowChartProcess">
+            <a:avLst/>
+          </a:prstGeom>
+          <a:solidFill>
+            <a:schemeClr val="tx2"/>
+          </a:solidFill>
+          <a:ln w="15875">
+            <a:solidFill>
+              <a:srgbClr val="00C1DE"/>
+            </a:solidFill>
+          </a:ln>
+        </p:spPr>
+        <p:style>
+          <a:lnRef idx="2">
+            <a:schemeClr val="accent1">
+              <a:shade val="50000"/>
+            </a:schemeClr>
+          </a:lnRef>
+          <a:fillRef idx="1">
+            <a:schemeClr val="accent1"/>
+          </a:fillRef>
+          <a:effectRef idx="0">
+            <a:schemeClr val="accent1"/>
+          </a:effectRef>
+          <a:fontRef idx="minor">
+            <a:schemeClr val="lt1"/>
+          </a:fontRef>
+        </p:style>
+        <p:txBody>
+          <a:bodyPr rtlCol="0" anchor="ctr"/>
+          <a:lstStyle/>
+          <a:p>
+            <a:pPr marL="0" marR="0" lvl="0" indent="0" algn="ctr" defTabSz="1219170" rtl="0" eaLnBrk="0" fontAlgn="base" latinLnBrk="0" hangingPunct="0">
+              <a:lnSpc>
+                <a:spcPct val="100000"/>
+              </a:lnSpc>
+              <a:spcBef>
+                <a:spcPct val="0"/>
+              </a:spcBef>
+              <a:spcAft>
+                <a:spcPct val="0"/>
+              </a:spcAft>
+              <a:buClrTx/>
+              <a:buSzTx/>
+              <a:buFontTx/>
+              <a:buNone/>
+              <a:tabLst/>
+              <a:defRPr/>
+            </a:pPr>
+            <a:r>
+              <a:rPr kumimoji="0" lang="en-GB" sz="1200" b="0" i="0" u="none" strike="noStrike" kern="1200" cap="none" spc="0" normalizeH="0" baseline="0" noProof="0" dirty="0">
+                <a:ln>
+                  <a:noFill/>
+                </a:ln>
+                <a:solidFill>
+                  <a:srgbClr val="FFFFFF"/>
+                </a:solidFill>
+                <a:effectLst/>
+                <a:uLnTx/>
+                <a:uFillTx/>
+                <a:latin typeface="Aeonik" panose="020B0503030300000000" pitchFamily="34" charset="0"/>
+                <a:ea typeface="+mn-ea"/>
+                <a:cs typeface="Calibri" panose="020F0502020204030204" pitchFamily="34" charset="0"/>
+              </a:rPr>
+              <a:t>Search</a:t>
+            </a:r>
+          </a:p>
+          <a:p>
+            <a:pPr marL="0" marR="0" lvl="0" indent="0" algn="ctr" defTabSz="1219170" rtl="0" eaLnBrk="0" fontAlgn="base" latinLnBrk="0" hangingPunct="0">
+              <a:lnSpc>
+                <a:spcPct val="100000"/>
+              </a:lnSpc>
+              <a:spcBef>
+                <a:spcPct val="0"/>
+              </a:spcBef>
+              <a:spcAft>
+                <a:spcPct val="0"/>
+              </a:spcAft>
+              <a:buClrTx/>
+              <a:buSzTx/>
+              <a:buFontTx/>
+              <a:buNone/>
+              <a:tabLst/>
+              <a:defRPr/>
+            </a:pPr>
+            <a:r>
+              <a:rPr kumimoji="0" lang="en-GB" sz="1200" b="0" i="0" u="none" strike="noStrike" kern="1200" cap="none" spc="0" normalizeH="0" baseline="0" noProof="0" dirty="0">
+                <a:ln>
+                  <a:noFill/>
+                </a:ln>
+                <a:solidFill>
+                  <a:srgbClr val="FFFFFF"/>
+                </a:solidFill>
+                <a:effectLst/>
+                <a:uLnTx/>
+                <a:uFillTx/>
+                <a:latin typeface="Aeonik" panose="020B0503030300000000" pitchFamily="34" charset="0"/>
+                <a:ea typeface="+mn-ea"/>
+                <a:cs typeface="Calibri" panose="020F0502020204030204" pitchFamily="34" charset="0"/>
+              </a:rPr>
+              <a:t>Model</a:t>
+            </a:r>
+          </a:p>
+        </p:txBody>
+      </p:sp>
+      <p:sp>
+        <p:nvSpPr>
+          <p:cNvPr id="75" name="Process 74">
+            <a:extLst>
+              <a:ext uri="{FF2B5EF4-FFF2-40B4-BE49-F238E27FC236}">
+                <a16:creationId xmlns:a16="http://schemas.microsoft.com/office/drawing/2014/main" id="{D9BC0810-92E5-3C9F-1E91-B241F7196253}"/>
+              </a:ext>
+            </a:extLst>
+          </p:cNvPr>
+          <p:cNvSpPr/>
+          <p:nvPr/>
+        </p:nvSpPr>
+        <p:spPr>
+          <a:xfrm>
+            <a:off x="8319387" y="4427234"/>
+            <a:ext cx="864000" cy="848717"/>
+          </a:xfrm>
+          <a:prstGeom prst="flowChartProcess">
+            <a:avLst/>
+          </a:prstGeom>
+          <a:solidFill>
+            <a:schemeClr val="tx2"/>
+          </a:solidFill>
+          <a:ln w="15875">
+            <a:solidFill>
+              <a:schemeClr val="accent4">
+                <a:lumMod val="75000"/>
+              </a:schemeClr>
+            </a:solidFill>
+          </a:ln>
+        </p:spPr>
+        <p:style>
+          <a:lnRef idx="2">
+            <a:schemeClr val="accent1">
+              <a:shade val="50000"/>
+            </a:schemeClr>
+          </a:lnRef>
+          <a:fillRef idx="1">
+            <a:schemeClr val="accent1"/>
+          </a:fillRef>
+          <a:effectRef idx="0">
+            <a:schemeClr val="accent1"/>
+          </a:effectRef>
+          <a:fontRef idx="minor">
+            <a:schemeClr val="lt1"/>
+          </a:fontRef>
+        </p:style>
+        <p:txBody>
+          <a:bodyPr rtlCol="0" anchor="ctr"/>
+          <a:lstStyle/>
+          <a:p>
+            <a:pPr marL="0" marR="0" lvl="0" indent="0" algn="ctr" defTabSz="1219170" rtl="0" eaLnBrk="0" fontAlgn="base" latinLnBrk="0" hangingPunct="0">
+              <a:lnSpc>
+                <a:spcPct val="100000"/>
+              </a:lnSpc>
+              <a:spcBef>
+                <a:spcPct val="0"/>
+              </a:spcBef>
+              <a:spcAft>
+                <a:spcPct val="0"/>
+              </a:spcAft>
+              <a:buClrTx/>
+              <a:buSzTx/>
+              <a:buFontTx/>
+              <a:buNone/>
+              <a:tabLst/>
+              <a:defRPr/>
+            </a:pPr>
+            <a:r>
+              <a:rPr kumimoji="0" lang="en-GB" sz="1100" b="0" i="0" u="none" strike="noStrike" kern="1200" cap="none" spc="0" normalizeH="0" baseline="0" noProof="0">
+                <a:ln>
+                  <a:noFill/>
+                </a:ln>
+                <a:solidFill>
+                  <a:srgbClr val="FFFFFF"/>
+                </a:solidFill>
+                <a:effectLst/>
+                <a:uLnTx/>
+                <a:uFillTx/>
+                <a:latin typeface="Aeonik" panose="020B0503030300000000" pitchFamily="34" charset="0"/>
+                <a:ea typeface="+mn-ea"/>
+                <a:cs typeface="Calibri" panose="020F0502020204030204" pitchFamily="34" charset="0"/>
+              </a:rPr>
+              <a:t>Optimized</a:t>
+            </a:r>
+            <a:br>
+              <a:rPr kumimoji="0" lang="en-GB" sz="1200" b="0" i="0" u="none" strike="noStrike" kern="1200" cap="none" spc="0" normalizeH="0" baseline="0" noProof="0">
+                <a:ln>
+                  <a:noFill/>
+                </a:ln>
+                <a:solidFill>
+                  <a:srgbClr val="FFFFFF"/>
+                </a:solidFill>
+                <a:effectLst/>
+                <a:uLnTx/>
+                <a:uFillTx/>
+                <a:latin typeface="Aeonik" panose="020B0503030300000000" pitchFamily="34" charset="0"/>
+                <a:ea typeface="+mn-ea"/>
+                <a:cs typeface="Calibri" panose="020F0502020204030204" pitchFamily="34" charset="0"/>
+              </a:rPr>
+            </a:br>
+            <a:r>
+              <a:rPr kumimoji="0" lang="en-GB" sz="1200" b="0" i="0" u="none" strike="noStrike" kern="1200" cap="none" spc="0" normalizeH="0" baseline="0" noProof="0">
+                <a:ln>
+                  <a:noFill/>
+                </a:ln>
+                <a:solidFill>
+                  <a:srgbClr val="FFFFFF"/>
+                </a:solidFill>
+                <a:effectLst/>
+                <a:uLnTx/>
+                <a:uFillTx/>
+                <a:latin typeface="Aeonik" panose="020B0503030300000000" pitchFamily="34" charset="0"/>
+                <a:ea typeface="+mn-ea"/>
+                <a:cs typeface="Calibri" panose="020F0502020204030204" pitchFamily="34" charset="0"/>
+              </a:rPr>
+              <a:t>ML Model</a:t>
+            </a:r>
+          </a:p>
+        </p:txBody>
+      </p:sp>
+      <p:sp>
+        <p:nvSpPr>
+          <p:cNvPr id="83" name="TextBox 82">
+            <a:extLst>
+              <a:ext uri="{FF2B5EF4-FFF2-40B4-BE49-F238E27FC236}">
+                <a16:creationId xmlns:a16="http://schemas.microsoft.com/office/drawing/2014/main" id="{03114432-A101-FA04-58DA-CD564943CA56}"/>
+              </a:ext>
+            </a:extLst>
+          </p:cNvPr>
+          <p:cNvSpPr txBox="1"/>
+          <p:nvPr/>
+        </p:nvSpPr>
+        <p:spPr>
+          <a:xfrm>
+            <a:off x="6677635" y="5593418"/>
+            <a:ext cx="2201628" cy="193899"/>
+          </a:xfrm>
+          <a:prstGeom prst="rect">
+            <a:avLst/>
+          </a:prstGeom>
+          <a:noFill/>
+        </p:spPr>
+        <p:txBody>
+          <a:bodyPr wrap="square" lIns="0" tIns="0" rIns="0" bIns="0" rtlCol="0">
+            <a:spAutoFit/>
+          </a:bodyPr>
+          <a:lstStyle/>
+          <a:p>
+            <a:pPr marL="0" marR="0" lvl="0" indent="0" algn="ctr" defTabSz="914377" rtl="0" eaLnBrk="1" fontAlgn="base" latinLnBrk="0" hangingPunct="1">
+              <a:lnSpc>
+                <a:spcPct val="90000"/>
+              </a:lnSpc>
+              <a:spcBef>
+                <a:spcPts val="0"/>
+              </a:spcBef>
+              <a:spcAft>
+                <a:spcPts val="600"/>
+              </a:spcAft>
+              <a:buClrTx/>
+              <a:buSzTx/>
+              <a:buFontTx/>
+              <a:buNone/>
+              <a:tabLst/>
+              <a:defRPr/>
+            </a:pPr>
+            <a:r>
+              <a:rPr kumimoji="0" lang="en-US" sz="1400" b="1" i="0" u="none" strike="noStrike" kern="1200" cap="none" spc="0" normalizeH="0" baseline="0" noProof="0" dirty="0">
+                <a:ln>
+                  <a:noFill/>
+                </a:ln>
+                <a:solidFill>
+                  <a:srgbClr val="00EAE7">
+                    <a:lumMod val="75000"/>
+                  </a:srgbClr>
+                </a:solidFill>
+                <a:effectLst/>
+                <a:uLnTx/>
+                <a:uFillTx/>
+                <a:latin typeface="+mn-lt"/>
+                <a:ea typeface="ＭＳ Ｐゴシック" panose="020B0600070205080204" pitchFamily="34" charset="-128"/>
+                <a:cs typeface="Calibri" panose="020F0502020204030204" pitchFamily="34" charset="0"/>
+              </a:rPr>
+              <a:t>Arm tools integrate here</a:t>
+            </a:r>
+            <a:r>
+              <a:rPr kumimoji="0" lang="en-US" sz="1400" b="1" i="0" u="none" strike="noStrike" kern="1200" cap="none" spc="0" normalizeH="0" baseline="0" noProof="0" dirty="0">
+                <a:ln>
+                  <a:noFill/>
+                </a:ln>
+                <a:solidFill>
+                  <a:srgbClr val="00EAE7">
+                    <a:lumMod val="50000"/>
+                  </a:srgbClr>
+                </a:solidFill>
+                <a:effectLst/>
+                <a:uLnTx/>
+                <a:uFillTx/>
+                <a:latin typeface="+mn-lt"/>
+                <a:ea typeface="ＭＳ Ｐゴシック" panose="020B0600070205080204" pitchFamily="34" charset="-128"/>
+                <a:cs typeface="Calibri" panose="020F0502020204030204" pitchFamily="34" charset="0"/>
+              </a:rPr>
+              <a:t> </a:t>
+            </a:r>
+          </a:p>
+        </p:txBody>
+      </p:sp>
+      <p:sp>
+        <p:nvSpPr>
+          <p:cNvPr id="86" name="Right Brace 85">
+            <a:extLst>
+              <a:ext uri="{FF2B5EF4-FFF2-40B4-BE49-F238E27FC236}">
+                <a16:creationId xmlns:a16="http://schemas.microsoft.com/office/drawing/2014/main" id="{3536DF1C-1A47-DB3A-9A0F-D314A9AEC0D3}"/>
+              </a:ext>
+            </a:extLst>
+          </p:cNvPr>
+          <p:cNvSpPr/>
+          <p:nvPr/>
+        </p:nvSpPr>
+        <p:spPr>
+          <a:xfrm>
+            <a:off x="1015847" y="3872496"/>
+            <a:ext cx="384503" cy="1954477"/>
+          </a:xfrm>
+          <a:prstGeom prst="rightBrace">
+            <a:avLst>
+              <a:gd name="adj1" fmla="val 0"/>
+              <a:gd name="adj2" fmla="val 50000"/>
+            </a:avLst>
+          </a:prstGeom>
+          <a:ln w="15875">
+            <a:solidFill>
+              <a:schemeClr val="tx1">
+                <a:lumMod val="50000"/>
+                <a:lumOff val="50000"/>
+              </a:schemeClr>
+            </a:solidFill>
+          </a:ln>
+        </p:spPr>
+        <p:style>
+          <a:lnRef idx="1">
+            <a:schemeClr val="accent1"/>
+          </a:lnRef>
+          <a:fillRef idx="0">
+            <a:schemeClr val="accent1"/>
+          </a:fillRef>
+          <a:effectRef idx="0">
+            <a:schemeClr val="accent1"/>
+          </a:effectRef>
+          <a:fontRef idx="minor">
+            <a:schemeClr val="tx1"/>
+          </a:fontRef>
+        </p:style>
+        <p:txBody>
+          <a:bodyPr rtlCol="0" anchor="ctr"/>
+          <a:lstStyle/>
+          <a:p>
+            <a:pPr marL="0" marR="0" lvl="0" indent="0" algn="ctr" defTabSz="1219170" rtl="0" eaLnBrk="0" fontAlgn="base" latinLnBrk="0" hangingPunct="0">
+              <a:lnSpc>
+                <a:spcPct val="100000"/>
+              </a:lnSpc>
+              <a:spcBef>
+                <a:spcPct val="0"/>
+              </a:spcBef>
+              <a:spcAft>
+                <a:spcPct val="0"/>
+              </a:spcAft>
+              <a:buClrTx/>
+              <a:buSzTx/>
+              <a:buFontTx/>
+              <a:buNone/>
+              <a:tabLst/>
+              <a:defRPr/>
+            </a:pPr>
+            <a:endParaRPr kumimoji="0" lang="en-US" sz="2400" b="0" i="0" u="none" strike="noStrike" kern="1200" cap="none" spc="0" normalizeH="0" baseline="0" noProof="0">
+              <a:ln>
+                <a:noFill/>
+              </a:ln>
+              <a:solidFill>
+                <a:srgbClr val="000000"/>
+              </a:solidFill>
+              <a:effectLst/>
+              <a:uLnTx/>
+              <a:uFillTx/>
+              <a:latin typeface="Aeonik" panose="020B0503030300000000" pitchFamily="34" charset="0"/>
+              <a:ea typeface="+mn-ea"/>
+              <a:cs typeface="Calibri" panose="020F0502020204030204" pitchFamily="34" charset="0"/>
+            </a:endParaRPr>
+          </a:p>
+        </p:txBody>
+      </p:sp>
+      <p:sp>
+        <p:nvSpPr>
+          <p:cNvPr id="87" name="Right Brace 86">
+            <a:extLst>
+              <a:ext uri="{FF2B5EF4-FFF2-40B4-BE49-F238E27FC236}">
+                <a16:creationId xmlns:a16="http://schemas.microsoft.com/office/drawing/2014/main" id="{57F8667E-2629-6242-C257-02150849EC1D}"/>
+              </a:ext>
+            </a:extLst>
+          </p:cNvPr>
+          <p:cNvSpPr/>
+          <p:nvPr/>
+        </p:nvSpPr>
+        <p:spPr>
+          <a:xfrm>
+            <a:off x="1015847" y="1364273"/>
+            <a:ext cx="384503" cy="1954477"/>
+          </a:xfrm>
+          <a:prstGeom prst="rightBrace">
+            <a:avLst>
+              <a:gd name="adj1" fmla="val 0"/>
+              <a:gd name="adj2" fmla="val 50000"/>
+            </a:avLst>
+          </a:prstGeom>
+          <a:ln w="15875">
+            <a:solidFill>
+              <a:schemeClr val="tx1">
+                <a:lumMod val="50000"/>
+                <a:lumOff val="50000"/>
+              </a:schemeClr>
+            </a:solidFill>
+          </a:ln>
+        </p:spPr>
+        <p:style>
+          <a:lnRef idx="1">
+            <a:schemeClr val="accent1"/>
+          </a:lnRef>
+          <a:fillRef idx="0">
+            <a:schemeClr val="accent1"/>
+          </a:fillRef>
+          <a:effectRef idx="0">
+            <a:schemeClr val="accent1"/>
+          </a:effectRef>
+          <a:fontRef idx="minor">
+            <a:schemeClr val="tx1"/>
+          </a:fontRef>
+        </p:style>
+        <p:txBody>
+          <a:bodyPr rtlCol="0" anchor="ctr"/>
+          <a:lstStyle/>
+          <a:p>
+            <a:pPr marL="0" marR="0" lvl="0" indent="0" algn="ctr" defTabSz="1219170" rtl="0" eaLnBrk="0" fontAlgn="base" latinLnBrk="0" hangingPunct="0">
+              <a:lnSpc>
+                <a:spcPct val="100000"/>
+              </a:lnSpc>
+              <a:spcBef>
+                <a:spcPct val="0"/>
+              </a:spcBef>
+              <a:spcAft>
+                <a:spcPct val="0"/>
+              </a:spcAft>
+              <a:buClrTx/>
+              <a:buSzTx/>
+              <a:buFontTx/>
+              <a:buNone/>
+              <a:tabLst/>
+              <a:defRPr/>
+            </a:pPr>
+            <a:endParaRPr kumimoji="0" lang="en-US" sz="2400" b="0" i="0" u="none" strike="noStrike" kern="1200" cap="none" spc="0" normalizeH="0" baseline="0" noProof="0">
+              <a:ln>
+                <a:noFill/>
+              </a:ln>
+              <a:solidFill>
+                <a:srgbClr val="000000"/>
+              </a:solidFill>
+              <a:effectLst/>
+              <a:uLnTx/>
+              <a:uFillTx/>
+              <a:latin typeface="Aeonik" panose="020B0503030300000000" pitchFamily="34" charset="0"/>
+              <a:ea typeface="+mn-ea"/>
+              <a:cs typeface="Calibri" panose="020F0502020204030204" pitchFamily="34" charset="0"/>
+            </a:endParaRPr>
+          </a:p>
+        </p:txBody>
+      </p:sp>
+      <p:pic>
+        <p:nvPicPr>
+          <p:cNvPr id="88" name="Graphic 87">
+            <a:extLst>
+              <a:ext uri="{FF2B5EF4-FFF2-40B4-BE49-F238E27FC236}">
+                <a16:creationId xmlns:a16="http://schemas.microsoft.com/office/drawing/2014/main" id="{3A1FDAF3-B445-021F-320B-2A0F61F221DB}"/>
+              </a:ext>
+            </a:extLst>
+          </p:cNvPr>
+          <p:cNvPicPr>
+            <a:picLocks noChangeAspect="1"/>
+          </p:cNvPicPr>
+          <p:nvPr/>
+        </p:nvPicPr>
+        <p:blipFill>
+          <a:blip r:embed="rId8">
+            <a:extLst>
+              <a:ext uri="{96DAC541-7B7A-43D3-8B79-37D633B846F1}">
+                <asvg:svgBlip xmlns:asvg="http://schemas.microsoft.com/office/drawing/2016/SVG/main" r:embed="rId9"/>
+              </a:ext>
+            </a:extLst>
+          </a:blip>
+          <a:stretch>
+            <a:fillRect/>
+          </a:stretch>
+        </p:blipFill>
+        <p:spPr>
+          <a:xfrm>
+            <a:off x="618123" y="4187943"/>
+            <a:ext cx="306905" cy="391304"/>
+          </a:xfrm>
+          <a:prstGeom prst="rect">
+            <a:avLst/>
+          </a:prstGeom>
+        </p:spPr>
+      </p:pic>
+      <p:grpSp>
+        <p:nvGrpSpPr>
+          <p:cNvPr id="89" name="Group 88">
+            <a:extLst>
+              <a:ext uri="{FF2B5EF4-FFF2-40B4-BE49-F238E27FC236}">
+                <a16:creationId xmlns:a16="http://schemas.microsoft.com/office/drawing/2014/main" id="{B4B953BA-E556-D23E-6988-27DDFD43AFBF}"/>
+              </a:ext>
+            </a:extLst>
+          </p:cNvPr>
+          <p:cNvGrpSpPr/>
+          <p:nvPr/>
+        </p:nvGrpSpPr>
+        <p:grpSpPr>
+          <a:xfrm>
+            <a:off x="595278" y="5010953"/>
+            <a:ext cx="384503" cy="384503"/>
+            <a:chOff x="721725" y="3919501"/>
+            <a:chExt cx="313433" cy="313433"/>
+          </a:xfrm>
+        </p:grpSpPr>
+        <p:pic>
+          <p:nvPicPr>
+            <p:cNvPr id="90" name="Graphic 89">
+              <a:extLst>
+                <a:ext uri="{FF2B5EF4-FFF2-40B4-BE49-F238E27FC236}">
+                  <a16:creationId xmlns:a16="http://schemas.microsoft.com/office/drawing/2014/main" id="{37CEF4D2-01D5-E8B9-69D9-63164CDBF098}"/>
+                </a:ext>
+              </a:extLst>
+            </p:cNvPr>
+            <p:cNvPicPr>
+              <a:picLocks noChangeAspect="1"/>
+            </p:cNvPicPr>
+            <p:nvPr/>
+          </p:nvPicPr>
+          <p:blipFill>
+            <a:blip r:embed="rId10">
+              <a:extLst>
+                <a:ext uri="{96DAC541-7B7A-43D3-8B79-37D633B846F1}">
+                  <asvg:svgBlip xmlns:asvg="http://schemas.microsoft.com/office/drawing/2016/SVG/main" r:embed="rId11"/>
+                </a:ext>
+              </a:extLst>
+            </a:blip>
+            <a:stretch>
+              <a:fillRect/>
+            </a:stretch>
+          </p:blipFill>
+          <p:spPr>
+            <a:xfrm>
+              <a:off x="721725" y="3919501"/>
+              <a:ext cx="313433" cy="313433"/>
+            </a:xfrm>
+            <a:prstGeom prst="rect">
+              <a:avLst/>
+            </a:prstGeom>
+          </p:spPr>
+        </p:pic>
+        <p:sp>
+          <p:nvSpPr>
+            <p:cNvPr id="91" name="Freeform 90">
+              <a:extLst>
+                <a:ext uri="{FF2B5EF4-FFF2-40B4-BE49-F238E27FC236}">
+                  <a16:creationId xmlns:a16="http://schemas.microsoft.com/office/drawing/2014/main" id="{A82C1885-0263-A597-BC65-5D0D258DFF8D}"/>
+                </a:ext>
+              </a:extLst>
+            </p:cNvPr>
+            <p:cNvSpPr/>
+            <p:nvPr/>
+          </p:nvSpPr>
+          <p:spPr>
+            <a:xfrm>
+              <a:off x="758702" y="3988434"/>
+              <a:ext cx="165333" cy="112834"/>
+            </a:xfrm>
+            <a:custGeom>
+              <a:avLst/>
+              <a:gdLst>
+                <a:gd name="connsiteX0" fmla="*/ 181043 w 217634"/>
+                <a:gd name="connsiteY0" fmla="*/ 67879 h 148528"/>
+                <a:gd name="connsiteX1" fmla="*/ 147055 w 217634"/>
+                <a:gd name="connsiteY1" fmla="*/ 22643 h 148528"/>
+                <a:gd name="connsiteX2" fmla="*/ 113115 w 217634"/>
+                <a:gd name="connsiteY2" fmla="*/ 113164 h 148528"/>
+                <a:gd name="connsiteX3" fmla="*/ 79176 w 217634"/>
+                <a:gd name="connsiteY3" fmla="*/ 0 h 148528"/>
+                <a:gd name="connsiteX4" fmla="*/ 45236 w 217634"/>
+                <a:gd name="connsiteY4" fmla="*/ 67879 h 148528"/>
+                <a:gd name="connsiteX5" fmla="*/ 0 w 217634"/>
+                <a:gd name="connsiteY5" fmla="*/ 67879 h 148528"/>
+                <a:gd name="connsiteX6" fmla="*/ 0 w 217634"/>
+                <a:gd name="connsiteY6" fmla="*/ 79176 h 148528"/>
+                <a:gd name="connsiteX7" fmla="*/ 45236 w 217634"/>
+                <a:gd name="connsiteY7" fmla="*/ 79176 h 148528"/>
+                <a:gd name="connsiteX8" fmla="*/ 52211 w 217634"/>
+                <a:gd name="connsiteY8" fmla="*/ 79176 h 148528"/>
+                <a:gd name="connsiteX9" fmla="*/ 55354 w 217634"/>
+                <a:gd name="connsiteY9" fmla="*/ 72938 h 148528"/>
+                <a:gd name="connsiteX10" fmla="*/ 76523 w 217634"/>
+                <a:gd name="connsiteY10" fmla="*/ 30550 h 148528"/>
+                <a:gd name="connsiteX11" fmla="*/ 102310 w 217634"/>
+                <a:gd name="connsiteY11" fmla="*/ 116406 h 148528"/>
+                <a:gd name="connsiteX12" fmla="*/ 111936 w 217634"/>
+                <a:gd name="connsiteY12" fmla="*/ 148528 h 148528"/>
+                <a:gd name="connsiteX13" fmla="*/ 123724 w 217634"/>
+                <a:gd name="connsiteY13" fmla="*/ 117143 h 148528"/>
+                <a:gd name="connsiteX14" fmla="*/ 150395 w 217634"/>
+                <a:gd name="connsiteY14" fmla="*/ 45924 h 148528"/>
+                <a:gd name="connsiteX15" fmla="*/ 171957 w 217634"/>
+                <a:gd name="connsiteY15" fmla="*/ 74657 h 148528"/>
+                <a:gd name="connsiteX16" fmla="*/ 175346 w 217634"/>
+                <a:gd name="connsiteY16" fmla="*/ 79176 h 148528"/>
+                <a:gd name="connsiteX17" fmla="*/ 181043 w 217634"/>
+                <a:gd name="connsiteY17" fmla="*/ 79176 h 148528"/>
+                <a:gd name="connsiteX18" fmla="*/ 217635 w 217634"/>
+                <a:gd name="connsiteY18" fmla="*/ 79176 h 148528"/>
+                <a:gd name="connsiteX19" fmla="*/ 217635 w 217634"/>
+                <a:gd name="connsiteY19" fmla="*/ 67879 h 148528"/>
+                <a:gd name="connsiteX20" fmla="*/ 181043 w 217634"/>
+                <a:gd name="connsiteY20" fmla="*/ 67879 h 148528"/>
+              </a:gdLst>
+              <a:ahLst/>
+              <a:cxnLst>
+                <a:cxn ang="0">
+                  <a:pos x="connsiteX0" y="connsiteY0"/>
+                </a:cxn>
+                <a:cxn ang="0">
+                  <a:pos x="connsiteX1" y="connsiteY1"/>
+                </a:cxn>
+                <a:cxn ang="0">
+                  <a:pos x="connsiteX2" y="connsiteY2"/>
+                </a:cxn>
+                <a:cxn ang="0">
+                  <a:pos x="connsiteX3" y="connsiteY3"/>
+                </a:cxn>
+                <a:cxn ang="0">
+                  <a:pos x="connsiteX4" y="connsiteY4"/>
+                </a:cxn>
+                <a:cxn ang="0">
+                  <a:pos x="connsiteX5" y="connsiteY5"/>
+                </a:cxn>
+                <a:cxn ang="0">
+                  <a:pos x="connsiteX6" y="connsiteY6"/>
+                </a:cxn>
+                <a:cxn ang="0">
+                  <a:pos x="connsiteX7" y="connsiteY7"/>
+                </a:cxn>
+                <a:cxn ang="0">
+                  <a:pos x="connsiteX8" y="connsiteY8"/>
+                </a:cxn>
+                <a:cxn ang="0">
+                  <a:pos x="connsiteX9" y="connsiteY9"/>
+                </a:cxn>
+                <a:cxn ang="0">
+                  <a:pos x="connsiteX10" y="connsiteY10"/>
+                </a:cxn>
+                <a:cxn ang="0">
+                  <a:pos x="connsiteX11" y="connsiteY11"/>
+                </a:cxn>
+                <a:cxn ang="0">
+                  <a:pos x="connsiteX12" y="connsiteY12"/>
+                </a:cxn>
+                <a:cxn ang="0">
+                  <a:pos x="connsiteX13" y="connsiteY13"/>
+                </a:cxn>
+                <a:cxn ang="0">
+                  <a:pos x="connsiteX14" y="connsiteY14"/>
+                </a:cxn>
+                <a:cxn ang="0">
+                  <a:pos x="connsiteX15" y="connsiteY15"/>
+                </a:cxn>
+                <a:cxn ang="0">
+                  <a:pos x="connsiteX16" y="connsiteY16"/>
+                </a:cxn>
+                <a:cxn ang="0">
+                  <a:pos x="connsiteX17" y="connsiteY17"/>
+                </a:cxn>
+                <a:cxn ang="0">
+                  <a:pos x="connsiteX18" y="connsiteY18"/>
+                </a:cxn>
+                <a:cxn ang="0">
+                  <a:pos x="connsiteX19" y="connsiteY19"/>
+                </a:cxn>
+                <a:cxn ang="0">
+                  <a:pos x="connsiteX20" y="connsiteY20"/>
+                </a:cxn>
+              </a:cxnLst>
+              <a:rect l="l" t="t" r="r" b="b"/>
+              <a:pathLst>
+                <a:path w="217634" h="148528">
+                  <a:moveTo>
+                    <a:pt x="181043" y="67879"/>
+                  </a:moveTo>
+                  <a:lnTo>
+                    <a:pt x="147055" y="22643"/>
+                  </a:lnTo>
+                  <a:lnTo>
+                    <a:pt x="113115" y="113164"/>
+                  </a:lnTo>
+                  <a:lnTo>
+                    <a:pt x="79176" y="0"/>
+                  </a:lnTo>
+                  <a:lnTo>
+                    <a:pt x="45236" y="67879"/>
+                  </a:lnTo>
+                  <a:lnTo>
+                    <a:pt x="0" y="67879"/>
+                  </a:lnTo>
+                  <a:lnTo>
+                    <a:pt x="0" y="79176"/>
+                  </a:lnTo>
+                  <a:lnTo>
+                    <a:pt x="45236" y="79176"/>
+                  </a:lnTo>
+                  <a:lnTo>
+                    <a:pt x="52211" y="79176"/>
+                  </a:lnTo>
+                  <a:lnTo>
+                    <a:pt x="55354" y="72938"/>
+                  </a:lnTo>
+                  <a:lnTo>
+                    <a:pt x="76523" y="30550"/>
+                  </a:lnTo>
+                  <a:lnTo>
+                    <a:pt x="102310" y="116406"/>
+                  </a:lnTo>
+                  <a:lnTo>
+                    <a:pt x="111936" y="148528"/>
+                  </a:lnTo>
+                  <a:lnTo>
+                    <a:pt x="123724" y="117143"/>
+                  </a:lnTo>
+                  <a:lnTo>
+                    <a:pt x="150395" y="45924"/>
+                  </a:lnTo>
+                  <a:lnTo>
+                    <a:pt x="171957" y="74657"/>
+                  </a:lnTo>
+                  <a:lnTo>
+                    <a:pt x="175346" y="79176"/>
+                  </a:lnTo>
+                  <a:lnTo>
+                    <a:pt x="181043" y="79176"/>
+                  </a:lnTo>
+                  <a:lnTo>
+                    <a:pt x="217635" y="79176"/>
+                  </a:lnTo>
+                  <a:lnTo>
+                    <a:pt x="217635" y="67879"/>
+                  </a:lnTo>
+                  <a:lnTo>
+                    <a:pt x="181043" y="67879"/>
+                  </a:lnTo>
+                  <a:close/>
+                </a:path>
+              </a:pathLst>
+            </a:custGeom>
+            <a:solidFill>
+              <a:srgbClr val="00C1DE"/>
+            </a:solidFill>
+            <a:ln w="0" cap="flat">
+              <a:noFill/>
+              <a:prstDash val="solid"/>
+              <a:miter/>
+            </a:ln>
+          </p:spPr>
+          <p:txBody>
+            <a:bodyPr rtlCol="0" anchor="ctr"/>
+            <a:lstStyle/>
+            <a:p>
+              <a:pPr marL="0" marR="0" lvl="0" indent="0" algn="l" defTabSz="1219170" rtl="0" eaLnBrk="0" fontAlgn="base" latinLnBrk="0" hangingPunct="0">
+                <a:lnSpc>
+                  <a:spcPct val="100000"/>
+                </a:lnSpc>
+                <a:spcBef>
+                  <a:spcPct val="0"/>
+                </a:spcBef>
+                <a:spcAft>
+                  <a:spcPct val="0"/>
+                </a:spcAft>
+                <a:buClrTx/>
+                <a:buSzTx/>
+                <a:buFontTx/>
+                <a:buNone/>
+                <a:tabLst/>
+                <a:defRPr/>
+              </a:pPr>
+              <a:endParaRPr kumimoji="0" lang="en-US" sz="2400" b="1" i="0" u="none" strike="noStrike" kern="1200" cap="none" spc="0" normalizeH="0" baseline="0" noProof="0">
+                <a:ln>
+                  <a:noFill/>
+                </a:ln>
+                <a:solidFill>
+                  <a:srgbClr val="000000"/>
+                </a:solidFill>
+                <a:effectLst/>
+                <a:uLnTx/>
+                <a:uFillTx/>
+                <a:latin typeface="Aeonik" panose="020B0503030300000000" pitchFamily="34" charset="0"/>
+                <a:ea typeface="ＭＳ Ｐゴシック" panose="020B0600070205080204" pitchFamily="34" charset="-128"/>
+                <a:cs typeface="Calibri" panose="020F0502020204030204" pitchFamily="34" charset="0"/>
+              </a:endParaRPr>
+            </a:p>
+          </p:txBody>
+        </p:sp>
+      </p:grpSp>
+      <p:sp>
+        <p:nvSpPr>
+          <p:cNvPr id="92" name="TextBox 91">
+            <a:extLst>
+              <a:ext uri="{FF2B5EF4-FFF2-40B4-BE49-F238E27FC236}">
+                <a16:creationId xmlns:a16="http://schemas.microsoft.com/office/drawing/2014/main" id="{62FBC38E-A690-8320-DF2B-9FC9433C3A22}"/>
+              </a:ext>
+            </a:extLst>
+          </p:cNvPr>
+          <p:cNvSpPr txBox="1"/>
+          <p:nvPr/>
+        </p:nvSpPr>
+        <p:spPr>
+          <a:xfrm>
+            <a:off x="407084" y="4634245"/>
+            <a:ext cx="726789" cy="147797"/>
+          </a:xfrm>
+          <a:prstGeom prst="rect">
+            <a:avLst/>
+          </a:prstGeom>
+          <a:noFill/>
+        </p:spPr>
+        <p:txBody>
+          <a:bodyPr wrap="square" lIns="0" tIns="0" rIns="0" bIns="0" rtlCol="0">
+            <a:spAutoFit/>
+          </a:bodyPr>
+          <a:lstStyle/>
+          <a:p>
+            <a:pPr marL="0" marR="0" lvl="0" indent="0" algn="ctr" defTabSz="914377" rtl="0" eaLnBrk="1" fontAlgn="base" latinLnBrk="0" hangingPunct="1">
+              <a:lnSpc>
+                <a:spcPct val="90000"/>
+              </a:lnSpc>
+              <a:spcBef>
+                <a:spcPts val="0"/>
+              </a:spcBef>
+              <a:spcAft>
+                <a:spcPts val="600"/>
+              </a:spcAft>
+              <a:buClrTx/>
+              <a:buSzTx/>
+              <a:buFontTx/>
+              <a:buNone/>
+              <a:tabLst/>
+              <a:defRPr/>
+            </a:pPr>
+            <a:r>
+              <a:rPr kumimoji="0" lang="en-US" sz="1067" b="1" i="0" u="none" strike="noStrike" kern="1200" cap="none" spc="0" normalizeH="0" baseline="0" noProof="0">
+                <a:ln>
+                  <a:noFill/>
+                </a:ln>
+                <a:effectLst/>
+                <a:uLnTx/>
+                <a:uFillTx/>
+                <a:latin typeface="Aeonik" panose="020B0503030300000000" pitchFamily="34" charset="0"/>
+                <a:ea typeface="ＭＳ Ｐゴシック" panose="020B0600070205080204" pitchFamily="34" charset="-128"/>
+                <a:cs typeface="Calibri" panose="020F0502020204030204" pitchFamily="34" charset="0"/>
+              </a:rPr>
+              <a:t>Data</a:t>
+            </a:r>
+          </a:p>
+        </p:txBody>
+      </p:sp>
+      <p:sp>
+        <p:nvSpPr>
+          <p:cNvPr id="93" name="TextBox 92">
+            <a:extLst>
+              <a:ext uri="{FF2B5EF4-FFF2-40B4-BE49-F238E27FC236}">
+                <a16:creationId xmlns:a16="http://schemas.microsoft.com/office/drawing/2014/main" id="{3B569213-69CB-585C-6CEE-A562A1D71991}"/>
+              </a:ext>
+            </a:extLst>
+          </p:cNvPr>
+          <p:cNvSpPr txBox="1"/>
+          <p:nvPr/>
+        </p:nvSpPr>
+        <p:spPr>
+          <a:xfrm>
+            <a:off x="407084" y="5435111"/>
+            <a:ext cx="726789" cy="147797"/>
+          </a:xfrm>
+          <a:prstGeom prst="rect">
+            <a:avLst/>
+          </a:prstGeom>
+          <a:noFill/>
+        </p:spPr>
+        <p:txBody>
+          <a:bodyPr wrap="square" lIns="0" tIns="0" rIns="0" bIns="0" rtlCol="0">
+            <a:spAutoFit/>
+          </a:bodyPr>
+          <a:lstStyle/>
+          <a:p>
+            <a:pPr marL="0" marR="0" lvl="0" indent="0" algn="ctr" defTabSz="914377" rtl="0" eaLnBrk="1" fontAlgn="base" latinLnBrk="0" hangingPunct="1">
+              <a:lnSpc>
+                <a:spcPct val="90000"/>
+              </a:lnSpc>
+              <a:spcBef>
+                <a:spcPts val="0"/>
+              </a:spcBef>
+              <a:spcAft>
+                <a:spcPts val="600"/>
+              </a:spcAft>
+              <a:buClrTx/>
+              <a:buSzTx/>
+              <a:buFontTx/>
+              <a:buNone/>
+              <a:tabLst/>
+              <a:defRPr/>
+            </a:pPr>
+            <a:r>
+              <a:rPr kumimoji="0" lang="en-US" sz="1067" b="1" i="0" u="none" strike="noStrike" kern="1200" cap="none" spc="0" normalizeH="0" baseline="0" noProof="0">
+                <a:ln>
+                  <a:noFill/>
+                </a:ln>
+                <a:effectLst/>
+                <a:uLnTx/>
+                <a:uFillTx/>
+                <a:latin typeface="Aeonik" panose="020B0503030300000000" pitchFamily="34" charset="0"/>
+                <a:ea typeface="ＭＳ Ｐゴシック" panose="020B0600070205080204" pitchFamily="34" charset="-128"/>
+                <a:cs typeface="Calibri" panose="020F0502020204030204" pitchFamily="34" charset="0"/>
+              </a:rPr>
+              <a:t>Use-Case</a:t>
+            </a:r>
+          </a:p>
+        </p:txBody>
+      </p:sp>
+      <p:cxnSp>
+        <p:nvCxnSpPr>
+          <p:cNvPr id="94" name="Elbow Connector 93">
+            <a:extLst>
+              <a:ext uri="{FF2B5EF4-FFF2-40B4-BE49-F238E27FC236}">
+                <a16:creationId xmlns:a16="http://schemas.microsoft.com/office/drawing/2014/main" id="{DFE71A86-01A8-DA25-9EB4-78324E3041DB}"/>
+              </a:ext>
+            </a:extLst>
+          </p:cNvPr>
+          <p:cNvCxnSpPr>
+            <a:cxnSpLocks/>
+            <a:stCxn id="88" idx="0"/>
+            <a:endCxn id="109" idx="2"/>
+          </p:cNvCxnSpPr>
+          <p:nvPr/>
+        </p:nvCxnSpPr>
+        <p:spPr>
+          <a:xfrm rot="5400000" flipH="1" flipV="1">
+            <a:off x="2772532" y="1249023"/>
+            <a:ext cx="937964" cy="4939876"/>
+          </a:xfrm>
+          <a:prstGeom prst="bentConnector3">
+            <a:avLst>
+              <a:gd name="adj1" fmla="val 60539"/>
+            </a:avLst>
+          </a:prstGeom>
+          <a:ln w="15875">
+            <a:solidFill>
+              <a:srgbClr val="00C1DE"/>
+            </a:solidFill>
+            <a:headEnd type="triangle"/>
+            <a:tailEnd type="none"/>
+          </a:ln>
+        </p:spPr>
+        <p:style>
+          <a:lnRef idx="1">
+            <a:schemeClr val="accent1"/>
+          </a:lnRef>
+          <a:fillRef idx="0">
+            <a:schemeClr val="accent1"/>
+          </a:fillRef>
+          <a:effectRef idx="0">
+            <a:schemeClr val="accent1"/>
+          </a:effectRef>
+          <a:fontRef idx="minor">
+            <a:schemeClr val="tx1"/>
+          </a:fontRef>
+        </p:style>
+      </p:cxnSp>
+      <p:cxnSp>
+        <p:nvCxnSpPr>
+          <p:cNvPr id="95" name="Elbow Connector 94">
+            <a:extLst>
+              <a:ext uri="{FF2B5EF4-FFF2-40B4-BE49-F238E27FC236}">
+                <a16:creationId xmlns:a16="http://schemas.microsoft.com/office/drawing/2014/main" id="{59989B8C-0C23-5351-7370-ED91FE32BC01}"/>
+              </a:ext>
+            </a:extLst>
+          </p:cNvPr>
+          <p:cNvCxnSpPr>
+            <a:cxnSpLocks/>
+            <a:stCxn id="75" idx="0"/>
+            <a:endCxn id="107" idx="2"/>
+          </p:cNvCxnSpPr>
+          <p:nvPr/>
+        </p:nvCxnSpPr>
+        <p:spPr>
+          <a:xfrm rot="16200000" flipV="1">
+            <a:off x="7144238" y="2820084"/>
+            <a:ext cx="1760956" cy="1453343"/>
+          </a:xfrm>
+          <a:prstGeom prst="bentConnector3">
+            <a:avLst>
+              <a:gd name="adj1" fmla="val 45790"/>
+            </a:avLst>
+          </a:prstGeom>
+          <a:ln w="15875">
+            <a:solidFill>
+              <a:srgbClr val="00C1DE"/>
+            </a:solidFill>
+            <a:headEnd type="none"/>
+            <a:tailEnd type="triangle"/>
+          </a:ln>
+        </p:spPr>
+        <p:style>
+          <a:lnRef idx="1">
+            <a:schemeClr val="accent1"/>
+          </a:lnRef>
+          <a:fillRef idx="0">
+            <a:schemeClr val="accent1"/>
+          </a:fillRef>
+          <a:effectRef idx="0">
+            <a:schemeClr val="accent1"/>
+          </a:effectRef>
+          <a:fontRef idx="minor">
+            <a:schemeClr val="tx1"/>
+          </a:fontRef>
+        </p:style>
+      </p:cxnSp>
+      <p:pic>
+        <p:nvPicPr>
+          <p:cNvPr id="97" name="Picture 96">
+            <a:extLst>
+              <a:ext uri="{FF2B5EF4-FFF2-40B4-BE49-F238E27FC236}">
+                <a16:creationId xmlns:a16="http://schemas.microsoft.com/office/drawing/2014/main" id="{4F6CA51F-B3AB-9289-BA0A-0AF0A9C39B96}"/>
+              </a:ext>
+            </a:extLst>
+          </p:cNvPr>
+          <p:cNvPicPr>
+            <a:picLocks noChangeAspect="1"/>
+          </p:cNvPicPr>
+          <p:nvPr/>
+        </p:nvPicPr>
+        <p:blipFill>
+          <a:blip r:embed="rId12"/>
+          <a:stretch>
+            <a:fillRect/>
+          </a:stretch>
+        </p:blipFill>
+        <p:spPr>
+          <a:xfrm>
+            <a:off x="594437" y="2213998"/>
+            <a:ext cx="354609" cy="323203"/>
+          </a:xfrm>
+          <a:prstGeom prst="rect">
+            <a:avLst/>
+          </a:prstGeom>
+        </p:spPr>
+      </p:pic>
+      <p:pic>
+        <p:nvPicPr>
+          <p:cNvPr id="98" name="Picture 97">
+            <a:extLst>
+              <a:ext uri="{FF2B5EF4-FFF2-40B4-BE49-F238E27FC236}">
+                <a16:creationId xmlns:a16="http://schemas.microsoft.com/office/drawing/2014/main" id="{1DEDE6C5-5A2A-6862-3547-136F40C4E504}"/>
+              </a:ext>
+            </a:extLst>
+          </p:cNvPr>
+          <p:cNvPicPr>
+            <a:picLocks noChangeAspect="1"/>
+          </p:cNvPicPr>
+          <p:nvPr/>
+        </p:nvPicPr>
+        <p:blipFill>
+          <a:blip r:embed="rId13"/>
+          <a:stretch>
+            <a:fillRect/>
+          </a:stretch>
+        </p:blipFill>
+        <p:spPr>
+          <a:xfrm>
+            <a:off x="568754" y="2875482"/>
+            <a:ext cx="405975" cy="194161"/>
+          </a:xfrm>
+          <a:prstGeom prst="rect">
+            <a:avLst/>
+          </a:prstGeom>
+        </p:spPr>
+      </p:pic>
+      <p:sp>
+        <p:nvSpPr>
+          <p:cNvPr id="99" name="TextBox 98">
+            <a:extLst>
+              <a:ext uri="{FF2B5EF4-FFF2-40B4-BE49-F238E27FC236}">
+                <a16:creationId xmlns:a16="http://schemas.microsoft.com/office/drawing/2014/main" id="{A73BE0EC-11F5-5F57-D584-9AC746E2569A}"/>
+              </a:ext>
+            </a:extLst>
+          </p:cNvPr>
+          <p:cNvSpPr txBox="1"/>
+          <p:nvPr/>
+        </p:nvSpPr>
+        <p:spPr>
+          <a:xfrm>
+            <a:off x="407084" y="1923804"/>
+            <a:ext cx="726789" cy="147797"/>
+          </a:xfrm>
+          <a:prstGeom prst="rect">
+            <a:avLst/>
+          </a:prstGeom>
+          <a:noFill/>
+        </p:spPr>
+        <p:txBody>
+          <a:bodyPr wrap="square" lIns="0" tIns="0" rIns="0" bIns="0" rtlCol="0">
+            <a:spAutoFit/>
+          </a:bodyPr>
+          <a:lstStyle/>
+          <a:p>
+            <a:pPr marL="0" marR="0" lvl="0" indent="0" algn="ctr" defTabSz="914377" rtl="0" eaLnBrk="1" fontAlgn="base" latinLnBrk="0" hangingPunct="1">
+              <a:lnSpc>
+                <a:spcPct val="90000"/>
+              </a:lnSpc>
+              <a:spcBef>
+                <a:spcPts val="0"/>
+              </a:spcBef>
+              <a:spcAft>
+                <a:spcPts val="600"/>
+              </a:spcAft>
+              <a:buClrTx/>
+              <a:buSzTx/>
+              <a:buFontTx/>
+              <a:buNone/>
+              <a:tabLst/>
+              <a:defRPr/>
+            </a:pPr>
+            <a:r>
+              <a:rPr kumimoji="0" lang="en-US" sz="1067" b="1" i="0" u="none" strike="noStrike" kern="1200" cap="none" spc="0" normalizeH="0" baseline="0" noProof="0">
+                <a:ln>
+                  <a:noFill/>
+                </a:ln>
+                <a:effectLst/>
+                <a:uLnTx/>
+                <a:uFillTx/>
+                <a:latin typeface="Aeonik" panose="020B0503030300000000" pitchFamily="34" charset="0"/>
+                <a:ea typeface="ＭＳ Ｐゴシック" panose="020B0600070205080204" pitchFamily="34" charset="-128"/>
+                <a:cs typeface="Calibri" panose="020F0502020204030204" pitchFamily="34" charset="0"/>
+              </a:rPr>
+              <a:t>Sensor</a:t>
+            </a:r>
+          </a:p>
+        </p:txBody>
+      </p:sp>
+      <p:sp>
+        <p:nvSpPr>
+          <p:cNvPr id="100" name="TextBox 99">
+            <a:extLst>
+              <a:ext uri="{FF2B5EF4-FFF2-40B4-BE49-F238E27FC236}">
+                <a16:creationId xmlns:a16="http://schemas.microsoft.com/office/drawing/2014/main" id="{EB680A92-8B8C-5843-5A24-1E30FAD3E8D5}"/>
+              </a:ext>
+            </a:extLst>
+          </p:cNvPr>
+          <p:cNvSpPr txBox="1"/>
+          <p:nvPr/>
+        </p:nvSpPr>
+        <p:spPr>
+          <a:xfrm>
+            <a:off x="407084" y="2581852"/>
+            <a:ext cx="726789" cy="147797"/>
+          </a:xfrm>
+          <a:prstGeom prst="rect">
+            <a:avLst/>
+          </a:prstGeom>
+          <a:noFill/>
+        </p:spPr>
+        <p:txBody>
+          <a:bodyPr wrap="square" lIns="0" tIns="0" rIns="0" bIns="0" rtlCol="0">
+            <a:spAutoFit/>
+          </a:bodyPr>
+          <a:lstStyle/>
+          <a:p>
+            <a:pPr marL="0" marR="0" lvl="0" indent="0" algn="ctr" defTabSz="914377" rtl="0" eaLnBrk="1" fontAlgn="base" latinLnBrk="0" hangingPunct="1">
+              <a:lnSpc>
+                <a:spcPct val="90000"/>
+              </a:lnSpc>
+              <a:spcBef>
+                <a:spcPts val="0"/>
+              </a:spcBef>
+              <a:spcAft>
+                <a:spcPts val="600"/>
+              </a:spcAft>
+              <a:buClrTx/>
+              <a:buSzTx/>
+              <a:buFontTx/>
+              <a:buNone/>
+              <a:tabLst/>
+              <a:defRPr/>
+            </a:pPr>
+            <a:r>
+              <a:rPr kumimoji="0" lang="en-US" sz="1067" b="1" i="0" u="none" strike="noStrike" kern="1200" cap="none" spc="0" normalizeH="0" baseline="0" noProof="0">
+                <a:ln>
+                  <a:noFill/>
+                </a:ln>
+                <a:effectLst/>
+                <a:uLnTx/>
+                <a:uFillTx/>
+                <a:latin typeface="Aeonik" panose="020B0503030300000000" pitchFamily="34" charset="0"/>
+                <a:ea typeface="ＭＳ Ｐゴシック" panose="020B0600070205080204" pitchFamily="34" charset="-128"/>
+                <a:cs typeface="Calibri" panose="020F0502020204030204" pitchFamily="34" charset="0"/>
+              </a:rPr>
+              <a:t>Audio</a:t>
+            </a:r>
+          </a:p>
+        </p:txBody>
+      </p:sp>
+      <p:sp>
+        <p:nvSpPr>
+          <p:cNvPr id="101" name="TextBox 100">
+            <a:extLst>
+              <a:ext uri="{FF2B5EF4-FFF2-40B4-BE49-F238E27FC236}">
+                <a16:creationId xmlns:a16="http://schemas.microsoft.com/office/drawing/2014/main" id="{5CE3FD77-2516-5696-C310-8032083BC332}"/>
+              </a:ext>
+            </a:extLst>
+          </p:cNvPr>
+          <p:cNvSpPr txBox="1"/>
+          <p:nvPr/>
+        </p:nvSpPr>
+        <p:spPr>
+          <a:xfrm>
+            <a:off x="407084" y="3121325"/>
+            <a:ext cx="726789" cy="147797"/>
+          </a:xfrm>
+          <a:prstGeom prst="rect">
+            <a:avLst/>
+          </a:prstGeom>
+          <a:noFill/>
+        </p:spPr>
+        <p:txBody>
+          <a:bodyPr wrap="square" lIns="0" tIns="0" rIns="0" bIns="0" rtlCol="0">
+            <a:spAutoFit/>
+          </a:bodyPr>
+          <a:lstStyle/>
+          <a:p>
+            <a:pPr marL="0" marR="0" lvl="0" indent="0" algn="ctr" defTabSz="914377" rtl="0" eaLnBrk="1" fontAlgn="base" latinLnBrk="0" hangingPunct="1">
+              <a:lnSpc>
+                <a:spcPct val="90000"/>
+              </a:lnSpc>
+              <a:spcBef>
+                <a:spcPts val="0"/>
+              </a:spcBef>
+              <a:spcAft>
+                <a:spcPts val="600"/>
+              </a:spcAft>
+              <a:buClrTx/>
+              <a:buSzTx/>
+              <a:buFontTx/>
+              <a:buNone/>
+              <a:tabLst/>
+              <a:defRPr/>
+            </a:pPr>
+            <a:r>
+              <a:rPr kumimoji="0" lang="en-US" sz="1067" b="1" i="0" u="none" strike="noStrike" kern="1200" cap="none" spc="0" normalizeH="0" baseline="0" noProof="0">
+                <a:ln>
+                  <a:noFill/>
+                </a:ln>
+                <a:effectLst/>
+                <a:uLnTx/>
+                <a:uFillTx/>
+                <a:latin typeface="Aeonik" panose="020B0503030300000000" pitchFamily="34" charset="0"/>
+                <a:ea typeface="ＭＳ Ｐゴシック" panose="020B0600070205080204" pitchFamily="34" charset="-128"/>
+                <a:cs typeface="Calibri" panose="020F0502020204030204" pitchFamily="34" charset="0"/>
+              </a:rPr>
+              <a:t>Video</a:t>
+            </a:r>
+          </a:p>
+        </p:txBody>
+      </p:sp>
+      <p:sp>
+        <p:nvSpPr>
+          <p:cNvPr id="105" name="Process 104">
+            <a:extLst>
+              <a:ext uri="{FF2B5EF4-FFF2-40B4-BE49-F238E27FC236}">
+                <a16:creationId xmlns:a16="http://schemas.microsoft.com/office/drawing/2014/main" id="{76C55483-A46A-C77D-FDDF-ED10BA9D2FE8}"/>
+              </a:ext>
+            </a:extLst>
+          </p:cNvPr>
+          <p:cNvSpPr/>
+          <p:nvPr/>
+        </p:nvSpPr>
+        <p:spPr>
+          <a:xfrm>
+            <a:off x="1619932" y="1810388"/>
+            <a:ext cx="864000" cy="848717"/>
+          </a:xfrm>
+          <a:prstGeom prst="flowChartProcess">
+            <a:avLst/>
+          </a:prstGeom>
+          <a:solidFill>
+            <a:schemeClr val="tx2"/>
+          </a:solidFill>
+          <a:ln w="15875">
+            <a:solidFill>
+              <a:srgbClr val="00C1DE"/>
+            </a:solidFill>
+          </a:ln>
+        </p:spPr>
+        <p:style>
+          <a:lnRef idx="2">
+            <a:schemeClr val="accent1">
+              <a:shade val="50000"/>
+            </a:schemeClr>
+          </a:lnRef>
+          <a:fillRef idx="1">
+            <a:schemeClr val="accent1"/>
+          </a:fillRef>
+          <a:effectRef idx="0">
+            <a:schemeClr val="accent1"/>
+          </a:effectRef>
+          <a:fontRef idx="minor">
+            <a:schemeClr val="lt1"/>
+          </a:fontRef>
+        </p:style>
+        <p:txBody>
+          <a:bodyPr rtlCol="0" anchor="ctr"/>
+          <a:lstStyle/>
+          <a:p>
+            <a:pPr marL="0" marR="0" lvl="0" indent="0" algn="ctr" defTabSz="1219170" rtl="0" eaLnBrk="0" fontAlgn="base" latinLnBrk="0" hangingPunct="0">
+              <a:lnSpc>
+                <a:spcPct val="100000"/>
+              </a:lnSpc>
+              <a:spcBef>
+                <a:spcPct val="0"/>
+              </a:spcBef>
+              <a:spcAft>
+                <a:spcPct val="0"/>
+              </a:spcAft>
+              <a:buClrTx/>
+              <a:buSzTx/>
+              <a:buFontTx/>
+              <a:buNone/>
+              <a:tabLst/>
+              <a:defRPr/>
+            </a:pPr>
+            <a:r>
+              <a:rPr kumimoji="0" lang="en-GB" sz="1200" b="0" i="0" u="none" strike="noStrike" kern="1200" cap="none" spc="0" normalizeH="0" baseline="0" noProof="0" dirty="0">
+                <a:ln>
+                  <a:noFill/>
+                </a:ln>
+                <a:solidFill>
+                  <a:srgbClr val="FFFFFF"/>
+                </a:solidFill>
+                <a:effectLst/>
+                <a:uLnTx/>
+                <a:uFillTx/>
+                <a:latin typeface="Aeonik" panose="020B0503030300000000" pitchFamily="34" charset="0"/>
+                <a:ea typeface="+mn-ea"/>
+                <a:cs typeface="Calibri" panose="020F0502020204030204" pitchFamily="34" charset="0"/>
+              </a:rPr>
+              <a:t>Input Interface</a:t>
+            </a:r>
+          </a:p>
+        </p:txBody>
+      </p:sp>
+      <p:sp>
+        <p:nvSpPr>
+          <p:cNvPr id="106" name="Process 105">
+            <a:extLst>
+              <a:ext uri="{FF2B5EF4-FFF2-40B4-BE49-F238E27FC236}">
+                <a16:creationId xmlns:a16="http://schemas.microsoft.com/office/drawing/2014/main" id="{4A898CCA-E112-1688-066A-C44AEBEA894F}"/>
+              </a:ext>
+            </a:extLst>
+          </p:cNvPr>
+          <p:cNvSpPr/>
+          <p:nvPr/>
+        </p:nvSpPr>
+        <p:spPr>
+          <a:xfrm>
+            <a:off x="3655688" y="1807817"/>
+            <a:ext cx="972000" cy="848717"/>
+          </a:xfrm>
+          <a:prstGeom prst="flowChartProcess">
+            <a:avLst/>
+          </a:prstGeom>
+          <a:solidFill>
+            <a:schemeClr val="tx2"/>
+          </a:solidFill>
+          <a:ln w="15875">
+            <a:solidFill>
+              <a:srgbClr val="00C1DE"/>
+            </a:solidFill>
+          </a:ln>
+        </p:spPr>
+        <p:style>
+          <a:lnRef idx="2">
+            <a:schemeClr val="accent1">
+              <a:shade val="50000"/>
+            </a:schemeClr>
+          </a:lnRef>
+          <a:fillRef idx="1">
+            <a:schemeClr val="accent1"/>
+          </a:fillRef>
+          <a:effectRef idx="0">
+            <a:schemeClr val="accent1"/>
+          </a:effectRef>
+          <a:fontRef idx="minor">
+            <a:schemeClr val="lt1"/>
+          </a:fontRef>
+        </p:style>
+        <p:txBody>
+          <a:bodyPr rtlCol="0" anchor="ctr"/>
+          <a:lstStyle/>
+          <a:p>
+            <a:pPr marL="0" marR="0" lvl="0" indent="0" algn="ctr" defTabSz="1219170" rtl="0" eaLnBrk="0" fontAlgn="base" latinLnBrk="0" hangingPunct="0">
+              <a:lnSpc>
+                <a:spcPct val="100000"/>
+              </a:lnSpc>
+              <a:spcBef>
+                <a:spcPct val="0"/>
+              </a:spcBef>
+              <a:spcAft>
+                <a:spcPct val="0"/>
+              </a:spcAft>
+              <a:buClrTx/>
+              <a:buSzTx/>
+              <a:buFontTx/>
+              <a:buNone/>
+              <a:tabLst/>
+              <a:defRPr/>
+            </a:pPr>
+            <a:r>
+              <a:rPr kumimoji="0" lang="en-GB" sz="1100" b="0" i="0" u="none" strike="noStrike" kern="1200" cap="none" spc="0" normalizeH="0" baseline="0" noProof="0">
+                <a:ln>
+                  <a:noFill/>
+                </a:ln>
+                <a:solidFill>
+                  <a:srgbClr val="FFFFFF"/>
+                </a:solidFill>
+                <a:effectLst/>
+                <a:uLnTx/>
+                <a:uFillTx/>
+                <a:latin typeface="Aeonik" panose="020B0503030300000000" pitchFamily="34" charset="0"/>
+                <a:ea typeface="+mn-ea"/>
+                <a:cs typeface="Calibri" panose="020F0502020204030204" pitchFamily="34" charset="0"/>
+              </a:rPr>
+              <a:t>Signal Conditioning</a:t>
+            </a:r>
+          </a:p>
+        </p:txBody>
+      </p:sp>
+      <p:sp>
+        <p:nvSpPr>
+          <p:cNvPr id="107" name="Process 106">
+            <a:extLst>
+              <a:ext uri="{FF2B5EF4-FFF2-40B4-BE49-F238E27FC236}">
+                <a16:creationId xmlns:a16="http://schemas.microsoft.com/office/drawing/2014/main" id="{0421C68A-ED21-95E9-6CAF-90FD309DA0EF}"/>
+              </a:ext>
+            </a:extLst>
+          </p:cNvPr>
+          <p:cNvSpPr/>
+          <p:nvPr/>
+        </p:nvSpPr>
+        <p:spPr>
+          <a:xfrm>
+            <a:off x="6846384" y="1817561"/>
+            <a:ext cx="903320" cy="848717"/>
+          </a:xfrm>
+          <a:prstGeom prst="flowChartProcess">
+            <a:avLst/>
+          </a:prstGeom>
+          <a:solidFill>
+            <a:schemeClr val="tx2"/>
+          </a:solidFill>
+          <a:ln w="15875">
+            <a:solidFill>
+              <a:srgbClr val="00C1DE"/>
+            </a:solidFill>
+          </a:ln>
+        </p:spPr>
+        <p:style>
+          <a:lnRef idx="2">
+            <a:schemeClr val="accent1">
+              <a:shade val="50000"/>
+            </a:schemeClr>
+          </a:lnRef>
+          <a:fillRef idx="1">
+            <a:schemeClr val="accent1"/>
+          </a:fillRef>
+          <a:effectRef idx="0">
+            <a:schemeClr val="accent1"/>
+          </a:effectRef>
+          <a:fontRef idx="minor">
+            <a:schemeClr val="lt1"/>
+          </a:fontRef>
+        </p:style>
+        <p:txBody>
+          <a:bodyPr rtlCol="0" anchor="ctr"/>
+          <a:lstStyle/>
+          <a:p>
+            <a:pPr marL="0" marR="0" lvl="0" indent="0" algn="ctr" defTabSz="1219170" rtl="0" eaLnBrk="0" fontAlgn="base" latinLnBrk="0" hangingPunct="0">
+              <a:lnSpc>
+                <a:spcPct val="100000"/>
+              </a:lnSpc>
+              <a:spcBef>
+                <a:spcPct val="0"/>
+              </a:spcBef>
+              <a:spcAft>
+                <a:spcPct val="0"/>
+              </a:spcAft>
+              <a:buClrTx/>
+              <a:buSzTx/>
+              <a:buFontTx/>
+              <a:buNone/>
+              <a:tabLst/>
+              <a:defRPr/>
+            </a:pPr>
+            <a:r>
+              <a:rPr kumimoji="0" lang="en-GB" sz="1200" b="0" i="0" u="none" strike="noStrike" kern="1200" cap="none" spc="0" normalizeH="0" baseline="0" noProof="0">
+                <a:ln>
+                  <a:noFill/>
+                </a:ln>
+                <a:solidFill>
+                  <a:srgbClr val="FFFFFF"/>
+                </a:solidFill>
+                <a:effectLst/>
+                <a:uLnTx/>
+                <a:uFillTx/>
+                <a:latin typeface="Aeonik" panose="020B0503030300000000" pitchFamily="34" charset="0"/>
+                <a:ea typeface="+mn-ea"/>
+                <a:cs typeface="Calibri" panose="020F0502020204030204" pitchFamily="34" charset="0"/>
+              </a:rPr>
+              <a:t>Optimized ML Model</a:t>
+            </a:r>
+          </a:p>
+        </p:txBody>
+      </p:sp>
+      <p:sp>
+        <p:nvSpPr>
+          <p:cNvPr id="108" name="Process 107">
+            <a:extLst>
+              <a:ext uri="{FF2B5EF4-FFF2-40B4-BE49-F238E27FC236}">
+                <a16:creationId xmlns:a16="http://schemas.microsoft.com/office/drawing/2014/main" id="{90B73A63-B129-1640-D93B-4B8B34254037}"/>
+              </a:ext>
+            </a:extLst>
+          </p:cNvPr>
+          <p:cNvSpPr/>
+          <p:nvPr/>
+        </p:nvSpPr>
+        <p:spPr>
+          <a:xfrm>
+            <a:off x="8280067" y="1822484"/>
+            <a:ext cx="903320" cy="848717"/>
+          </a:xfrm>
+          <a:prstGeom prst="flowChartProcess">
+            <a:avLst/>
+          </a:prstGeom>
+          <a:solidFill>
+            <a:schemeClr val="tx2"/>
+          </a:solidFill>
+          <a:ln w="15875">
+            <a:solidFill>
+              <a:srgbClr val="00C1DE"/>
+            </a:solidFill>
+          </a:ln>
+        </p:spPr>
+        <p:style>
+          <a:lnRef idx="2">
+            <a:schemeClr val="accent1">
+              <a:shade val="50000"/>
+            </a:schemeClr>
+          </a:lnRef>
+          <a:fillRef idx="1">
+            <a:schemeClr val="accent1"/>
+          </a:fillRef>
+          <a:effectRef idx="0">
+            <a:schemeClr val="accent1"/>
+          </a:effectRef>
+          <a:fontRef idx="minor">
+            <a:schemeClr val="lt1"/>
+          </a:fontRef>
+        </p:style>
+        <p:txBody>
+          <a:bodyPr rtlCol="0" anchor="ctr"/>
+          <a:lstStyle/>
+          <a:p>
+            <a:pPr marL="0" marR="0" lvl="0" indent="0" algn="ctr" defTabSz="1219170" rtl="0" eaLnBrk="0" fontAlgn="base" latinLnBrk="0" hangingPunct="0">
+              <a:lnSpc>
+                <a:spcPct val="100000"/>
+              </a:lnSpc>
+              <a:spcBef>
+                <a:spcPct val="0"/>
+              </a:spcBef>
+              <a:spcAft>
+                <a:spcPct val="0"/>
+              </a:spcAft>
+              <a:buClrTx/>
+              <a:buSzTx/>
+              <a:buFontTx/>
+              <a:buNone/>
+              <a:tabLst/>
+              <a:defRPr/>
+            </a:pPr>
+            <a:r>
+              <a:rPr kumimoji="0" lang="en-GB" sz="1200" b="0" i="0" u="none" strike="noStrike" kern="1200" cap="none" spc="0" normalizeH="0" baseline="0" noProof="0">
+                <a:ln>
+                  <a:noFill/>
+                </a:ln>
+                <a:solidFill>
+                  <a:srgbClr val="FFFFFF"/>
+                </a:solidFill>
+                <a:effectLst/>
+                <a:uLnTx/>
+                <a:uFillTx/>
+                <a:latin typeface="Aeonik" panose="020B0503030300000000" pitchFamily="34" charset="0"/>
+                <a:ea typeface="+mn-ea"/>
+                <a:cs typeface="Calibri" panose="020F0502020204030204" pitchFamily="34" charset="0"/>
+              </a:rPr>
+              <a:t>Output Interface</a:t>
+            </a:r>
+          </a:p>
+        </p:txBody>
+      </p:sp>
+      <p:sp>
+        <p:nvSpPr>
+          <p:cNvPr id="109" name="Process 108">
+            <a:extLst>
+              <a:ext uri="{FF2B5EF4-FFF2-40B4-BE49-F238E27FC236}">
+                <a16:creationId xmlns:a16="http://schemas.microsoft.com/office/drawing/2014/main" id="{73796481-E0CD-1B53-50EE-FB3D9EE18348}"/>
+              </a:ext>
+            </a:extLst>
+          </p:cNvPr>
+          <p:cNvSpPr/>
+          <p:nvPr/>
+        </p:nvSpPr>
+        <p:spPr>
+          <a:xfrm>
+            <a:off x="5259792" y="2401262"/>
+            <a:ext cx="903320" cy="848717"/>
+          </a:xfrm>
+          <a:prstGeom prst="flowChartProcess">
+            <a:avLst/>
+          </a:prstGeom>
+          <a:solidFill>
+            <a:schemeClr val="tx2"/>
+          </a:solidFill>
+          <a:ln w="15875">
+            <a:solidFill>
+              <a:srgbClr val="00C1DE"/>
+            </a:solidFill>
+          </a:ln>
+        </p:spPr>
+        <p:style>
+          <a:lnRef idx="2">
+            <a:schemeClr val="accent1">
+              <a:shade val="50000"/>
+            </a:schemeClr>
+          </a:lnRef>
+          <a:fillRef idx="1">
+            <a:schemeClr val="accent1"/>
+          </a:fillRef>
+          <a:effectRef idx="0">
+            <a:schemeClr val="accent1"/>
+          </a:effectRef>
+          <a:fontRef idx="minor">
+            <a:schemeClr val="lt1"/>
+          </a:fontRef>
+        </p:style>
+        <p:txBody>
+          <a:bodyPr rtlCol="0" anchor="ctr"/>
+          <a:lstStyle/>
+          <a:p>
+            <a:pPr marL="0" marR="0" lvl="0" indent="0" algn="ctr" defTabSz="1219170" rtl="0" eaLnBrk="0" fontAlgn="base" latinLnBrk="0" hangingPunct="0">
+              <a:lnSpc>
+                <a:spcPct val="100000"/>
+              </a:lnSpc>
+              <a:spcBef>
+                <a:spcPct val="0"/>
+              </a:spcBef>
+              <a:spcAft>
+                <a:spcPct val="0"/>
+              </a:spcAft>
+              <a:buClrTx/>
+              <a:buSzTx/>
+              <a:buFontTx/>
+              <a:buNone/>
+              <a:tabLst/>
+              <a:defRPr/>
+            </a:pPr>
+            <a:r>
+              <a:rPr kumimoji="0" lang="en-GB" sz="1200" b="0" i="0" u="none" strike="noStrike" kern="1200" cap="none" spc="0" normalizeH="0" baseline="0" noProof="0">
+                <a:ln>
+                  <a:noFill/>
+                </a:ln>
+                <a:solidFill>
+                  <a:srgbClr val="FFFFFF"/>
+                </a:solidFill>
+                <a:effectLst/>
+                <a:uLnTx/>
+                <a:uFillTx/>
+                <a:latin typeface="Aeonik" panose="020B0503030300000000" pitchFamily="34" charset="0"/>
+                <a:ea typeface="+mn-ea"/>
+                <a:cs typeface="Calibri" panose="020F0502020204030204" pitchFamily="34" charset="0"/>
+              </a:rPr>
+              <a:t>SDS Data Capturing</a:t>
+            </a:r>
+          </a:p>
+        </p:txBody>
+      </p:sp>
+      <p:sp>
+        <p:nvSpPr>
+          <p:cNvPr id="18" name="Left Brace 17">
+            <a:extLst>
+              <a:ext uri="{FF2B5EF4-FFF2-40B4-BE49-F238E27FC236}">
+                <a16:creationId xmlns:a16="http://schemas.microsoft.com/office/drawing/2014/main" id="{0700FFA6-6748-F724-8179-3614CE540035}"/>
+              </a:ext>
+            </a:extLst>
+          </p:cNvPr>
+          <p:cNvSpPr/>
+          <p:nvPr/>
+        </p:nvSpPr>
+        <p:spPr>
+          <a:xfrm rot="16200000">
+            <a:off x="7639233" y="4001142"/>
+            <a:ext cx="278432" cy="2809876"/>
+          </a:xfrm>
+          <a:prstGeom prst="leftBrace">
+            <a:avLst/>
+          </a:prstGeom>
+          <a:ln>
+            <a:solidFill>
+              <a:schemeClr val="accent4">
+                <a:lumMod val="75000"/>
+              </a:schemeClr>
+            </a:solidFill>
+            <a:headEnd type="none" w="med" len="med"/>
+            <a:tailEnd type="none" w="med" len="med"/>
+          </a:ln>
+        </p:spPr>
+        <p:style>
+          <a:lnRef idx="2">
+            <a:schemeClr val="accent4"/>
+          </a:lnRef>
+          <a:fillRef idx="0">
+            <a:schemeClr val="accent4"/>
+          </a:fillRef>
+          <a:effectRef idx="1">
+            <a:schemeClr val="accent4"/>
+          </a:effectRef>
+          <a:fontRef idx="minor">
+            <a:schemeClr val="tx1"/>
+          </a:fontRef>
+        </p:style>
+        <p:txBody>
+          <a:bodyPr rtlCol="0" anchor="ctr"/>
+          <a:lstStyle/>
+          <a:p>
+            <a:pPr algn="ctr"/>
+            <a:endParaRPr lang="en-DE"/>
+          </a:p>
+        </p:txBody>
+      </p:sp>
+      <p:cxnSp>
+        <p:nvCxnSpPr>
+          <p:cNvPr id="20" name="Straight Arrow Connector 19">
+            <a:extLst>
+              <a:ext uri="{FF2B5EF4-FFF2-40B4-BE49-F238E27FC236}">
+                <a16:creationId xmlns:a16="http://schemas.microsoft.com/office/drawing/2014/main" id="{DF9EBD21-39D4-CE56-E984-EAF5A81CCDE7}"/>
+              </a:ext>
+            </a:extLst>
+          </p:cNvPr>
+          <p:cNvCxnSpPr>
+            <a:cxnSpLocks/>
+            <a:stCxn id="68" idx="3"/>
+            <a:endCxn id="75" idx="1"/>
+          </p:cNvCxnSpPr>
+          <p:nvPr/>
+        </p:nvCxnSpPr>
+        <p:spPr>
+          <a:xfrm>
+            <a:off x="2489073" y="4851593"/>
+            <a:ext cx="5830314" cy="0"/>
+          </a:xfrm>
+          <a:prstGeom prst="straightConnector1">
+            <a:avLst/>
+          </a:prstGeom>
+          <a:ln w="15875">
+            <a:solidFill>
+              <a:srgbClr val="00C1DE"/>
+            </a:solidFill>
+            <a:headEnd type="none"/>
+            <a:tailEnd type="triangle"/>
+          </a:ln>
+        </p:spPr>
+        <p:style>
+          <a:lnRef idx="1">
+            <a:schemeClr val="accent1"/>
+          </a:lnRef>
+          <a:fillRef idx="0">
+            <a:schemeClr val="accent1"/>
+          </a:fillRef>
+          <a:effectRef idx="0">
+            <a:schemeClr val="accent1"/>
+          </a:effectRef>
+          <a:fontRef idx="minor">
+            <a:schemeClr val="tx1"/>
+          </a:fontRef>
+        </p:style>
+      </p:cxnSp>
+      <p:sp>
+        <p:nvSpPr>
+          <p:cNvPr id="69" name="Process 68">
+            <a:extLst>
+              <a:ext uri="{FF2B5EF4-FFF2-40B4-BE49-F238E27FC236}">
+                <a16:creationId xmlns:a16="http://schemas.microsoft.com/office/drawing/2014/main" id="{F28BD868-FDDB-C632-2CBD-930E525DC115}"/>
+              </a:ext>
+            </a:extLst>
+          </p:cNvPr>
+          <p:cNvSpPr/>
+          <p:nvPr/>
+        </p:nvSpPr>
+        <p:spPr>
+          <a:xfrm>
+            <a:off x="2576615" y="4427234"/>
+            <a:ext cx="864000" cy="848717"/>
+          </a:xfrm>
+          <a:prstGeom prst="flowChartProcess">
+            <a:avLst/>
+          </a:prstGeom>
+          <a:solidFill>
+            <a:schemeClr val="tx2"/>
+          </a:solidFill>
+          <a:ln w="15875">
+            <a:solidFill>
+              <a:srgbClr val="00C1DE"/>
+            </a:solidFill>
+          </a:ln>
+        </p:spPr>
+        <p:style>
+          <a:lnRef idx="2">
+            <a:schemeClr val="accent1">
+              <a:shade val="50000"/>
+            </a:schemeClr>
+          </a:lnRef>
+          <a:fillRef idx="1">
+            <a:schemeClr val="accent1"/>
+          </a:fillRef>
+          <a:effectRef idx="0">
+            <a:schemeClr val="accent1"/>
+          </a:effectRef>
+          <a:fontRef idx="minor">
+            <a:schemeClr val="lt1"/>
+          </a:fontRef>
+        </p:style>
+        <p:txBody>
+          <a:bodyPr lIns="0" rIns="0" rtlCol="0" anchor="ctr"/>
+          <a:lstStyle/>
+          <a:p>
+            <a:pPr marL="0" marR="0" lvl="0" indent="0" algn="ctr" defTabSz="1219170" rtl="0" eaLnBrk="0" fontAlgn="base" latinLnBrk="0" hangingPunct="0">
+              <a:lnSpc>
+                <a:spcPct val="100000"/>
+              </a:lnSpc>
+              <a:spcBef>
+                <a:spcPct val="0"/>
+              </a:spcBef>
+              <a:spcAft>
+                <a:spcPct val="0"/>
+              </a:spcAft>
+              <a:buClrTx/>
+              <a:buSzTx/>
+              <a:buFontTx/>
+              <a:buNone/>
+              <a:tabLst/>
+              <a:defRPr/>
+            </a:pPr>
+            <a:r>
+              <a:rPr kumimoji="0" lang="en-GB" sz="1200" b="0" i="0" u="none" strike="noStrike" kern="1200" cap="none" spc="0" normalizeH="0" baseline="0" noProof="0">
+                <a:ln>
+                  <a:noFill/>
+                </a:ln>
+                <a:solidFill>
+                  <a:srgbClr val="FFFFFF"/>
+                </a:solidFill>
+                <a:effectLst/>
+                <a:uLnTx/>
+                <a:uFillTx/>
+                <a:latin typeface="Aeonik" panose="020B0503030300000000" pitchFamily="34" charset="0"/>
+                <a:ea typeface="+mn-ea"/>
+                <a:cs typeface="Calibri" panose="020F0502020204030204" pitchFamily="34" charset="0"/>
+              </a:rPr>
+              <a:t>Compress</a:t>
+            </a:r>
+            <a:endParaRPr kumimoji="0" lang="en-GB" sz="1100" b="0" i="0" u="none" strike="noStrike" kern="1200" cap="none" spc="0" normalizeH="0" baseline="0" noProof="0">
+              <a:ln>
+                <a:noFill/>
+              </a:ln>
+              <a:solidFill>
+                <a:srgbClr val="FFFFFF"/>
+              </a:solidFill>
+              <a:effectLst/>
+              <a:uLnTx/>
+              <a:uFillTx/>
+              <a:latin typeface="Aeonik" panose="020B0503030300000000" pitchFamily="34" charset="0"/>
+              <a:ea typeface="+mn-ea"/>
+              <a:cs typeface="Calibri" panose="020F0502020204030204" pitchFamily="34" charset="0"/>
+            </a:endParaRPr>
+          </a:p>
+          <a:p>
+            <a:pPr lvl="0" algn="ctr" defTabSz="1219170">
+              <a:defRPr/>
+            </a:pPr>
+            <a:r>
+              <a:rPr lang="en-GB" sz="1200">
+                <a:solidFill>
+                  <a:srgbClr val="FFFFFF"/>
+                </a:solidFill>
+                <a:latin typeface="Aeonik" panose="020B0503030300000000" pitchFamily="34" charset="0"/>
+                <a:cs typeface="Calibri" panose="020F0502020204030204" pitchFamily="34" charset="0"/>
+              </a:rPr>
+              <a:t>Model</a:t>
+            </a:r>
+            <a:endParaRPr kumimoji="0" lang="en-GB" sz="1100" b="0" i="0" u="none" strike="noStrike" kern="1200" cap="none" spc="0" normalizeH="0" baseline="0" noProof="0">
+              <a:ln>
+                <a:noFill/>
+              </a:ln>
+              <a:solidFill>
+                <a:srgbClr val="FFFFFF"/>
+              </a:solidFill>
+              <a:effectLst/>
+              <a:uLnTx/>
+              <a:uFillTx/>
+              <a:latin typeface="Aeonik" panose="020B0503030300000000" pitchFamily="34" charset="0"/>
+              <a:ea typeface="+mn-ea"/>
+              <a:cs typeface="Calibri" panose="020F0502020204030204" pitchFamily="34" charset="0"/>
+            </a:endParaRPr>
+          </a:p>
+        </p:txBody>
+      </p:sp>
+      <p:sp>
+        <p:nvSpPr>
+          <p:cNvPr id="70" name="Process 69">
+            <a:extLst>
+              <a:ext uri="{FF2B5EF4-FFF2-40B4-BE49-F238E27FC236}">
+                <a16:creationId xmlns:a16="http://schemas.microsoft.com/office/drawing/2014/main" id="{1B9CAF9D-3596-CA72-D067-A56483D5B2AF}"/>
+              </a:ext>
+            </a:extLst>
+          </p:cNvPr>
+          <p:cNvSpPr/>
+          <p:nvPr/>
+        </p:nvSpPr>
+        <p:spPr>
+          <a:xfrm>
+            <a:off x="3525184" y="4423032"/>
+            <a:ext cx="864000" cy="848717"/>
+          </a:xfrm>
+          <a:prstGeom prst="flowChartProcess">
+            <a:avLst/>
+          </a:prstGeom>
+          <a:solidFill>
+            <a:schemeClr val="tx2"/>
+          </a:solidFill>
+          <a:ln w="15875">
+            <a:solidFill>
+              <a:srgbClr val="00C1DE"/>
+            </a:solidFill>
+          </a:ln>
+        </p:spPr>
+        <p:style>
+          <a:lnRef idx="2">
+            <a:schemeClr val="accent1">
+              <a:shade val="50000"/>
+            </a:schemeClr>
+          </a:lnRef>
+          <a:fillRef idx="1">
+            <a:schemeClr val="accent1"/>
+          </a:fillRef>
+          <a:effectRef idx="0">
+            <a:schemeClr val="accent1"/>
+          </a:effectRef>
+          <a:fontRef idx="minor">
+            <a:schemeClr val="lt1"/>
+          </a:fontRef>
+        </p:style>
+        <p:txBody>
+          <a:bodyPr rtlCol="0" anchor="ctr"/>
+          <a:lstStyle/>
+          <a:p>
+            <a:pPr marL="0" marR="0" lvl="0" indent="0" algn="ctr" defTabSz="1219170" rtl="0" eaLnBrk="0" fontAlgn="base" latinLnBrk="0" hangingPunct="0">
+              <a:lnSpc>
+                <a:spcPct val="100000"/>
+              </a:lnSpc>
+              <a:spcBef>
+                <a:spcPct val="0"/>
+              </a:spcBef>
+              <a:spcAft>
+                <a:spcPct val="0"/>
+              </a:spcAft>
+              <a:buClrTx/>
+              <a:buSzTx/>
+              <a:buFontTx/>
+              <a:buNone/>
+              <a:tabLst/>
+              <a:defRPr/>
+            </a:pPr>
+            <a:r>
+              <a:rPr kumimoji="0" lang="en-GB" sz="1200" b="0" i="0" u="none" strike="noStrike" kern="1200" cap="none" spc="0" normalizeH="0" baseline="0" noProof="0">
+                <a:ln>
+                  <a:noFill/>
+                </a:ln>
+                <a:solidFill>
+                  <a:srgbClr val="FFFFFF"/>
+                </a:solidFill>
+                <a:effectLst/>
+                <a:uLnTx/>
+                <a:uFillTx/>
+                <a:latin typeface="Aeonik" panose="020B0503030300000000" pitchFamily="34" charset="0"/>
+                <a:ea typeface="+mn-ea"/>
+                <a:cs typeface="Calibri" panose="020F0502020204030204" pitchFamily="34" charset="0"/>
+              </a:rPr>
+              <a:t>Train</a:t>
+            </a:r>
+          </a:p>
+          <a:p>
+            <a:pPr marL="0" marR="0" lvl="0" indent="0" algn="ctr" defTabSz="1219170" rtl="0" eaLnBrk="0" fontAlgn="base" latinLnBrk="0" hangingPunct="0">
+              <a:lnSpc>
+                <a:spcPct val="100000"/>
+              </a:lnSpc>
+              <a:spcBef>
+                <a:spcPct val="0"/>
+              </a:spcBef>
+              <a:spcAft>
+                <a:spcPct val="0"/>
+              </a:spcAft>
+              <a:buClrTx/>
+              <a:buSzTx/>
+              <a:buFontTx/>
+              <a:buNone/>
+              <a:tabLst/>
+              <a:defRPr/>
+            </a:pPr>
+            <a:r>
+              <a:rPr kumimoji="0" lang="en-GB" sz="1200" b="0" i="0" u="none" strike="noStrike" kern="1200" cap="none" spc="0" normalizeH="0" baseline="0" noProof="0">
+                <a:ln>
+                  <a:noFill/>
+                </a:ln>
+                <a:solidFill>
+                  <a:srgbClr val="FFFFFF"/>
+                </a:solidFill>
+                <a:effectLst/>
+                <a:uLnTx/>
+                <a:uFillTx/>
+                <a:latin typeface="Aeonik" panose="020B0503030300000000" pitchFamily="34" charset="0"/>
+                <a:ea typeface="+mn-ea"/>
+                <a:cs typeface="Calibri" panose="020F0502020204030204" pitchFamily="34" charset="0"/>
+              </a:rPr>
+              <a:t>Model</a:t>
+            </a:r>
+          </a:p>
+        </p:txBody>
+      </p:sp>
+      <p:sp>
+        <p:nvSpPr>
+          <p:cNvPr id="71" name="Process 70">
+            <a:extLst>
+              <a:ext uri="{FF2B5EF4-FFF2-40B4-BE49-F238E27FC236}">
+                <a16:creationId xmlns:a16="http://schemas.microsoft.com/office/drawing/2014/main" id="{C795EE1F-4C32-4E00-707C-C15AD5854D25}"/>
+              </a:ext>
+            </a:extLst>
+          </p:cNvPr>
+          <p:cNvSpPr/>
+          <p:nvPr/>
+        </p:nvSpPr>
+        <p:spPr>
+          <a:xfrm>
+            <a:off x="4475063" y="4423031"/>
+            <a:ext cx="864000" cy="848717"/>
+          </a:xfrm>
+          <a:prstGeom prst="flowChartProcess">
+            <a:avLst/>
+          </a:prstGeom>
+          <a:solidFill>
+            <a:schemeClr val="tx2"/>
+          </a:solidFill>
+          <a:ln w="15875">
+            <a:solidFill>
+              <a:srgbClr val="00C1DE"/>
+            </a:solidFill>
+          </a:ln>
+        </p:spPr>
+        <p:style>
+          <a:lnRef idx="2">
+            <a:schemeClr val="accent1">
+              <a:shade val="50000"/>
+            </a:schemeClr>
+          </a:lnRef>
+          <a:fillRef idx="1">
+            <a:schemeClr val="accent1"/>
+          </a:fillRef>
+          <a:effectRef idx="0">
+            <a:schemeClr val="accent1"/>
+          </a:effectRef>
+          <a:fontRef idx="minor">
+            <a:schemeClr val="lt1"/>
+          </a:fontRef>
+        </p:style>
+        <p:txBody>
+          <a:bodyPr rtlCol="0" anchor="ctr"/>
+          <a:lstStyle/>
+          <a:p>
+            <a:pPr marL="0" marR="0" lvl="0" indent="0" algn="ctr" defTabSz="1219170" rtl="0" eaLnBrk="0" fontAlgn="base" latinLnBrk="0" hangingPunct="0">
+              <a:lnSpc>
+                <a:spcPct val="100000"/>
+              </a:lnSpc>
+              <a:spcBef>
+                <a:spcPct val="0"/>
+              </a:spcBef>
+              <a:spcAft>
+                <a:spcPct val="0"/>
+              </a:spcAft>
+              <a:buClrTx/>
+              <a:buSzTx/>
+              <a:buFontTx/>
+              <a:buNone/>
+              <a:tabLst/>
+              <a:defRPr/>
+            </a:pPr>
+            <a:r>
+              <a:rPr kumimoji="0" lang="en-GB" sz="1200" b="0" i="0" u="none" strike="noStrike" kern="1200" cap="none" spc="0" normalizeH="0" baseline="0" noProof="0">
+                <a:ln>
+                  <a:noFill/>
+                </a:ln>
+                <a:solidFill>
+                  <a:srgbClr val="FFFFFF"/>
+                </a:solidFill>
+                <a:effectLst/>
+                <a:uLnTx/>
+                <a:uFillTx/>
+                <a:latin typeface="Aeonik" panose="020B0503030300000000" pitchFamily="34" charset="0"/>
+                <a:ea typeface="+mn-ea"/>
+                <a:cs typeface="Calibri" panose="020F0502020204030204" pitchFamily="34" charset="0"/>
+              </a:rPr>
+              <a:t>Weight clustering</a:t>
+            </a:r>
+          </a:p>
+        </p:txBody>
+      </p:sp>
+      <p:sp>
+        <p:nvSpPr>
+          <p:cNvPr id="72" name="Process 71">
+            <a:extLst>
+              <a:ext uri="{FF2B5EF4-FFF2-40B4-BE49-F238E27FC236}">
+                <a16:creationId xmlns:a16="http://schemas.microsoft.com/office/drawing/2014/main" id="{5CB8DE81-07C6-231A-3EF1-CC1A6889F98B}"/>
+              </a:ext>
+            </a:extLst>
+          </p:cNvPr>
+          <p:cNvSpPr/>
+          <p:nvPr/>
+        </p:nvSpPr>
+        <p:spPr>
+          <a:xfrm>
+            <a:off x="5426605" y="4423030"/>
+            <a:ext cx="864000" cy="848717"/>
+          </a:xfrm>
+          <a:prstGeom prst="flowChartProcess">
+            <a:avLst/>
+          </a:prstGeom>
+          <a:solidFill>
+            <a:schemeClr val="tx2"/>
+          </a:solidFill>
+          <a:ln w="15875">
+            <a:solidFill>
+              <a:srgbClr val="00C1DE"/>
+            </a:solidFill>
+          </a:ln>
+        </p:spPr>
+        <p:style>
+          <a:lnRef idx="2">
+            <a:schemeClr val="accent1">
+              <a:shade val="50000"/>
+            </a:schemeClr>
+          </a:lnRef>
+          <a:fillRef idx="1">
+            <a:schemeClr val="accent1"/>
+          </a:fillRef>
+          <a:effectRef idx="0">
+            <a:schemeClr val="accent1"/>
+          </a:effectRef>
+          <a:fontRef idx="minor">
+            <a:schemeClr val="lt1"/>
+          </a:fontRef>
+        </p:style>
+        <p:txBody>
+          <a:bodyPr lIns="0" rIns="0" rtlCol="0" anchor="ctr"/>
+          <a:lstStyle/>
+          <a:p>
+            <a:pPr marL="0" marR="0" lvl="0" indent="0" algn="ctr" defTabSz="1219170" rtl="0" eaLnBrk="0" fontAlgn="base" latinLnBrk="0" hangingPunct="0">
+              <a:lnSpc>
+                <a:spcPct val="100000"/>
+              </a:lnSpc>
+              <a:spcBef>
+                <a:spcPct val="0"/>
+              </a:spcBef>
+              <a:spcAft>
+                <a:spcPct val="0"/>
+              </a:spcAft>
+              <a:buClrTx/>
+              <a:buSzTx/>
+              <a:buFontTx/>
+              <a:buNone/>
+              <a:tabLst/>
+              <a:defRPr/>
+            </a:pPr>
+            <a:r>
+              <a:rPr kumimoji="0" lang="en-GB" sz="1200" b="0" i="0" u="none" strike="noStrike" kern="1200" cap="none" spc="0" normalizeH="0" baseline="0" noProof="0">
+                <a:ln>
+                  <a:noFill/>
+                </a:ln>
+                <a:solidFill>
+                  <a:srgbClr val="FFFFFF"/>
+                </a:solidFill>
+                <a:effectLst/>
+                <a:uLnTx/>
+                <a:uFillTx/>
+                <a:latin typeface="Aeonik" panose="020B0503030300000000" pitchFamily="34" charset="0"/>
+                <a:ea typeface="+mn-ea"/>
+                <a:cs typeface="Calibri" panose="020F0502020204030204" pitchFamily="34" charset="0"/>
+              </a:rPr>
+              <a:t>Quantize</a:t>
+            </a:r>
+          </a:p>
+          <a:p>
+            <a:pPr marL="0" marR="0" lvl="0" indent="0" algn="ctr" defTabSz="1219170" rtl="0" eaLnBrk="0" fontAlgn="base" latinLnBrk="0" hangingPunct="0">
+              <a:lnSpc>
+                <a:spcPct val="100000"/>
+              </a:lnSpc>
+              <a:spcBef>
+                <a:spcPct val="0"/>
+              </a:spcBef>
+              <a:spcAft>
+                <a:spcPct val="0"/>
+              </a:spcAft>
+              <a:buClrTx/>
+              <a:buSzTx/>
+              <a:buFontTx/>
+              <a:buNone/>
+              <a:tabLst/>
+              <a:defRPr/>
+            </a:pPr>
+            <a:r>
+              <a:rPr lang="en-GB" sz="1200">
+                <a:solidFill>
+                  <a:srgbClr val="FFFFFF"/>
+                </a:solidFill>
+                <a:latin typeface="Aeonik" panose="020B0503030300000000" pitchFamily="34" charset="0"/>
+                <a:cs typeface="Calibri" panose="020F0502020204030204" pitchFamily="34" charset="0"/>
+              </a:rPr>
+              <a:t>Model</a:t>
+            </a:r>
+            <a:endParaRPr kumimoji="0" lang="en-GB" sz="1200" b="0" i="0" u="none" strike="noStrike" kern="1200" cap="none" spc="0" normalizeH="0" baseline="0" noProof="0">
+              <a:ln>
+                <a:noFill/>
+              </a:ln>
+              <a:solidFill>
+                <a:srgbClr val="FFFFFF"/>
+              </a:solidFill>
+              <a:effectLst/>
+              <a:uLnTx/>
+              <a:uFillTx/>
+              <a:latin typeface="Aeonik" panose="020B0503030300000000" pitchFamily="34" charset="0"/>
+              <a:ea typeface="+mn-ea"/>
+              <a:cs typeface="Calibri" panose="020F0502020204030204" pitchFamily="34" charset="0"/>
+            </a:endParaRPr>
+          </a:p>
+        </p:txBody>
+      </p:sp>
+      <p:sp>
+        <p:nvSpPr>
+          <p:cNvPr id="73" name="Process 72">
+            <a:extLst>
+              <a:ext uri="{FF2B5EF4-FFF2-40B4-BE49-F238E27FC236}">
+                <a16:creationId xmlns:a16="http://schemas.microsoft.com/office/drawing/2014/main" id="{696446AF-5C1D-C494-FA71-35D44CC2AD67}"/>
+              </a:ext>
+            </a:extLst>
+          </p:cNvPr>
+          <p:cNvSpPr/>
+          <p:nvPr/>
+        </p:nvSpPr>
+        <p:spPr>
+          <a:xfrm>
+            <a:off x="6373511" y="4423029"/>
+            <a:ext cx="864000" cy="848717"/>
+          </a:xfrm>
+          <a:prstGeom prst="flowChartProcess">
+            <a:avLst/>
+          </a:prstGeom>
+          <a:solidFill>
+            <a:schemeClr val="tx2"/>
+          </a:solidFill>
+          <a:ln w="15875">
+            <a:solidFill>
+              <a:schemeClr val="accent4">
+                <a:lumMod val="75000"/>
+              </a:schemeClr>
+            </a:solidFill>
+          </a:ln>
+        </p:spPr>
+        <p:style>
+          <a:lnRef idx="2">
+            <a:schemeClr val="accent1">
+              <a:shade val="50000"/>
+            </a:schemeClr>
+          </a:lnRef>
+          <a:fillRef idx="1">
+            <a:schemeClr val="accent1"/>
+          </a:fillRef>
+          <a:effectRef idx="0">
+            <a:schemeClr val="accent1"/>
+          </a:effectRef>
+          <a:fontRef idx="minor">
+            <a:schemeClr val="lt1"/>
+          </a:fontRef>
+        </p:style>
+        <p:txBody>
+          <a:bodyPr rtlCol="0" anchor="ctr"/>
+          <a:lstStyle/>
+          <a:p>
+            <a:pPr marL="0" marR="0" lvl="0" indent="0" algn="ctr" defTabSz="1219170" rtl="0" eaLnBrk="0" fontAlgn="base" latinLnBrk="0" hangingPunct="0">
+              <a:lnSpc>
+                <a:spcPct val="100000"/>
+              </a:lnSpc>
+              <a:spcBef>
+                <a:spcPct val="0"/>
+              </a:spcBef>
+              <a:spcAft>
+                <a:spcPct val="0"/>
+              </a:spcAft>
+              <a:buClrTx/>
+              <a:buSzTx/>
+              <a:buFontTx/>
+              <a:buNone/>
+              <a:tabLst/>
+              <a:defRPr/>
+            </a:pPr>
+            <a:r>
+              <a:rPr kumimoji="0" lang="en-GB" sz="1200" b="0" i="0" u="none" strike="noStrike" kern="1200" cap="none" spc="0" normalizeH="0" baseline="0" noProof="0">
+                <a:ln>
+                  <a:noFill/>
+                </a:ln>
+                <a:solidFill>
+                  <a:srgbClr val="FFFFFF"/>
+                </a:solidFill>
+                <a:effectLst/>
+                <a:uLnTx/>
+                <a:uFillTx/>
+                <a:latin typeface="Aeonik" panose="020B0503030300000000" pitchFamily="34" charset="0"/>
+                <a:ea typeface="+mn-ea"/>
+                <a:cs typeface="Calibri" panose="020F0502020204030204" pitchFamily="34" charset="0"/>
+              </a:rPr>
+              <a:t>Compile</a:t>
+            </a:r>
+          </a:p>
+          <a:p>
+            <a:pPr marL="0" marR="0" lvl="0" indent="0" algn="ctr" defTabSz="1219170" rtl="0" eaLnBrk="0" fontAlgn="base" latinLnBrk="0" hangingPunct="0">
+              <a:lnSpc>
+                <a:spcPct val="100000"/>
+              </a:lnSpc>
+              <a:spcBef>
+                <a:spcPct val="0"/>
+              </a:spcBef>
+              <a:spcAft>
+                <a:spcPct val="0"/>
+              </a:spcAft>
+              <a:buClrTx/>
+              <a:buSzTx/>
+              <a:buFontTx/>
+              <a:buNone/>
+              <a:tabLst/>
+              <a:defRPr/>
+            </a:pPr>
+            <a:r>
+              <a:rPr lang="en-GB" sz="1200">
+                <a:solidFill>
+                  <a:srgbClr val="FFFFFF"/>
+                </a:solidFill>
+                <a:latin typeface="Aeonik" panose="020B0503030300000000" pitchFamily="34" charset="0"/>
+                <a:cs typeface="Calibri" panose="020F0502020204030204" pitchFamily="34" charset="0"/>
+              </a:rPr>
+              <a:t>Model</a:t>
+            </a:r>
+            <a:endParaRPr kumimoji="0" lang="en-GB" sz="1200" b="0" i="0" u="none" strike="noStrike" kern="1200" cap="none" spc="0" normalizeH="0" baseline="0" noProof="0">
+              <a:ln>
+                <a:noFill/>
+              </a:ln>
+              <a:solidFill>
+                <a:srgbClr val="FFFFFF"/>
+              </a:solidFill>
+              <a:effectLst/>
+              <a:uLnTx/>
+              <a:uFillTx/>
+              <a:latin typeface="Aeonik" panose="020B0503030300000000" pitchFamily="34" charset="0"/>
+              <a:ea typeface="+mn-ea"/>
+              <a:cs typeface="Calibri" panose="020F0502020204030204" pitchFamily="34" charset="0"/>
+            </a:endParaRPr>
+          </a:p>
+        </p:txBody>
+      </p:sp>
+      <p:sp>
+        <p:nvSpPr>
+          <p:cNvPr id="74" name="Process 73">
+            <a:extLst>
+              <a:ext uri="{FF2B5EF4-FFF2-40B4-BE49-F238E27FC236}">
+                <a16:creationId xmlns:a16="http://schemas.microsoft.com/office/drawing/2014/main" id="{3280C807-C264-F619-0E9B-F5D0FF3B7B65}"/>
+              </a:ext>
+            </a:extLst>
+          </p:cNvPr>
+          <p:cNvSpPr/>
+          <p:nvPr/>
+        </p:nvSpPr>
+        <p:spPr>
+          <a:xfrm>
+            <a:off x="7335517" y="4418984"/>
+            <a:ext cx="864000" cy="848717"/>
+          </a:xfrm>
+          <a:prstGeom prst="flowChartProcess">
+            <a:avLst/>
+          </a:prstGeom>
+          <a:solidFill>
+            <a:schemeClr val="tx2"/>
+          </a:solidFill>
+          <a:ln w="15875">
+            <a:solidFill>
+              <a:schemeClr val="accent4">
+                <a:lumMod val="75000"/>
+              </a:schemeClr>
+            </a:solidFill>
+          </a:ln>
+        </p:spPr>
+        <p:style>
+          <a:lnRef idx="2">
+            <a:schemeClr val="accent1">
+              <a:shade val="50000"/>
+            </a:schemeClr>
+          </a:lnRef>
+          <a:fillRef idx="1">
+            <a:schemeClr val="accent1"/>
+          </a:fillRef>
+          <a:effectRef idx="0">
+            <a:schemeClr val="accent1"/>
+          </a:effectRef>
+          <a:fontRef idx="minor">
+            <a:schemeClr val="lt1"/>
+          </a:fontRef>
+        </p:style>
+        <p:txBody>
+          <a:bodyPr rtlCol="0" anchor="ctr"/>
+          <a:lstStyle/>
+          <a:p>
+            <a:pPr marL="0" marR="0" lvl="0" indent="0" algn="ctr" defTabSz="1219170" rtl="0" eaLnBrk="0" fontAlgn="base" latinLnBrk="0" hangingPunct="0">
+              <a:lnSpc>
+                <a:spcPct val="100000"/>
+              </a:lnSpc>
+              <a:spcBef>
+                <a:spcPct val="0"/>
+              </a:spcBef>
+              <a:spcAft>
+                <a:spcPct val="0"/>
+              </a:spcAft>
+              <a:buClrTx/>
+              <a:buSzTx/>
+              <a:buFontTx/>
+              <a:buNone/>
+              <a:tabLst/>
+              <a:defRPr/>
+            </a:pPr>
+            <a:r>
+              <a:rPr kumimoji="0" lang="en-GB" sz="1200" b="0" i="0" u="none" strike="noStrike" kern="1200" cap="none" spc="0" normalizeH="0" baseline="0" noProof="0">
+                <a:ln>
+                  <a:noFill/>
+                </a:ln>
+                <a:solidFill>
+                  <a:srgbClr val="FFFFFF"/>
+                </a:solidFill>
+                <a:effectLst/>
+                <a:uLnTx/>
+                <a:uFillTx/>
+                <a:latin typeface="Aeonik" panose="020B0503030300000000" pitchFamily="34" charset="0"/>
+                <a:ea typeface="+mn-ea"/>
+                <a:cs typeface="Calibri" panose="020F0502020204030204" pitchFamily="34" charset="0"/>
+              </a:rPr>
+              <a:t>Validate</a:t>
+            </a:r>
+          </a:p>
+          <a:p>
+            <a:pPr marL="0" marR="0" lvl="0" indent="0" algn="ctr" defTabSz="1219170" rtl="0" eaLnBrk="0" fontAlgn="base" latinLnBrk="0" hangingPunct="0">
+              <a:lnSpc>
+                <a:spcPct val="100000"/>
+              </a:lnSpc>
+              <a:spcBef>
+                <a:spcPct val="0"/>
+              </a:spcBef>
+              <a:spcAft>
+                <a:spcPct val="0"/>
+              </a:spcAft>
+              <a:buClrTx/>
+              <a:buSzTx/>
+              <a:buFontTx/>
+              <a:buNone/>
+              <a:tabLst/>
+              <a:defRPr/>
+            </a:pPr>
+            <a:r>
+              <a:rPr lang="en-GB" sz="1200">
+                <a:solidFill>
+                  <a:srgbClr val="FFFFFF"/>
+                </a:solidFill>
+                <a:latin typeface="Aeonik" panose="020B0503030300000000" pitchFamily="34" charset="0"/>
+                <a:cs typeface="Calibri" panose="020F0502020204030204" pitchFamily="34" charset="0"/>
+              </a:rPr>
+              <a:t>Model</a:t>
+            </a:r>
+            <a:endParaRPr kumimoji="0" lang="en-GB" sz="1200" b="0" i="0" u="none" strike="noStrike" kern="1200" cap="none" spc="0" normalizeH="0" baseline="0" noProof="0">
+              <a:ln>
+                <a:noFill/>
+              </a:ln>
+              <a:solidFill>
+                <a:srgbClr val="FFFFFF"/>
+              </a:solidFill>
+              <a:effectLst/>
+              <a:uLnTx/>
+              <a:uFillTx/>
+              <a:latin typeface="Aeonik" panose="020B0503030300000000" pitchFamily="34" charset="0"/>
+              <a:ea typeface="+mn-ea"/>
+              <a:cs typeface="Calibri" panose="020F0502020204030204" pitchFamily="34" charset="0"/>
+            </a:endParaRPr>
+          </a:p>
+        </p:txBody>
+      </p:sp>
+      <p:sp>
+        <p:nvSpPr>
+          <p:cNvPr id="9" name="TextBox 8">
+            <a:extLst>
+              <a:ext uri="{FF2B5EF4-FFF2-40B4-BE49-F238E27FC236}">
+                <a16:creationId xmlns:a16="http://schemas.microsoft.com/office/drawing/2014/main" id="{99E25EBF-7EF4-0931-40B3-A8C284DE7233}"/>
+              </a:ext>
+            </a:extLst>
+          </p:cNvPr>
+          <p:cNvSpPr txBox="1"/>
+          <p:nvPr/>
+        </p:nvSpPr>
+        <p:spPr>
+          <a:xfrm>
+            <a:off x="6785091" y="1058366"/>
+            <a:ext cx="2593910" cy="290849"/>
+          </a:xfrm>
+          <a:prstGeom prst="rect">
+            <a:avLst/>
+          </a:prstGeom>
+          <a:noFill/>
+        </p:spPr>
+        <p:txBody>
+          <a:bodyPr wrap="square" lIns="0" tIns="0" rIns="0" bIns="0" rtlCol="0">
+            <a:spAutoFit/>
+          </a:bodyPr>
+          <a:lstStyle/>
+          <a:p>
+            <a:pPr marL="0" indent="0" algn="r" defTabSz="914400" rtl="0" eaLnBrk="1" latinLnBrk="0" hangingPunct="1">
+              <a:lnSpc>
+                <a:spcPct val="90000"/>
+              </a:lnSpc>
+              <a:spcBef>
+                <a:spcPts val="0"/>
+              </a:spcBef>
+              <a:spcAft>
+                <a:spcPts val="600"/>
+              </a:spcAft>
+              <a:buFont typeface="Arial" panose="020B0604020202020204" pitchFamily="34" charset="0"/>
+              <a:buNone/>
+            </a:pPr>
+            <a:r>
+              <a:rPr lang="en-US" sz="2100" kern="1200" dirty="0">
+                <a:solidFill>
+                  <a:schemeClr val="tx2"/>
+                </a:solidFill>
+                <a:latin typeface="+mn-lt"/>
+                <a:ea typeface="+mn-ea"/>
+                <a:cs typeface="+mn-cs"/>
+              </a:rPr>
+              <a:t>Keil MDK</a:t>
+            </a:r>
+          </a:p>
+        </p:txBody>
+      </p:sp>
+      <p:sp>
+        <p:nvSpPr>
+          <p:cNvPr id="10" name="TextBox 9">
+            <a:extLst>
+              <a:ext uri="{FF2B5EF4-FFF2-40B4-BE49-F238E27FC236}">
+                <a16:creationId xmlns:a16="http://schemas.microsoft.com/office/drawing/2014/main" id="{AC70A661-7CD5-B4EF-D0E9-C85678726F50}"/>
+              </a:ext>
+            </a:extLst>
+          </p:cNvPr>
+          <p:cNvSpPr txBox="1"/>
+          <p:nvPr/>
+        </p:nvSpPr>
+        <p:spPr>
+          <a:xfrm>
+            <a:off x="5339063" y="5875096"/>
+            <a:ext cx="4060747" cy="290849"/>
+          </a:xfrm>
+          <a:prstGeom prst="rect">
+            <a:avLst/>
+          </a:prstGeom>
+          <a:noFill/>
+        </p:spPr>
+        <p:txBody>
+          <a:bodyPr wrap="square" lIns="0" tIns="0" rIns="0" bIns="0" rtlCol="0">
+            <a:spAutoFit/>
+          </a:bodyPr>
+          <a:lstStyle/>
+          <a:p>
+            <a:pPr marL="0" indent="0" algn="r" defTabSz="914400" rtl="0" eaLnBrk="1" latinLnBrk="0" hangingPunct="1">
+              <a:lnSpc>
+                <a:spcPct val="90000"/>
+              </a:lnSpc>
+              <a:spcBef>
+                <a:spcPts val="0"/>
+              </a:spcBef>
+              <a:spcAft>
+                <a:spcPts val="600"/>
+              </a:spcAft>
+              <a:buFont typeface="Arial" panose="020B0604020202020204" pitchFamily="34" charset="0"/>
+              <a:buNone/>
+            </a:pPr>
+            <a:r>
+              <a:rPr lang="en-US" sz="2100" kern="1200" dirty="0">
+                <a:solidFill>
+                  <a:schemeClr val="tx2"/>
+                </a:solidFill>
+                <a:latin typeface="+mn-lt"/>
+                <a:ea typeface="+mn-ea"/>
+                <a:cs typeface="+mn-cs"/>
+              </a:rPr>
+              <a:t>Arm Ecosystem Partners</a:t>
+            </a:r>
+          </a:p>
+        </p:txBody>
+      </p:sp>
+    </p:spTree>
+    <p:extLst>
+      <p:ext uri="{BB962C8B-B14F-4D97-AF65-F5344CB8AC3E}">
+        <p14:creationId xmlns:p14="http://schemas.microsoft.com/office/powerpoint/2010/main" val="3241654516"/>
+      </p:ext>
+    </p:extLst>
+  </p:cSld>
+  <p:clrMapOvr>
+    <a:masterClrMapping/>
+  </p:clrMapOvr>
+  <mc:AlternateContent xmlns:mc="http://schemas.openxmlformats.org/markup-compatibility/2006" xmlns:p14="http://schemas.microsoft.com/office/powerpoint/2010/main">
+    <mc:Choice Requires="p14">
+      <p:transition spd="med" p14:dur="700" advTm="89804">
+        <p:fade/>
+      </p:transition>
+    </mc:Choice>
+    <mc:Fallback xmlns="">
+      <p:transition spd="med" advTm="89804">
+        <p:fade/>
+      </p:transition>
+    </mc:Fallback>
+  </mc:AlternateContent>
+  <p:timing>
+    <p:tnLst>
+      <p:par>
+        <p:cTn id="1" dur="indefinite" restart="never" nodeType="tmRoot">
+          <p:childTnLst>
+            <p:seq concurrent="1" nextAc="seek">
+              <p:cTn id="2" dur="indefinite" nodeType="mainSeq">
+                <p:childTnLst>
+                  <p:par>
+                    <p:cTn id="3" fill="hold">
+                      <p:stCondLst>
+                        <p:cond delay="indefinite"/>
+                      </p:stCondLst>
+                      <p:childTnLst>
+                        <p:par>
+                          <p:cTn id="4" fill="hold">
+                            <p:stCondLst>
+                              <p:cond delay="0"/>
+                            </p:stCondLst>
+                            <p:childTnLst>
+                              <p:par>
+                                <p:cTn id="5" presetID="1" presetClass="entr" presetSubtype="0" fill="hold" grpId="0" nodeType="clickEffect">
+                                  <p:stCondLst>
+                                    <p:cond delay="0"/>
+                                  </p:stCondLst>
+                                  <p:childTnLst>
+                                    <p:set>
+                                      <p:cBhvr>
+                                        <p:cTn id="6" dur="1" fill="hold">
+                                          <p:stCondLst>
+                                            <p:cond delay="0"/>
+                                          </p:stCondLst>
+                                        </p:cTn>
+                                        <p:tgtEl>
+                                          <p:spTgt spid="59"/>
+                                        </p:tgtEl>
+                                        <p:attrNameLst>
+                                          <p:attrName>style.visibility</p:attrName>
+                                        </p:attrNameLst>
+                                      </p:cBhvr>
+                                      <p:to>
+                                        <p:strVal val="visible"/>
+                                      </p:to>
+                                    </p:set>
+                                  </p:childTnLst>
+                                </p:cTn>
+                              </p:par>
+                              <p:par>
+                                <p:cTn id="7" presetID="1" presetClass="entr" presetSubtype="0" fill="hold" nodeType="withEffect">
+                                  <p:stCondLst>
+                                    <p:cond delay="0"/>
+                                  </p:stCondLst>
+                                  <p:childTnLst>
+                                    <p:set>
+                                      <p:cBhvr>
+                                        <p:cTn id="8" dur="1" fill="hold">
+                                          <p:stCondLst>
+                                            <p:cond delay="0"/>
+                                          </p:stCondLst>
+                                        </p:cTn>
+                                        <p:tgtEl>
+                                          <p:spTgt spid="60"/>
+                                        </p:tgtEl>
+                                        <p:attrNameLst>
+                                          <p:attrName>style.visibility</p:attrName>
+                                        </p:attrNameLst>
+                                      </p:cBhvr>
+                                      <p:to>
+                                        <p:strVal val="visible"/>
+                                      </p:to>
+                                    </p:set>
+                                  </p:childTnLst>
+                                </p:cTn>
+                              </p:par>
+                              <p:par>
+                                <p:cTn id="9" presetID="1" presetClass="entr" presetSubtype="0" fill="hold" grpId="0" nodeType="withEffect">
+                                  <p:stCondLst>
+                                    <p:cond delay="0"/>
+                                  </p:stCondLst>
+                                  <p:childTnLst>
+                                    <p:set>
+                                      <p:cBhvr>
+                                        <p:cTn id="10" dur="1" fill="hold">
+                                          <p:stCondLst>
+                                            <p:cond delay="0"/>
+                                          </p:stCondLst>
+                                        </p:cTn>
+                                        <p:tgtEl>
+                                          <p:spTgt spid="61"/>
+                                        </p:tgtEl>
+                                        <p:attrNameLst>
+                                          <p:attrName>style.visibility</p:attrName>
+                                        </p:attrNameLst>
+                                      </p:cBhvr>
+                                      <p:to>
+                                        <p:strVal val="visible"/>
+                                      </p:to>
+                                    </p:set>
+                                  </p:childTnLst>
+                                </p:cTn>
+                              </p:par>
+                              <p:par>
+                                <p:cTn id="11" presetID="1" presetClass="entr" presetSubtype="0" fill="hold" grpId="0" nodeType="withEffect" nodePh="1">
+                                  <p:stCondLst>
+                                    <p:cond delay="0"/>
+                                  </p:stCondLst>
+                                  <p:endCondLst>
+                                    <p:cond evt="begin" delay="0">
+                                      <p:tn val="11"/>
+                                    </p:cond>
+                                  </p:endCondLst>
+                                  <p:childTnLst>
+                                    <p:set>
+                                      <p:cBhvr>
+                                        <p:cTn id="12" dur="1" fill="hold">
+                                          <p:stCondLst>
+                                            <p:cond delay="0"/>
+                                          </p:stCondLst>
+                                        </p:cTn>
+                                        <p:tgtEl>
+                                          <p:spTgt spid="63"/>
+                                        </p:tgtEl>
+                                        <p:attrNameLst>
+                                          <p:attrName>style.visibility</p:attrName>
+                                        </p:attrNameLst>
+                                      </p:cBhvr>
+                                      <p:to>
+                                        <p:strVal val="visible"/>
+                                      </p:to>
+                                    </p:set>
+                                  </p:childTnLst>
+                                </p:cTn>
+                              </p:par>
+                              <p:par>
+                                <p:cTn id="13" presetID="1" presetClass="entr" presetSubtype="0" fill="hold" nodeType="withEffect">
+                                  <p:stCondLst>
+                                    <p:cond delay="0"/>
+                                  </p:stCondLst>
+                                  <p:childTnLst>
+                                    <p:set>
+                                      <p:cBhvr>
+                                        <p:cTn id="14" dur="1" fill="hold">
+                                          <p:stCondLst>
+                                            <p:cond delay="0"/>
+                                          </p:stCondLst>
+                                        </p:cTn>
+                                        <p:tgtEl>
+                                          <p:spTgt spid="64"/>
+                                        </p:tgtEl>
+                                        <p:attrNameLst>
+                                          <p:attrName>style.visibility</p:attrName>
+                                        </p:attrNameLst>
+                                      </p:cBhvr>
+                                      <p:to>
+                                        <p:strVal val="visible"/>
+                                      </p:to>
+                                    </p:set>
+                                  </p:childTnLst>
+                                </p:cTn>
+                              </p:par>
+                              <p:par>
+                                <p:cTn id="15" presetID="1" presetClass="entr" presetSubtype="0" fill="hold" nodeType="withEffect">
+                                  <p:stCondLst>
+                                    <p:cond delay="0"/>
+                                  </p:stCondLst>
+                                  <p:childTnLst>
+                                    <p:set>
+                                      <p:cBhvr>
+                                        <p:cTn id="16" dur="1" fill="hold">
+                                          <p:stCondLst>
+                                            <p:cond delay="0"/>
+                                          </p:stCondLst>
+                                        </p:cTn>
+                                        <p:tgtEl>
+                                          <p:spTgt spid="65"/>
+                                        </p:tgtEl>
+                                        <p:attrNameLst>
+                                          <p:attrName>style.visibility</p:attrName>
+                                        </p:attrNameLst>
+                                      </p:cBhvr>
+                                      <p:to>
+                                        <p:strVal val="visible"/>
+                                      </p:to>
+                                    </p:set>
+                                  </p:childTnLst>
+                                </p:cTn>
+                              </p:par>
+                              <p:par>
+                                <p:cTn id="17" presetID="1" presetClass="entr" presetSubtype="0" fill="hold" nodeType="withEffect">
+                                  <p:stCondLst>
+                                    <p:cond delay="0"/>
+                                  </p:stCondLst>
+                                  <p:childTnLst>
+                                    <p:set>
+                                      <p:cBhvr>
+                                        <p:cTn id="18" dur="1" fill="hold">
+                                          <p:stCondLst>
+                                            <p:cond delay="0"/>
+                                          </p:stCondLst>
+                                        </p:cTn>
+                                        <p:tgtEl>
+                                          <p:spTgt spid="66"/>
+                                        </p:tgtEl>
+                                        <p:attrNameLst>
+                                          <p:attrName>style.visibility</p:attrName>
+                                        </p:attrNameLst>
+                                      </p:cBhvr>
+                                      <p:to>
+                                        <p:strVal val="visible"/>
+                                      </p:to>
+                                    </p:set>
+                                  </p:childTnLst>
+                                </p:cTn>
+                              </p:par>
+                              <p:par>
+                                <p:cTn id="19" presetID="1" presetClass="entr" presetSubtype="0" fill="hold" nodeType="withEffect">
+                                  <p:stCondLst>
+                                    <p:cond delay="0"/>
+                                  </p:stCondLst>
+                                  <p:childTnLst>
+                                    <p:set>
+                                      <p:cBhvr>
+                                        <p:cTn id="20" dur="1" fill="hold">
+                                          <p:stCondLst>
+                                            <p:cond delay="0"/>
+                                          </p:stCondLst>
+                                        </p:cTn>
+                                        <p:tgtEl>
+                                          <p:spTgt spid="67"/>
+                                        </p:tgtEl>
+                                        <p:attrNameLst>
+                                          <p:attrName>style.visibility</p:attrName>
+                                        </p:attrNameLst>
+                                      </p:cBhvr>
+                                      <p:to>
+                                        <p:strVal val="visible"/>
+                                      </p:to>
+                                    </p:set>
+                                  </p:childTnLst>
+                                </p:cTn>
+                              </p:par>
+                              <p:par>
+                                <p:cTn id="21" presetID="1" presetClass="entr" presetSubtype="0" fill="hold" grpId="0" nodeType="withEffect">
+                                  <p:stCondLst>
+                                    <p:cond delay="0"/>
+                                  </p:stCondLst>
+                                  <p:childTnLst>
+                                    <p:set>
+                                      <p:cBhvr>
+                                        <p:cTn id="22" dur="1" fill="hold">
+                                          <p:stCondLst>
+                                            <p:cond delay="0"/>
+                                          </p:stCondLst>
+                                        </p:cTn>
+                                        <p:tgtEl>
+                                          <p:spTgt spid="68"/>
+                                        </p:tgtEl>
+                                        <p:attrNameLst>
+                                          <p:attrName>style.visibility</p:attrName>
+                                        </p:attrNameLst>
+                                      </p:cBhvr>
+                                      <p:to>
+                                        <p:strVal val="visible"/>
+                                      </p:to>
+                                    </p:set>
+                                  </p:childTnLst>
+                                </p:cTn>
+                              </p:par>
+                              <p:par>
+                                <p:cTn id="23" presetID="1" presetClass="entr" presetSubtype="0" fill="hold" grpId="0" nodeType="withEffect">
+                                  <p:stCondLst>
+                                    <p:cond delay="0"/>
+                                  </p:stCondLst>
+                                  <p:childTnLst>
+                                    <p:set>
+                                      <p:cBhvr>
+                                        <p:cTn id="24" dur="1" fill="hold">
+                                          <p:stCondLst>
+                                            <p:cond delay="0"/>
+                                          </p:stCondLst>
+                                        </p:cTn>
+                                        <p:tgtEl>
+                                          <p:spTgt spid="75"/>
+                                        </p:tgtEl>
+                                        <p:attrNameLst>
+                                          <p:attrName>style.visibility</p:attrName>
+                                        </p:attrNameLst>
+                                      </p:cBhvr>
+                                      <p:to>
+                                        <p:strVal val="visible"/>
+                                      </p:to>
+                                    </p:set>
+                                  </p:childTnLst>
+                                </p:cTn>
+                              </p:par>
+                              <p:par>
+                                <p:cTn id="25" presetID="1" presetClass="entr" presetSubtype="0" fill="hold" grpId="0" nodeType="withEffect">
+                                  <p:stCondLst>
+                                    <p:cond delay="0"/>
+                                  </p:stCondLst>
+                                  <p:childTnLst>
+                                    <p:set>
+                                      <p:cBhvr>
+                                        <p:cTn id="26" dur="1" fill="hold">
+                                          <p:stCondLst>
+                                            <p:cond delay="0"/>
+                                          </p:stCondLst>
+                                        </p:cTn>
+                                        <p:tgtEl>
+                                          <p:spTgt spid="83"/>
+                                        </p:tgtEl>
+                                        <p:attrNameLst>
+                                          <p:attrName>style.visibility</p:attrName>
+                                        </p:attrNameLst>
+                                      </p:cBhvr>
+                                      <p:to>
+                                        <p:strVal val="visible"/>
+                                      </p:to>
+                                    </p:set>
+                                  </p:childTnLst>
+                                </p:cTn>
+                              </p:par>
+                              <p:par>
+                                <p:cTn id="27" presetID="1" presetClass="entr" presetSubtype="0" fill="hold" grpId="0" nodeType="withEffect">
+                                  <p:stCondLst>
+                                    <p:cond delay="0"/>
+                                  </p:stCondLst>
+                                  <p:childTnLst>
+                                    <p:set>
+                                      <p:cBhvr>
+                                        <p:cTn id="28" dur="1" fill="hold">
+                                          <p:stCondLst>
+                                            <p:cond delay="0"/>
+                                          </p:stCondLst>
+                                        </p:cTn>
+                                        <p:tgtEl>
+                                          <p:spTgt spid="86"/>
+                                        </p:tgtEl>
+                                        <p:attrNameLst>
+                                          <p:attrName>style.visibility</p:attrName>
+                                        </p:attrNameLst>
+                                      </p:cBhvr>
+                                      <p:to>
+                                        <p:strVal val="visible"/>
+                                      </p:to>
+                                    </p:set>
+                                  </p:childTnLst>
+                                </p:cTn>
+                              </p:par>
+                              <p:par>
+                                <p:cTn id="29" presetID="1" presetClass="entr" presetSubtype="0" fill="hold" grpId="0" nodeType="withEffect">
+                                  <p:stCondLst>
+                                    <p:cond delay="0"/>
+                                  </p:stCondLst>
+                                  <p:childTnLst>
+                                    <p:set>
+                                      <p:cBhvr>
+                                        <p:cTn id="30" dur="1" fill="hold">
+                                          <p:stCondLst>
+                                            <p:cond delay="0"/>
+                                          </p:stCondLst>
+                                        </p:cTn>
+                                        <p:tgtEl>
+                                          <p:spTgt spid="87"/>
+                                        </p:tgtEl>
+                                        <p:attrNameLst>
+                                          <p:attrName>style.visibility</p:attrName>
+                                        </p:attrNameLst>
+                                      </p:cBhvr>
+                                      <p:to>
+                                        <p:strVal val="visible"/>
+                                      </p:to>
+                                    </p:set>
+                                  </p:childTnLst>
+                                </p:cTn>
+                              </p:par>
+                              <p:par>
+                                <p:cTn id="31" presetID="1" presetClass="entr" presetSubtype="0" fill="hold" nodeType="withEffect">
+                                  <p:stCondLst>
+                                    <p:cond delay="0"/>
+                                  </p:stCondLst>
+                                  <p:childTnLst>
+                                    <p:set>
+                                      <p:cBhvr>
+                                        <p:cTn id="32" dur="1" fill="hold">
+                                          <p:stCondLst>
+                                            <p:cond delay="0"/>
+                                          </p:stCondLst>
+                                        </p:cTn>
+                                        <p:tgtEl>
+                                          <p:spTgt spid="88"/>
+                                        </p:tgtEl>
+                                        <p:attrNameLst>
+                                          <p:attrName>style.visibility</p:attrName>
+                                        </p:attrNameLst>
+                                      </p:cBhvr>
+                                      <p:to>
+                                        <p:strVal val="visible"/>
+                                      </p:to>
+                                    </p:set>
+                                  </p:childTnLst>
+                                </p:cTn>
+                              </p:par>
+                              <p:par>
+                                <p:cTn id="33" presetID="1" presetClass="entr" presetSubtype="0" fill="hold" nodeType="withEffect">
+                                  <p:stCondLst>
+                                    <p:cond delay="0"/>
+                                  </p:stCondLst>
+                                  <p:childTnLst>
+                                    <p:set>
+                                      <p:cBhvr>
+                                        <p:cTn id="34" dur="1" fill="hold">
+                                          <p:stCondLst>
+                                            <p:cond delay="0"/>
+                                          </p:stCondLst>
+                                        </p:cTn>
+                                        <p:tgtEl>
+                                          <p:spTgt spid="89"/>
+                                        </p:tgtEl>
+                                        <p:attrNameLst>
+                                          <p:attrName>style.visibility</p:attrName>
+                                        </p:attrNameLst>
+                                      </p:cBhvr>
+                                      <p:to>
+                                        <p:strVal val="visible"/>
+                                      </p:to>
+                                    </p:set>
+                                  </p:childTnLst>
+                                </p:cTn>
+                              </p:par>
+                              <p:par>
+                                <p:cTn id="35" presetID="1" presetClass="entr" presetSubtype="0" fill="hold" grpId="0" nodeType="withEffect">
+                                  <p:stCondLst>
+                                    <p:cond delay="0"/>
+                                  </p:stCondLst>
+                                  <p:childTnLst>
+                                    <p:set>
+                                      <p:cBhvr>
+                                        <p:cTn id="36" dur="1" fill="hold">
+                                          <p:stCondLst>
+                                            <p:cond delay="0"/>
+                                          </p:stCondLst>
+                                        </p:cTn>
+                                        <p:tgtEl>
+                                          <p:spTgt spid="92"/>
+                                        </p:tgtEl>
+                                        <p:attrNameLst>
+                                          <p:attrName>style.visibility</p:attrName>
+                                        </p:attrNameLst>
+                                      </p:cBhvr>
+                                      <p:to>
+                                        <p:strVal val="visible"/>
+                                      </p:to>
+                                    </p:set>
+                                  </p:childTnLst>
+                                </p:cTn>
+                              </p:par>
+                              <p:par>
+                                <p:cTn id="37" presetID="1" presetClass="entr" presetSubtype="0" fill="hold" grpId="0" nodeType="withEffect">
+                                  <p:stCondLst>
+                                    <p:cond delay="0"/>
+                                  </p:stCondLst>
+                                  <p:childTnLst>
+                                    <p:set>
+                                      <p:cBhvr>
+                                        <p:cTn id="38" dur="1" fill="hold">
+                                          <p:stCondLst>
+                                            <p:cond delay="0"/>
+                                          </p:stCondLst>
+                                        </p:cTn>
+                                        <p:tgtEl>
+                                          <p:spTgt spid="93"/>
+                                        </p:tgtEl>
+                                        <p:attrNameLst>
+                                          <p:attrName>style.visibility</p:attrName>
+                                        </p:attrNameLst>
+                                      </p:cBhvr>
+                                      <p:to>
+                                        <p:strVal val="visible"/>
+                                      </p:to>
+                                    </p:set>
+                                  </p:childTnLst>
+                                </p:cTn>
+                              </p:par>
+                              <p:par>
+                                <p:cTn id="39" presetID="1" presetClass="entr" presetSubtype="0" fill="hold" nodeType="withEffect">
+                                  <p:stCondLst>
+                                    <p:cond delay="0"/>
+                                  </p:stCondLst>
+                                  <p:childTnLst>
+                                    <p:set>
+                                      <p:cBhvr>
+                                        <p:cTn id="40" dur="1" fill="hold">
+                                          <p:stCondLst>
+                                            <p:cond delay="0"/>
+                                          </p:stCondLst>
+                                        </p:cTn>
+                                        <p:tgtEl>
+                                          <p:spTgt spid="94"/>
+                                        </p:tgtEl>
+                                        <p:attrNameLst>
+                                          <p:attrName>style.visibility</p:attrName>
+                                        </p:attrNameLst>
+                                      </p:cBhvr>
+                                      <p:to>
+                                        <p:strVal val="visible"/>
+                                      </p:to>
+                                    </p:set>
+                                  </p:childTnLst>
+                                </p:cTn>
+                              </p:par>
+                              <p:par>
+                                <p:cTn id="41" presetID="1" presetClass="entr" presetSubtype="0" fill="hold" nodeType="withEffect">
+                                  <p:stCondLst>
+                                    <p:cond delay="0"/>
+                                  </p:stCondLst>
+                                  <p:childTnLst>
+                                    <p:set>
+                                      <p:cBhvr>
+                                        <p:cTn id="42" dur="1" fill="hold">
+                                          <p:stCondLst>
+                                            <p:cond delay="0"/>
+                                          </p:stCondLst>
+                                        </p:cTn>
+                                        <p:tgtEl>
+                                          <p:spTgt spid="95"/>
+                                        </p:tgtEl>
+                                        <p:attrNameLst>
+                                          <p:attrName>style.visibility</p:attrName>
+                                        </p:attrNameLst>
+                                      </p:cBhvr>
+                                      <p:to>
+                                        <p:strVal val="visible"/>
+                                      </p:to>
+                                    </p:set>
+                                  </p:childTnLst>
+                                </p:cTn>
+                              </p:par>
+                              <p:par>
+                                <p:cTn id="43" presetID="1" presetClass="entr" presetSubtype="0" fill="hold" nodeType="withEffect">
+                                  <p:stCondLst>
+                                    <p:cond delay="0"/>
+                                  </p:stCondLst>
+                                  <p:childTnLst>
+                                    <p:set>
+                                      <p:cBhvr>
+                                        <p:cTn id="44" dur="1" fill="hold">
+                                          <p:stCondLst>
+                                            <p:cond delay="0"/>
+                                          </p:stCondLst>
+                                        </p:cTn>
+                                        <p:tgtEl>
+                                          <p:spTgt spid="97"/>
+                                        </p:tgtEl>
+                                        <p:attrNameLst>
+                                          <p:attrName>style.visibility</p:attrName>
+                                        </p:attrNameLst>
+                                      </p:cBhvr>
+                                      <p:to>
+                                        <p:strVal val="visible"/>
+                                      </p:to>
+                                    </p:set>
+                                  </p:childTnLst>
+                                </p:cTn>
+                              </p:par>
+                              <p:par>
+                                <p:cTn id="45" presetID="1" presetClass="entr" presetSubtype="0" fill="hold" nodeType="withEffect">
+                                  <p:stCondLst>
+                                    <p:cond delay="0"/>
+                                  </p:stCondLst>
+                                  <p:childTnLst>
+                                    <p:set>
+                                      <p:cBhvr>
+                                        <p:cTn id="46" dur="1" fill="hold">
+                                          <p:stCondLst>
+                                            <p:cond delay="0"/>
+                                          </p:stCondLst>
+                                        </p:cTn>
+                                        <p:tgtEl>
+                                          <p:spTgt spid="98"/>
+                                        </p:tgtEl>
+                                        <p:attrNameLst>
+                                          <p:attrName>style.visibility</p:attrName>
+                                        </p:attrNameLst>
+                                      </p:cBhvr>
+                                      <p:to>
+                                        <p:strVal val="visible"/>
+                                      </p:to>
+                                    </p:set>
+                                  </p:childTnLst>
+                                </p:cTn>
+                              </p:par>
+                              <p:par>
+                                <p:cTn id="47" presetID="1" presetClass="entr" presetSubtype="0" fill="hold" grpId="0" nodeType="withEffect">
+                                  <p:stCondLst>
+                                    <p:cond delay="0"/>
+                                  </p:stCondLst>
+                                  <p:childTnLst>
+                                    <p:set>
+                                      <p:cBhvr>
+                                        <p:cTn id="48" dur="1" fill="hold">
+                                          <p:stCondLst>
+                                            <p:cond delay="0"/>
+                                          </p:stCondLst>
+                                        </p:cTn>
+                                        <p:tgtEl>
+                                          <p:spTgt spid="99"/>
+                                        </p:tgtEl>
+                                        <p:attrNameLst>
+                                          <p:attrName>style.visibility</p:attrName>
+                                        </p:attrNameLst>
+                                      </p:cBhvr>
+                                      <p:to>
+                                        <p:strVal val="visible"/>
+                                      </p:to>
+                                    </p:set>
+                                  </p:childTnLst>
+                                </p:cTn>
+                              </p:par>
+                              <p:par>
+                                <p:cTn id="49" presetID="1" presetClass="entr" presetSubtype="0" fill="hold" grpId="0" nodeType="withEffect">
+                                  <p:stCondLst>
+                                    <p:cond delay="0"/>
+                                  </p:stCondLst>
+                                  <p:childTnLst>
+                                    <p:set>
+                                      <p:cBhvr>
+                                        <p:cTn id="50" dur="1" fill="hold">
+                                          <p:stCondLst>
+                                            <p:cond delay="0"/>
+                                          </p:stCondLst>
+                                        </p:cTn>
+                                        <p:tgtEl>
+                                          <p:spTgt spid="100"/>
+                                        </p:tgtEl>
+                                        <p:attrNameLst>
+                                          <p:attrName>style.visibility</p:attrName>
+                                        </p:attrNameLst>
+                                      </p:cBhvr>
+                                      <p:to>
+                                        <p:strVal val="visible"/>
+                                      </p:to>
+                                    </p:set>
+                                  </p:childTnLst>
+                                </p:cTn>
+                              </p:par>
+                              <p:par>
+                                <p:cTn id="51" presetID="1" presetClass="entr" presetSubtype="0" fill="hold" grpId="0" nodeType="withEffect">
+                                  <p:stCondLst>
+                                    <p:cond delay="0"/>
+                                  </p:stCondLst>
+                                  <p:childTnLst>
+                                    <p:set>
+                                      <p:cBhvr>
+                                        <p:cTn id="52" dur="1" fill="hold">
+                                          <p:stCondLst>
+                                            <p:cond delay="0"/>
+                                          </p:stCondLst>
+                                        </p:cTn>
+                                        <p:tgtEl>
+                                          <p:spTgt spid="101"/>
+                                        </p:tgtEl>
+                                        <p:attrNameLst>
+                                          <p:attrName>style.visibility</p:attrName>
+                                        </p:attrNameLst>
+                                      </p:cBhvr>
+                                      <p:to>
+                                        <p:strVal val="visible"/>
+                                      </p:to>
+                                    </p:set>
+                                  </p:childTnLst>
+                                </p:cTn>
+                              </p:par>
+                              <p:par>
+                                <p:cTn id="53" presetID="1" presetClass="entr" presetSubtype="0" fill="hold" grpId="0" nodeType="withEffect">
+                                  <p:stCondLst>
+                                    <p:cond delay="0"/>
+                                  </p:stCondLst>
+                                  <p:childTnLst>
+                                    <p:set>
+                                      <p:cBhvr>
+                                        <p:cTn id="54" dur="1" fill="hold">
+                                          <p:stCondLst>
+                                            <p:cond delay="0"/>
+                                          </p:stCondLst>
+                                        </p:cTn>
+                                        <p:tgtEl>
+                                          <p:spTgt spid="105"/>
+                                        </p:tgtEl>
+                                        <p:attrNameLst>
+                                          <p:attrName>style.visibility</p:attrName>
+                                        </p:attrNameLst>
+                                      </p:cBhvr>
+                                      <p:to>
+                                        <p:strVal val="visible"/>
+                                      </p:to>
+                                    </p:set>
+                                  </p:childTnLst>
+                                </p:cTn>
+                              </p:par>
+                              <p:par>
+                                <p:cTn id="55" presetID="1" presetClass="entr" presetSubtype="0" fill="hold" grpId="0" nodeType="withEffect">
+                                  <p:stCondLst>
+                                    <p:cond delay="0"/>
+                                  </p:stCondLst>
+                                  <p:childTnLst>
+                                    <p:set>
+                                      <p:cBhvr>
+                                        <p:cTn id="56" dur="1" fill="hold">
+                                          <p:stCondLst>
+                                            <p:cond delay="0"/>
+                                          </p:stCondLst>
+                                        </p:cTn>
+                                        <p:tgtEl>
+                                          <p:spTgt spid="106"/>
+                                        </p:tgtEl>
+                                        <p:attrNameLst>
+                                          <p:attrName>style.visibility</p:attrName>
+                                        </p:attrNameLst>
+                                      </p:cBhvr>
+                                      <p:to>
+                                        <p:strVal val="visible"/>
+                                      </p:to>
+                                    </p:set>
+                                  </p:childTnLst>
+                                </p:cTn>
+                              </p:par>
+                              <p:par>
+                                <p:cTn id="57" presetID="1" presetClass="entr" presetSubtype="0" fill="hold" grpId="0" nodeType="withEffect">
+                                  <p:stCondLst>
+                                    <p:cond delay="0"/>
+                                  </p:stCondLst>
+                                  <p:childTnLst>
+                                    <p:set>
+                                      <p:cBhvr>
+                                        <p:cTn id="58" dur="1" fill="hold">
+                                          <p:stCondLst>
+                                            <p:cond delay="0"/>
+                                          </p:stCondLst>
+                                        </p:cTn>
+                                        <p:tgtEl>
+                                          <p:spTgt spid="107"/>
+                                        </p:tgtEl>
+                                        <p:attrNameLst>
+                                          <p:attrName>style.visibility</p:attrName>
+                                        </p:attrNameLst>
+                                      </p:cBhvr>
+                                      <p:to>
+                                        <p:strVal val="visible"/>
+                                      </p:to>
+                                    </p:set>
+                                  </p:childTnLst>
+                                </p:cTn>
+                              </p:par>
+                              <p:par>
+                                <p:cTn id="59" presetID="1" presetClass="entr" presetSubtype="0" fill="hold" grpId="0" nodeType="withEffect">
+                                  <p:stCondLst>
+                                    <p:cond delay="0"/>
+                                  </p:stCondLst>
+                                  <p:childTnLst>
+                                    <p:set>
+                                      <p:cBhvr>
+                                        <p:cTn id="60" dur="1" fill="hold">
+                                          <p:stCondLst>
+                                            <p:cond delay="0"/>
+                                          </p:stCondLst>
+                                        </p:cTn>
+                                        <p:tgtEl>
+                                          <p:spTgt spid="108"/>
+                                        </p:tgtEl>
+                                        <p:attrNameLst>
+                                          <p:attrName>style.visibility</p:attrName>
+                                        </p:attrNameLst>
+                                      </p:cBhvr>
+                                      <p:to>
+                                        <p:strVal val="visible"/>
+                                      </p:to>
+                                    </p:set>
+                                  </p:childTnLst>
+                                </p:cTn>
+                              </p:par>
+                              <p:par>
+                                <p:cTn id="61" presetID="1" presetClass="entr" presetSubtype="0" fill="hold" grpId="0" nodeType="withEffect">
+                                  <p:stCondLst>
+                                    <p:cond delay="0"/>
+                                  </p:stCondLst>
+                                  <p:childTnLst>
+                                    <p:set>
+                                      <p:cBhvr>
+                                        <p:cTn id="62" dur="1" fill="hold">
+                                          <p:stCondLst>
+                                            <p:cond delay="0"/>
+                                          </p:stCondLst>
+                                        </p:cTn>
+                                        <p:tgtEl>
+                                          <p:spTgt spid="109"/>
+                                        </p:tgtEl>
+                                        <p:attrNameLst>
+                                          <p:attrName>style.visibility</p:attrName>
+                                        </p:attrNameLst>
+                                      </p:cBhvr>
+                                      <p:to>
+                                        <p:strVal val="visible"/>
+                                      </p:to>
+                                    </p:set>
+                                  </p:childTnLst>
+                                </p:cTn>
+                              </p:par>
+                              <p:par>
+                                <p:cTn id="63" presetID="1" presetClass="entr" presetSubtype="0" fill="hold" grpId="0" nodeType="withEffect">
+                                  <p:stCondLst>
+                                    <p:cond delay="0"/>
+                                  </p:stCondLst>
+                                  <p:childTnLst>
+                                    <p:set>
+                                      <p:cBhvr>
+                                        <p:cTn id="64" dur="1" fill="hold">
+                                          <p:stCondLst>
+                                            <p:cond delay="0"/>
+                                          </p:stCondLst>
+                                        </p:cTn>
+                                        <p:tgtEl>
+                                          <p:spTgt spid="18"/>
+                                        </p:tgtEl>
+                                        <p:attrNameLst>
+                                          <p:attrName>style.visibility</p:attrName>
+                                        </p:attrNameLst>
+                                      </p:cBhvr>
+                                      <p:to>
+                                        <p:strVal val="visible"/>
+                                      </p:to>
+                                    </p:set>
+                                  </p:childTnLst>
+                                </p:cTn>
+                              </p:par>
+                              <p:par>
+                                <p:cTn id="65" presetID="1" presetClass="entr" presetSubtype="0" fill="hold" nodeType="withEffect">
+                                  <p:stCondLst>
+                                    <p:cond delay="0"/>
+                                  </p:stCondLst>
+                                  <p:childTnLst>
+                                    <p:set>
+                                      <p:cBhvr>
+                                        <p:cTn id="66" dur="1" fill="hold">
+                                          <p:stCondLst>
+                                            <p:cond delay="0"/>
+                                          </p:stCondLst>
+                                        </p:cTn>
+                                        <p:tgtEl>
+                                          <p:spTgt spid="20"/>
+                                        </p:tgtEl>
+                                        <p:attrNameLst>
+                                          <p:attrName>style.visibility</p:attrName>
+                                        </p:attrNameLst>
+                                      </p:cBhvr>
+                                      <p:to>
+                                        <p:strVal val="visible"/>
+                                      </p:to>
+                                    </p:set>
+                                  </p:childTnLst>
+                                </p:cTn>
+                              </p:par>
+                              <p:par>
+                                <p:cTn id="67" presetID="1" presetClass="entr" presetSubtype="0" fill="hold" grpId="0" nodeType="withEffect">
+                                  <p:stCondLst>
+                                    <p:cond delay="0"/>
+                                  </p:stCondLst>
+                                  <p:childTnLst>
+                                    <p:set>
+                                      <p:cBhvr>
+                                        <p:cTn id="68" dur="1" fill="hold">
+                                          <p:stCondLst>
+                                            <p:cond delay="0"/>
+                                          </p:stCondLst>
+                                        </p:cTn>
+                                        <p:tgtEl>
+                                          <p:spTgt spid="69"/>
+                                        </p:tgtEl>
+                                        <p:attrNameLst>
+                                          <p:attrName>style.visibility</p:attrName>
+                                        </p:attrNameLst>
+                                      </p:cBhvr>
+                                      <p:to>
+                                        <p:strVal val="visible"/>
+                                      </p:to>
+                                    </p:set>
+                                  </p:childTnLst>
+                                </p:cTn>
+                              </p:par>
+                              <p:par>
+                                <p:cTn id="69" presetID="1" presetClass="entr" presetSubtype="0" fill="hold" grpId="0" nodeType="withEffect">
+                                  <p:stCondLst>
+                                    <p:cond delay="0"/>
+                                  </p:stCondLst>
+                                  <p:childTnLst>
+                                    <p:set>
+                                      <p:cBhvr>
+                                        <p:cTn id="70" dur="1" fill="hold">
+                                          <p:stCondLst>
+                                            <p:cond delay="0"/>
+                                          </p:stCondLst>
+                                        </p:cTn>
+                                        <p:tgtEl>
+                                          <p:spTgt spid="70"/>
+                                        </p:tgtEl>
+                                        <p:attrNameLst>
+                                          <p:attrName>style.visibility</p:attrName>
+                                        </p:attrNameLst>
+                                      </p:cBhvr>
+                                      <p:to>
+                                        <p:strVal val="visible"/>
+                                      </p:to>
+                                    </p:set>
+                                  </p:childTnLst>
+                                </p:cTn>
+                              </p:par>
+                              <p:par>
+                                <p:cTn id="71" presetID="1" presetClass="entr" presetSubtype="0" fill="hold" grpId="0" nodeType="withEffect">
+                                  <p:stCondLst>
+                                    <p:cond delay="0"/>
+                                  </p:stCondLst>
+                                  <p:childTnLst>
+                                    <p:set>
+                                      <p:cBhvr>
+                                        <p:cTn id="72" dur="1" fill="hold">
+                                          <p:stCondLst>
+                                            <p:cond delay="0"/>
+                                          </p:stCondLst>
+                                        </p:cTn>
+                                        <p:tgtEl>
+                                          <p:spTgt spid="71"/>
+                                        </p:tgtEl>
+                                        <p:attrNameLst>
+                                          <p:attrName>style.visibility</p:attrName>
+                                        </p:attrNameLst>
+                                      </p:cBhvr>
+                                      <p:to>
+                                        <p:strVal val="visible"/>
+                                      </p:to>
+                                    </p:set>
+                                  </p:childTnLst>
+                                </p:cTn>
+                              </p:par>
+                              <p:par>
+                                <p:cTn id="73" presetID="1" presetClass="entr" presetSubtype="0" fill="hold" grpId="0" nodeType="withEffect">
+                                  <p:stCondLst>
+                                    <p:cond delay="0"/>
+                                  </p:stCondLst>
+                                  <p:childTnLst>
+                                    <p:set>
+                                      <p:cBhvr>
+                                        <p:cTn id="74" dur="1" fill="hold">
+                                          <p:stCondLst>
+                                            <p:cond delay="0"/>
+                                          </p:stCondLst>
+                                        </p:cTn>
+                                        <p:tgtEl>
+                                          <p:spTgt spid="72"/>
+                                        </p:tgtEl>
+                                        <p:attrNameLst>
+                                          <p:attrName>style.visibility</p:attrName>
+                                        </p:attrNameLst>
+                                      </p:cBhvr>
+                                      <p:to>
+                                        <p:strVal val="visible"/>
+                                      </p:to>
+                                    </p:set>
+                                  </p:childTnLst>
+                                </p:cTn>
+                              </p:par>
+                              <p:par>
+                                <p:cTn id="75" presetID="1" presetClass="entr" presetSubtype="0" fill="hold" grpId="0" nodeType="withEffect">
+                                  <p:stCondLst>
+                                    <p:cond delay="0"/>
+                                  </p:stCondLst>
+                                  <p:childTnLst>
+                                    <p:set>
+                                      <p:cBhvr>
+                                        <p:cTn id="76" dur="1" fill="hold">
+                                          <p:stCondLst>
+                                            <p:cond delay="0"/>
+                                          </p:stCondLst>
+                                        </p:cTn>
+                                        <p:tgtEl>
+                                          <p:spTgt spid="73"/>
+                                        </p:tgtEl>
+                                        <p:attrNameLst>
+                                          <p:attrName>style.visibility</p:attrName>
+                                        </p:attrNameLst>
+                                      </p:cBhvr>
+                                      <p:to>
+                                        <p:strVal val="visible"/>
+                                      </p:to>
+                                    </p:set>
+                                  </p:childTnLst>
+                                </p:cTn>
+                              </p:par>
+                              <p:par>
+                                <p:cTn id="77" presetID="1" presetClass="entr" presetSubtype="0" fill="hold" grpId="0" nodeType="withEffect">
+                                  <p:stCondLst>
+                                    <p:cond delay="0"/>
+                                  </p:stCondLst>
+                                  <p:childTnLst>
+                                    <p:set>
+                                      <p:cBhvr>
+                                        <p:cTn id="78" dur="1" fill="hold">
+                                          <p:stCondLst>
+                                            <p:cond delay="0"/>
+                                          </p:stCondLst>
+                                        </p:cTn>
+                                        <p:tgtEl>
+                                          <p:spTgt spid="74"/>
+                                        </p:tgtEl>
+                                        <p:attrNameLst>
+                                          <p:attrName>style.visibility</p:attrName>
+                                        </p:attrNameLst>
+                                      </p:cBhvr>
+                                      <p:to>
+                                        <p:strVal val="visible"/>
+                                      </p:to>
+                                    </p:set>
+                                  </p:childTnLst>
+                                </p:cTn>
+                              </p:par>
+                            </p:childTnLst>
+                          </p:cTn>
+                        </p:par>
+                      </p:childTnLst>
+                    </p:cTn>
+                  </p:par>
+                </p:childTnLst>
+              </p:cTn>
+              <p:prevCondLst>
+                <p:cond evt="onPrev" delay="0">
+                  <p:tgtEl>
+                    <p:sldTgt/>
+                  </p:tgtEl>
+                </p:cond>
+              </p:prevCondLst>
+              <p:nextCondLst>
+                <p:cond evt="onNext" delay="0">
+                  <p:tgtEl>
+                    <p:sldTgt/>
+                  </p:tgtEl>
+                </p:cond>
+              </p:nextCondLst>
+            </p:seq>
+          </p:childTnLst>
+        </p:cTn>
+      </p:par>
+    </p:tnLst>
+    <p:bldLst>
+      <p:bldP spid="59" grpId="0" animBg="1"/>
+      <p:bldP spid="61" grpId="0" animBg="1"/>
+      <p:bldP spid="63" grpId="0"/>
+      <p:bldP spid="68" grpId="0" animBg="1"/>
+      <p:bldP spid="75" grpId="0" animBg="1"/>
+      <p:bldP spid="83" grpId="0"/>
+      <p:bldP spid="86" grpId="0" animBg="1"/>
+      <p:bldP spid="87" grpId="0" animBg="1"/>
+      <p:bldP spid="92" grpId="0"/>
+      <p:bldP spid="93" grpId="0"/>
+      <p:bldP spid="99" grpId="0"/>
+      <p:bldP spid="100" grpId="0"/>
+      <p:bldP spid="101" grpId="0"/>
+      <p:bldP spid="105" grpId="0" animBg="1"/>
+      <p:bldP spid="106" grpId="0" animBg="1"/>
+      <p:bldP spid="107" grpId="0" animBg="1"/>
+      <p:bldP spid="108" grpId="0" animBg="1"/>
+      <p:bldP spid="109" grpId="0" animBg="1"/>
+      <p:bldP spid="18" grpId="0" animBg="1"/>
+      <p:bldP spid="69" grpId="0" animBg="1"/>
+      <p:bldP spid="70" grpId="0" animBg="1"/>
+      <p:bldP spid="71" grpId="0" animBg="1"/>
+      <p:bldP spid="72" grpId="0" animBg="1"/>
+      <p:bldP spid="73" grpId="0" animBg="1"/>
+      <p:bldP spid="74" grpId="0" animBg="1"/>
+    </p:bldLst>
+  </p:timing>
+</p:sld>
+</file>
+
+<file path=ppt/slides/slide3.xml><?xml version="1.0" encoding="utf-8"?>
+<p:sld xmlns:a="http://schemas.openxmlformats.org/drawingml/2006/main" xmlns:r="http://schemas.openxmlformats.org/officeDocument/2006/relationships" xmlns:p="http://schemas.openxmlformats.org/presentationml/2006/main">
+  <p:cSld>
+    <p:spTree>
+      <p:nvGrpSpPr>
+        <p:cNvPr id="1" name="">
+          <a:extLst>
+            <a:ext uri="{FF2B5EF4-FFF2-40B4-BE49-F238E27FC236}">
+              <a16:creationId xmlns:a16="http://schemas.microsoft.com/office/drawing/2014/main" id="{7FE8CB31-D479-813F-1133-4DB5A2F61AE3}"/>
+            </a:ext>
+          </a:extLst>
+        </p:cNvPr>
+        <p:cNvGrpSpPr/>
+        <p:nvPr/>
+      </p:nvGrpSpPr>
+      <p:grpSpPr>
+        <a:xfrm>
+          <a:off x="0" y="0"/>
+          <a:ext cx="0" cy="0"/>
+          <a:chOff x="0" y="0"/>
+          <a:chExt cx="0" cy="0"/>
+        </a:xfrm>
+      </p:grpSpPr>
+      <p:sp>
+        <p:nvSpPr>
+          <p:cNvPr id="16" name="Rectangle 15">
+            <a:extLst>
+              <a:ext uri="{FF2B5EF4-FFF2-40B4-BE49-F238E27FC236}">
+                <a16:creationId xmlns:a16="http://schemas.microsoft.com/office/drawing/2014/main" id="{1A044C29-94DF-2A54-E966-F74CC3B8B0DF}"/>
+              </a:ext>
+            </a:extLst>
+          </p:cNvPr>
+          <p:cNvSpPr/>
+          <p:nvPr/>
+        </p:nvSpPr>
+        <p:spPr>
+          <a:xfrm>
+            <a:off x="802432" y="2369975"/>
+            <a:ext cx="8021381" cy="3295179"/>
+          </a:xfrm>
+          <a:prstGeom prst="rect">
+            <a:avLst/>
+          </a:prstGeom>
+          <a:solidFill>
+            <a:srgbClr val="F2F2F2"/>
+          </a:solidFill>
+          <a:ln>
+            <a:noFill/>
+          </a:ln>
+        </p:spPr>
+        <p:style>
+          <a:lnRef idx="2">
+            <a:schemeClr val="accent1">
+              <a:shade val="50000"/>
+            </a:schemeClr>
+          </a:lnRef>
+          <a:fillRef idx="1">
+            <a:schemeClr val="accent1"/>
+          </a:fillRef>
+          <a:effectRef idx="0">
+            <a:schemeClr val="accent1"/>
+          </a:effectRef>
+          <a:fontRef idx="minor">
+            <a:schemeClr val="lt1"/>
+          </a:fontRef>
+        </p:style>
+        <p:txBody>
+          <a:bodyPr rtlCol="0" anchor="ctr"/>
+          <a:lstStyle/>
+          <a:p>
+            <a:pPr algn="ctr"/>
+            <a:endParaRPr lang="en-US"/>
+          </a:p>
+        </p:txBody>
+      </p:sp>
+      <p:sp>
+        <p:nvSpPr>
+          <p:cNvPr id="2" name="Title 1">
+            <a:extLst>
+              <a:ext uri="{FF2B5EF4-FFF2-40B4-BE49-F238E27FC236}">
+                <a16:creationId xmlns:a16="http://schemas.microsoft.com/office/drawing/2014/main" id="{FDC469D0-27D4-7479-20B3-B424DE886CDE}"/>
+              </a:ext>
+            </a:extLst>
+          </p:cNvPr>
+          <p:cNvSpPr>
+            <a:spLocks noGrp="1"/>
+          </p:cNvSpPr>
+          <p:nvPr>
+            <p:ph type="title"/>
+          </p:nvPr>
+        </p:nvSpPr>
+        <p:spPr/>
+        <p:txBody>
+          <a:bodyPr/>
+          <a:lstStyle/>
+          <a:p>
+            <a:r>
+              <a:rPr lang="en-US" dirty="0"/>
+              <a:t>Ethos-U Optimized Software Flow for </a:t>
+            </a:r>
+            <a:r>
+              <a:rPr lang="en-US" dirty="0" err="1"/>
+              <a:t>Tensorflow</a:t>
+            </a:r>
+            <a:r>
+              <a:rPr lang="en-US" dirty="0"/>
+              <a:t>/</a:t>
+            </a:r>
+            <a:r>
+              <a:rPr lang="en-US" dirty="0" err="1"/>
+              <a:t>PyTorch</a:t>
+            </a:r>
+            <a:endParaRPr lang="en-US" dirty="0"/>
+          </a:p>
+        </p:txBody>
+      </p:sp>
+      <p:sp>
+        <p:nvSpPr>
+          <p:cNvPr id="29" name="Text Placeholder 28">
+            <a:extLst>
+              <a:ext uri="{FF2B5EF4-FFF2-40B4-BE49-F238E27FC236}">
+                <a16:creationId xmlns:a16="http://schemas.microsoft.com/office/drawing/2014/main" id="{9932E99C-CFB9-B2EB-9766-774541C1F639}"/>
+              </a:ext>
+            </a:extLst>
+          </p:cNvPr>
+          <p:cNvSpPr>
+            <a:spLocks noGrp="1"/>
+          </p:cNvSpPr>
+          <p:nvPr>
+            <p:ph type="body" sz="quarter" idx="13"/>
+          </p:nvPr>
+        </p:nvSpPr>
+        <p:spPr/>
+        <p:txBody>
+          <a:bodyPr/>
+          <a:lstStyle/>
+          <a:p>
+            <a:r>
+              <a:rPr lang="en-US" dirty="0">
+                <a:hlinkClick r:id="rId3"/>
+              </a:rPr>
+              <a:t>github.com/Arm-Examples#edge-ai-and-machine-learning</a:t>
+            </a:r>
+            <a:endParaRPr lang="en-US" dirty="0"/>
+          </a:p>
+        </p:txBody>
+      </p:sp>
+      <p:sp>
+        <p:nvSpPr>
+          <p:cNvPr id="4" name="Process 1">
+            <a:extLst>
+              <a:ext uri="{FF2B5EF4-FFF2-40B4-BE49-F238E27FC236}">
+                <a16:creationId xmlns:a16="http://schemas.microsoft.com/office/drawing/2014/main" id="{4FCF63CE-1B35-24F1-B1FD-F082296A3DE8}"/>
+              </a:ext>
+            </a:extLst>
+          </p:cNvPr>
+          <p:cNvSpPr/>
+          <p:nvPr/>
+        </p:nvSpPr>
+        <p:spPr>
+          <a:xfrm>
+            <a:off x="923731" y="2491274"/>
+            <a:ext cx="3665055" cy="3089087"/>
+          </a:xfrm>
+          <a:prstGeom prst="flowChartProcess">
+            <a:avLst/>
+          </a:prstGeom>
+          <a:solidFill>
+            <a:schemeClr val="tx1">
+              <a:lumMod val="50000"/>
+              <a:lumOff val="50000"/>
+            </a:schemeClr>
+          </a:solidFill>
+          <a:ln w="15875">
+            <a:solidFill>
+              <a:schemeClr val="bg1"/>
+            </a:solidFill>
+          </a:ln>
+        </p:spPr>
+        <p:style>
+          <a:lnRef idx="2">
+            <a:schemeClr val="accent1">
+              <a:shade val="50000"/>
+            </a:schemeClr>
+          </a:lnRef>
+          <a:fillRef idx="1">
+            <a:schemeClr val="accent1"/>
+          </a:fillRef>
+          <a:effectRef idx="0">
+            <a:schemeClr val="accent1"/>
+          </a:effectRef>
+          <a:fontRef idx="minor">
+            <a:schemeClr val="lt1"/>
+          </a:fontRef>
+        </p:style>
+        <p:txBody>
+          <a:bodyPr rtlCol="0" anchor="t"/>
+          <a:lstStyle/>
+          <a:p>
+            <a:pPr algn="ctr" defTabSz="1219170">
+              <a:defRPr/>
+            </a:pPr>
+            <a:r>
+              <a:rPr lang="en-US" sz="1400" b="1" spc="400" dirty="0">
+                <a:solidFill>
+                  <a:srgbClr val="FFFFFF"/>
+                </a:solidFill>
+                <a:latin typeface="Lato" panose="020F0502020204030203" pitchFamily="34" charset="77"/>
+                <a:ea typeface="ＭＳ Ｐゴシック" charset="0"/>
+              </a:rPr>
+              <a:t>HOST (OFFLINE)</a:t>
+            </a:r>
+          </a:p>
+        </p:txBody>
+      </p:sp>
+      <p:sp>
+        <p:nvSpPr>
+          <p:cNvPr id="9" name="角丸四角形 6">
+            <a:extLst>
+              <a:ext uri="{FF2B5EF4-FFF2-40B4-BE49-F238E27FC236}">
+                <a16:creationId xmlns:a16="http://schemas.microsoft.com/office/drawing/2014/main" id="{82936832-DE0D-BA67-8E68-B672BE7EFE4C}"/>
+              </a:ext>
+            </a:extLst>
+          </p:cNvPr>
+          <p:cNvSpPr/>
+          <p:nvPr/>
+        </p:nvSpPr>
+        <p:spPr>
+          <a:xfrm>
+            <a:off x="2830531" y="2983743"/>
+            <a:ext cx="1521097" cy="870217"/>
+          </a:xfrm>
+          <a:prstGeom prst="roundRect">
+            <a:avLst>
+              <a:gd name="adj" fmla="val 0"/>
+            </a:avLst>
+          </a:prstGeom>
+          <a:solidFill>
+            <a:schemeClr val="accent1"/>
+          </a:solidFill>
+          <a:ln w="15875">
+            <a:noFill/>
+          </a:ln>
+        </p:spPr>
+        <p:style>
+          <a:lnRef idx="2">
+            <a:schemeClr val="accent4"/>
+          </a:lnRef>
+          <a:fillRef idx="1">
+            <a:schemeClr val="lt1"/>
+          </a:fillRef>
+          <a:effectRef idx="0">
+            <a:schemeClr val="accent4"/>
+          </a:effectRef>
+          <a:fontRef idx="minor">
+            <a:schemeClr val="dk1"/>
+          </a:fontRef>
+        </p:style>
+        <p:txBody>
+          <a:bodyPr lIns="121920" tIns="60960" rIns="121920" bIns="60960" rtlCol="0" anchor="ctr" anchorCtr="1"/>
+          <a:lstStyle/>
+          <a:p>
+            <a:pPr marL="0" marR="0" lvl="0" indent="0" algn="ctr" defTabSz="1218804" rtl="0" eaLnBrk="0" fontAlgn="base" latinLnBrk="0" hangingPunct="0">
+              <a:lnSpc>
+                <a:spcPct val="100000"/>
+              </a:lnSpc>
+              <a:spcBef>
+                <a:spcPct val="0"/>
+              </a:spcBef>
+              <a:spcAft>
+                <a:spcPct val="0"/>
+              </a:spcAft>
+              <a:buClrTx/>
+              <a:buSzTx/>
+              <a:buFontTx/>
+              <a:buNone/>
+              <a:tabLst/>
+              <a:defRPr/>
+            </a:pPr>
+            <a:r>
+              <a:rPr kumimoji="1" lang="sv-SE" altLang="ja-JP" sz="1600" b="0" i="0" u="none" strike="noStrike" kern="1200" cap="none" spc="0" normalizeH="0" baseline="0" noProof="0" dirty="0" err="1">
+                <a:ln>
+                  <a:noFill/>
+                </a:ln>
+                <a:solidFill>
+                  <a:srgbClr val="FFFFFF"/>
+                </a:solidFill>
+                <a:effectLst/>
+                <a:uLnTx/>
+                <a:uFillTx/>
+                <a:latin typeface="Calibri"/>
+                <a:ea typeface="Lato Light"/>
+                <a:cs typeface="Calibri"/>
+              </a:rPr>
+              <a:t>Quantization</a:t>
+            </a:r>
+            <a:r>
+              <a:rPr kumimoji="1" lang="sv-SE" altLang="ja-JP" sz="1600" b="0" i="0" u="none" strike="noStrike" kern="1200" cap="none" spc="0" normalizeH="0" baseline="0" noProof="0" dirty="0">
+                <a:ln>
+                  <a:noFill/>
+                </a:ln>
+                <a:solidFill>
+                  <a:srgbClr val="FFFFFF"/>
+                </a:solidFill>
+                <a:effectLst/>
+                <a:uLnTx/>
+                <a:uFillTx/>
+                <a:latin typeface="Calibri"/>
+                <a:ea typeface="Lato Light"/>
+                <a:cs typeface="Calibri"/>
+              </a:rPr>
+              <a:t> &amp; </a:t>
+            </a:r>
+            <a:r>
+              <a:rPr kumimoji="1" lang="sv-SE" altLang="ja-JP" sz="1600" b="0" i="0" u="none" strike="noStrike" kern="1200" cap="none" spc="0" normalizeH="0" baseline="0" noProof="0" dirty="0" err="1">
+                <a:ln>
+                  <a:noFill/>
+                </a:ln>
+                <a:solidFill>
+                  <a:srgbClr val="FFFFFF"/>
+                </a:solidFill>
+                <a:effectLst/>
+                <a:uLnTx/>
+                <a:uFillTx/>
+                <a:latin typeface="Calibri"/>
+                <a:ea typeface="Lato Light"/>
+                <a:cs typeface="Calibri"/>
+              </a:rPr>
+              <a:t>Optimization</a:t>
+            </a:r>
+            <a:endParaRPr kumimoji="0" lang="sv-SE" altLang="ja-JP" sz="1600" b="0" i="0" u="none" strike="noStrike" kern="1200" cap="none" spc="0" normalizeH="0" baseline="0" noProof="0" dirty="0">
+              <a:ln>
+                <a:noFill/>
+              </a:ln>
+              <a:solidFill>
+                <a:srgbClr val="FFFFFF"/>
+              </a:solidFill>
+              <a:effectLst/>
+              <a:uLnTx/>
+              <a:uFillTx/>
+              <a:latin typeface="Calibri"/>
+              <a:ea typeface="Lato Light"/>
+              <a:cs typeface="Calibri"/>
+            </a:endParaRPr>
+          </a:p>
+        </p:txBody>
+      </p:sp>
+      <p:sp>
+        <p:nvSpPr>
+          <p:cNvPr id="11" name="Process 65">
+            <a:extLst>
+              <a:ext uri="{FF2B5EF4-FFF2-40B4-BE49-F238E27FC236}">
+                <a16:creationId xmlns:a16="http://schemas.microsoft.com/office/drawing/2014/main" id="{2A273938-131D-99FA-670C-949235DE00D4}"/>
+              </a:ext>
+            </a:extLst>
+          </p:cNvPr>
+          <p:cNvSpPr/>
+          <p:nvPr/>
+        </p:nvSpPr>
+        <p:spPr>
+          <a:xfrm>
+            <a:off x="4828859" y="2491272"/>
+            <a:ext cx="3892890" cy="3089087"/>
+          </a:xfrm>
+          <a:prstGeom prst="flowChartProcess">
+            <a:avLst/>
+          </a:prstGeom>
+          <a:solidFill>
+            <a:schemeClr val="bg2">
+              <a:lumMod val="50000"/>
+            </a:schemeClr>
+          </a:solidFill>
+          <a:ln w="15875">
+            <a:solidFill>
+              <a:schemeClr val="bg1"/>
+            </a:solidFill>
+          </a:ln>
+        </p:spPr>
+        <p:style>
+          <a:lnRef idx="2">
+            <a:schemeClr val="accent1">
+              <a:shade val="50000"/>
+            </a:schemeClr>
+          </a:lnRef>
+          <a:fillRef idx="1">
+            <a:schemeClr val="accent1"/>
+          </a:fillRef>
+          <a:effectRef idx="0">
+            <a:schemeClr val="accent1"/>
+          </a:effectRef>
+          <a:fontRef idx="minor">
+            <a:schemeClr val="lt1"/>
+          </a:fontRef>
+        </p:style>
+        <p:txBody>
+          <a:bodyPr rtlCol="0" anchor="t"/>
+          <a:lstStyle/>
+          <a:p>
+            <a:pPr algn="ctr" defTabSz="1219170">
+              <a:defRPr/>
+            </a:pPr>
+            <a:r>
+              <a:rPr lang="en-US" sz="1400" b="1" spc="400" dirty="0">
+                <a:solidFill>
+                  <a:srgbClr val="FFFFFF"/>
+                </a:solidFill>
+                <a:latin typeface="Lato" panose="020F0502020204030203" pitchFamily="34" charset="77"/>
+                <a:ea typeface="ＭＳ Ｐゴシック" charset="0"/>
+              </a:rPr>
+              <a:t>TARGET / DEVICE</a:t>
+            </a:r>
+          </a:p>
+        </p:txBody>
+      </p:sp>
+      <p:sp>
+        <p:nvSpPr>
+          <p:cNvPr id="13" name="角丸四角形 6">
+            <a:extLst>
+              <a:ext uri="{FF2B5EF4-FFF2-40B4-BE49-F238E27FC236}">
+                <a16:creationId xmlns:a16="http://schemas.microsoft.com/office/drawing/2014/main" id="{A60B54B0-3725-80A8-C9F3-40CB43AA62DE}"/>
+              </a:ext>
+            </a:extLst>
+          </p:cNvPr>
+          <p:cNvSpPr/>
+          <p:nvPr/>
+        </p:nvSpPr>
+        <p:spPr>
+          <a:xfrm rot="16200000">
+            <a:off x="4067360" y="3938621"/>
+            <a:ext cx="2401934" cy="424283"/>
+          </a:xfrm>
+          <a:prstGeom prst="roundRect">
+            <a:avLst>
+              <a:gd name="adj" fmla="val 0"/>
+            </a:avLst>
+          </a:prstGeom>
+          <a:solidFill>
+            <a:schemeClr val="accent4"/>
+          </a:solidFill>
+          <a:ln w="15875">
+            <a:solidFill>
+              <a:schemeClr val="accent4"/>
+            </a:solidFill>
+          </a:ln>
+        </p:spPr>
+        <p:style>
+          <a:lnRef idx="2">
+            <a:schemeClr val="accent4"/>
+          </a:lnRef>
+          <a:fillRef idx="1">
+            <a:schemeClr val="lt1"/>
+          </a:fillRef>
+          <a:effectRef idx="0">
+            <a:schemeClr val="accent4"/>
+          </a:effectRef>
+          <a:fontRef idx="minor">
+            <a:schemeClr val="dk1"/>
+          </a:fontRef>
+        </p:style>
+        <p:txBody>
+          <a:bodyPr rtlCol="0" anchor="ctr" anchorCtr="1"/>
+          <a:lstStyle/>
+          <a:p>
+            <a:pPr marL="0" marR="0" lvl="0" indent="0" algn="ctr" defTabSz="1218804" rtl="0" eaLnBrk="0" fontAlgn="base" latinLnBrk="0" hangingPunct="0">
+              <a:lnSpc>
+                <a:spcPct val="100000"/>
+              </a:lnSpc>
+              <a:spcBef>
+                <a:spcPct val="0"/>
+              </a:spcBef>
+              <a:spcAft>
+                <a:spcPct val="0"/>
+              </a:spcAft>
+              <a:buClrTx/>
+              <a:buSzTx/>
+              <a:buFontTx/>
+              <a:buNone/>
+              <a:tabLst/>
+              <a:defRPr/>
+            </a:pPr>
+            <a:r>
+              <a:rPr kumimoji="1" lang="sv-SE" altLang="ja-JP" sz="1600" dirty="0">
+                <a:solidFill>
+                  <a:sysClr val="windowText" lastClr="000000"/>
+                </a:solidFill>
+                <a:latin typeface="Calibri" panose="020F0502020204030204" pitchFamily="34" charset="0"/>
+                <a:ea typeface="Lato Light" panose="020F0502020204030203" pitchFamily="34" charset="0"/>
+                <a:cs typeface="Calibri" panose="020F0502020204030204" pitchFamily="34" charset="0"/>
+              </a:rPr>
+              <a:t>ML </a:t>
+            </a:r>
+            <a:r>
+              <a:rPr kumimoji="1" lang="sv-SE" altLang="ja-JP" sz="1600" dirty="0" err="1">
+                <a:solidFill>
+                  <a:sysClr val="windowText" lastClr="000000"/>
+                </a:solidFill>
+                <a:latin typeface="Calibri" panose="020F0502020204030204" pitchFamily="34" charset="0"/>
+                <a:ea typeface="Lato Light" panose="020F0502020204030203" pitchFamily="34" charset="0"/>
+                <a:cs typeface="Calibri" panose="020F0502020204030204" pitchFamily="34" charset="0"/>
+              </a:rPr>
+              <a:t>Runtime</a:t>
+            </a:r>
+            <a:endParaRPr kumimoji="1" lang="ja-JP" altLang="en-US" sz="1600" b="0" i="0" u="none" strike="noStrike" kern="1200" cap="none" spc="0" normalizeH="0" baseline="0" noProof="0">
+              <a:ln>
+                <a:noFill/>
+              </a:ln>
+              <a:solidFill>
+                <a:sysClr val="windowText" lastClr="000000"/>
+              </a:solidFill>
+              <a:effectLst/>
+              <a:uLnTx/>
+              <a:uFillTx/>
+              <a:latin typeface="Calibri" panose="020F0502020204030204" pitchFamily="34" charset="0"/>
+              <a:ea typeface="游ゴシック" panose="020B0400000000000000" pitchFamily="34" charset="-128"/>
+              <a:cs typeface="Calibri" panose="020F0502020204030204" pitchFamily="34" charset="0"/>
+            </a:endParaRPr>
+          </a:p>
+        </p:txBody>
+      </p:sp>
+      <p:sp>
+        <p:nvSpPr>
+          <p:cNvPr id="14" name="角丸四角形 7">
+            <a:extLst>
+              <a:ext uri="{FF2B5EF4-FFF2-40B4-BE49-F238E27FC236}">
+                <a16:creationId xmlns:a16="http://schemas.microsoft.com/office/drawing/2014/main" id="{4A4BEEB3-6ABA-56BD-435A-F8B37D701949}"/>
+              </a:ext>
+            </a:extLst>
+          </p:cNvPr>
+          <p:cNvSpPr/>
+          <p:nvPr/>
+        </p:nvSpPr>
+        <p:spPr>
+          <a:xfrm>
+            <a:off x="5761298" y="2949797"/>
+            <a:ext cx="1268451" cy="1095353"/>
+          </a:xfrm>
+          <a:prstGeom prst="roundRect">
+            <a:avLst>
+              <a:gd name="adj" fmla="val 0"/>
+            </a:avLst>
+          </a:prstGeom>
+          <a:solidFill>
+            <a:schemeClr val="accent1"/>
+          </a:solidFill>
+          <a:ln>
+            <a:noFill/>
+          </a:ln>
+        </p:spPr>
+        <p:style>
+          <a:lnRef idx="0">
+            <a:scrgbClr r="0" g="0" b="0"/>
+          </a:lnRef>
+          <a:fillRef idx="0">
+            <a:scrgbClr r="0" g="0" b="0"/>
+          </a:fillRef>
+          <a:effectRef idx="0">
+            <a:scrgbClr r="0" g="0" b="0"/>
+          </a:effectRef>
+          <a:fontRef idx="minor">
+            <a:schemeClr val="lt1"/>
+          </a:fontRef>
+        </p:style>
+        <p:txBody>
+          <a:bodyPr rtlCol="0" anchor="ctr" anchorCtr="1"/>
+          <a:lstStyle/>
+          <a:p>
+            <a:pPr marL="0" marR="0" lvl="0" indent="0" algn="ctr" defTabSz="1218804" rtl="0" eaLnBrk="0" fontAlgn="base" latinLnBrk="0" hangingPunct="0">
+              <a:lnSpc>
+                <a:spcPct val="100000"/>
+              </a:lnSpc>
+              <a:spcBef>
+                <a:spcPct val="0"/>
+              </a:spcBef>
+              <a:spcAft>
+                <a:spcPct val="0"/>
+              </a:spcAft>
+              <a:buClrTx/>
+              <a:buSzTx/>
+              <a:buFontTx/>
+              <a:buNone/>
+              <a:tabLst/>
+              <a:defRPr/>
+            </a:pPr>
+            <a:r>
+              <a:rPr kumimoji="1" lang="sv-SE" altLang="ja-JP" sz="1600" b="0" i="0" u="none" strike="noStrike" kern="1200" cap="none" spc="0" normalizeH="0" baseline="0" noProof="0" dirty="0">
+                <a:ln>
+                  <a:noFill/>
+                </a:ln>
+                <a:solidFill>
+                  <a:prstClr val="white"/>
+                </a:solidFill>
+                <a:effectLst/>
+                <a:uLnTx/>
+                <a:uFillTx/>
+                <a:latin typeface="Calibri" panose="020F0502020204030204" pitchFamily="34" charset="0"/>
+                <a:ea typeface="Lato Light" panose="020F0502020204030203" pitchFamily="34" charset="0"/>
+                <a:cs typeface="Calibri" panose="020F0502020204030204" pitchFamily="34" charset="0"/>
+              </a:rPr>
+              <a:t>CMSIS-NN</a:t>
+            </a:r>
+            <a:endParaRPr kumimoji="0" lang="en-US" sz="1600" b="0" i="0" u="none" strike="noStrike" kern="1200" cap="none" spc="0" normalizeH="0" baseline="0" noProof="0" dirty="0">
+              <a:ln>
+                <a:noFill/>
+              </a:ln>
+              <a:solidFill>
+                <a:prstClr val="white"/>
+              </a:solidFill>
+              <a:effectLst/>
+              <a:uLnTx/>
+              <a:uFillTx/>
+              <a:latin typeface="Calibri" panose="020F0502020204030204" pitchFamily="34" charset="0"/>
+              <a:ea typeface="Lato Light" panose="020F0502020204030203" pitchFamily="34" charset="0"/>
+              <a:cs typeface="Calibri" panose="020F0502020204030204" pitchFamily="34" charset="0"/>
+            </a:endParaRPr>
+          </a:p>
+          <a:p>
+            <a:pPr marL="0" marR="0" lvl="0" indent="0" algn="ctr" defTabSz="1218804" rtl="0" eaLnBrk="0" fontAlgn="base" latinLnBrk="0" hangingPunct="0">
+              <a:lnSpc>
+                <a:spcPct val="100000"/>
+              </a:lnSpc>
+              <a:spcBef>
+                <a:spcPct val="0"/>
+              </a:spcBef>
+              <a:spcAft>
+                <a:spcPct val="0"/>
+              </a:spcAft>
+              <a:buClrTx/>
+              <a:buSzTx/>
+              <a:buFontTx/>
+              <a:buNone/>
+              <a:tabLst/>
+              <a:defRPr/>
+            </a:pPr>
+            <a:r>
+              <a:rPr kumimoji="1" lang="sv-SE" altLang="ja-JP" sz="1600" b="0" i="0" u="none" strike="noStrike" kern="1200" cap="none" spc="0" normalizeH="0" baseline="0" noProof="0" dirty="0" err="1">
+                <a:ln>
+                  <a:noFill/>
+                </a:ln>
+                <a:solidFill>
+                  <a:prstClr val="white"/>
+                </a:solidFill>
+                <a:effectLst/>
+                <a:uLnTx/>
+                <a:uFillTx/>
+                <a:latin typeface="Calibri" panose="020F0502020204030204" pitchFamily="34" charset="0"/>
+                <a:ea typeface="Lato Light" panose="020F0502020204030203" pitchFamily="34" charset="0"/>
+                <a:cs typeface="Calibri" panose="020F0502020204030204" pitchFamily="34" charset="0"/>
+              </a:rPr>
+              <a:t>Optimized</a:t>
+            </a:r>
+            <a:r>
+              <a:rPr kumimoji="1" lang="sv-SE" altLang="ja-JP" sz="1600" b="0" i="0" u="none" strike="noStrike" kern="1200" cap="none" spc="0" normalizeH="0" baseline="0" noProof="0" dirty="0">
+                <a:ln>
+                  <a:noFill/>
+                </a:ln>
+                <a:solidFill>
+                  <a:prstClr val="white"/>
+                </a:solidFill>
+                <a:effectLst/>
+                <a:uLnTx/>
+                <a:uFillTx/>
+                <a:latin typeface="Calibri" panose="020F0502020204030204" pitchFamily="34" charset="0"/>
+                <a:ea typeface="Lato Light" panose="020F0502020204030203" pitchFamily="34" charset="0"/>
+                <a:cs typeface="Calibri" panose="020F0502020204030204" pitchFamily="34" charset="0"/>
+              </a:rPr>
+              <a:t> </a:t>
+            </a:r>
+            <a:r>
+              <a:rPr kumimoji="1" lang="sv-SE" altLang="ja-JP" sz="1600" b="0" i="0" u="none" strike="noStrike" kern="1200" cap="none" spc="0" normalizeH="0" baseline="0" noProof="0" dirty="0" err="1">
+                <a:ln>
+                  <a:noFill/>
+                </a:ln>
+                <a:solidFill>
+                  <a:prstClr val="white"/>
+                </a:solidFill>
+                <a:effectLst/>
+                <a:uLnTx/>
+                <a:uFillTx/>
+                <a:latin typeface="Calibri" panose="020F0502020204030204" pitchFamily="34" charset="0"/>
+                <a:ea typeface="Lato Light" panose="020F0502020204030203" pitchFamily="34" charset="0"/>
+                <a:cs typeface="Calibri" panose="020F0502020204030204" pitchFamily="34" charset="0"/>
+              </a:rPr>
+              <a:t>Kernels</a:t>
+            </a:r>
+            <a:endParaRPr kumimoji="0" lang="en-US" altLang="ja-JP" sz="1600" b="0" i="0" u="none" strike="noStrike" kern="1200" cap="none" spc="0" normalizeH="0" baseline="0" noProof="0" dirty="0">
+              <a:ln>
+                <a:noFill/>
+              </a:ln>
+              <a:solidFill>
+                <a:prstClr val="white"/>
+              </a:solidFill>
+              <a:effectLst/>
+              <a:uLnTx/>
+              <a:uFillTx/>
+              <a:latin typeface="Calibri" panose="020F0502020204030204" pitchFamily="34" charset="0"/>
+              <a:ea typeface="Lato Light" panose="020F0502020204030203" pitchFamily="34" charset="0"/>
+              <a:cs typeface="Calibri" panose="020F0502020204030204" pitchFamily="34" charset="0"/>
+            </a:endParaRPr>
+          </a:p>
+        </p:txBody>
+      </p:sp>
+      <p:sp>
+        <p:nvSpPr>
+          <p:cNvPr id="15" name="Rectangle 14">
+            <a:extLst>
+              <a:ext uri="{FF2B5EF4-FFF2-40B4-BE49-F238E27FC236}">
+                <a16:creationId xmlns:a16="http://schemas.microsoft.com/office/drawing/2014/main" id="{E4FAB7E5-0E21-B079-B67A-C8A4D53F3621}"/>
+              </a:ext>
+            </a:extLst>
+          </p:cNvPr>
+          <p:cNvSpPr/>
+          <p:nvPr/>
+        </p:nvSpPr>
+        <p:spPr>
+          <a:xfrm>
+            <a:off x="7291917" y="2949795"/>
+            <a:ext cx="1293681" cy="1099191"/>
+          </a:xfrm>
+          <a:prstGeom prst="rect">
+            <a:avLst/>
+          </a:prstGeom>
+          <a:solidFill>
+            <a:schemeClr val="accent1"/>
+          </a:solidFill>
+          <a:ln>
+            <a:noFill/>
+          </a:ln>
+        </p:spPr>
+        <p:style>
+          <a:lnRef idx="0">
+            <a:scrgbClr r="0" g="0" b="0"/>
+          </a:lnRef>
+          <a:fillRef idx="0">
+            <a:scrgbClr r="0" g="0" b="0"/>
+          </a:fillRef>
+          <a:effectRef idx="0">
+            <a:scrgbClr r="0" g="0" b="0"/>
+          </a:effectRef>
+          <a:fontRef idx="minor">
+            <a:schemeClr val="lt1"/>
+          </a:fontRef>
+        </p:style>
+        <p:txBody>
+          <a:bodyPr rtlCol="0" anchor="ctr"/>
+          <a:lstStyle/>
+          <a:p>
+            <a:pPr marL="0" marR="0" lvl="0" indent="0" algn="ctr" defTabSz="1218804" rtl="0" eaLnBrk="0" fontAlgn="base" latinLnBrk="0" hangingPunct="0">
+              <a:lnSpc>
+                <a:spcPct val="100000"/>
+              </a:lnSpc>
+              <a:spcBef>
+                <a:spcPct val="0"/>
+              </a:spcBef>
+              <a:spcAft>
+                <a:spcPct val="0"/>
+              </a:spcAft>
+              <a:buClrTx/>
+              <a:buSzTx/>
+              <a:buFontTx/>
+              <a:buNone/>
+              <a:tabLst/>
+              <a:defRPr/>
+            </a:pPr>
+            <a:r>
+              <a:rPr kumimoji="0" lang="en-GB" sz="1600" b="0" i="0" u="none" strike="noStrike" kern="1200" cap="none" spc="0" normalizeH="0" baseline="0" noProof="0" dirty="0">
+                <a:ln>
+                  <a:noFill/>
+                </a:ln>
+                <a:solidFill>
+                  <a:prstClr val="white"/>
+                </a:solidFill>
+                <a:effectLst/>
+                <a:uLnTx/>
+                <a:uFillTx/>
+                <a:latin typeface="Calibri" panose="020F0502020204030204" pitchFamily="34" charset="0"/>
+                <a:ea typeface="Lato Light" panose="020F0502020204030203" pitchFamily="34" charset="0"/>
+                <a:cs typeface="Calibri" panose="020F0502020204030204" pitchFamily="34" charset="0"/>
+              </a:rPr>
+              <a:t>Cortex-M</a:t>
+            </a:r>
+          </a:p>
+          <a:p>
+            <a:pPr marL="0" marR="0" lvl="0" indent="0" algn="ctr" defTabSz="1218804" rtl="0" eaLnBrk="0" fontAlgn="base" latinLnBrk="0" hangingPunct="0">
+              <a:lnSpc>
+                <a:spcPct val="100000"/>
+              </a:lnSpc>
+              <a:spcBef>
+                <a:spcPct val="0"/>
+              </a:spcBef>
+              <a:spcAft>
+                <a:spcPct val="0"/>
+              </a:spcAft>
+              <a:buClrTx/>
+              <a:buSzTx/>
+              <a:buFontTx/>
+              <a:buNone/>
+              <a:tabLst/>
+              <a:defRPr/>
+            </a:pPr>
+            <a:r>
+              <a:rPr kumimoji="0" lang="en-GB" sz="1600" b="0" i="0" u="none" strike="noStrike" kern="1200" cap="none" spc="0" normalizeH="0" baseline="0" noProof="0" dirty="0">
+                <a:ln>
+                  <a:noFill/>
+                </a:ln>
+                <a:solidFill>
+                  <a:prstClr val="white"/>
+                </a:solidFill>
+                <a:effectLst/>
+                <a:uLnTx/>
+                <a:uFillTx/>
+                <a:latin typeface="Calibri" panose="020F0502020204030204" pitchFamily="34" charset="0"/>
+                <a:ea typeface="Lato Light" panose="020F0502020204030203" pitchFamily="34" charset="0"/>
+                <a:cs typeface="Calibri" panose="020F0502020204030204" pitchFamily="34" charset="0"/>
+              </a:rPr>
+              <a:t>CPU</a:t>
+            </a:r>
+          </a:p>
+        </p:txBody>
+      </p:sp>
+      <p:sp>
+        <p:nvSpPr>
+          <p:cNvPr id="17" name="角丸四角形 7">
+            <a:extLst>
+              <a:ext uri="{FF2B5EF4-FFF2-40B4-BE49-F238E27FC236}">
+                <a16:creationId xmlns:a16="http://schemas.microsoft.com/office/drawing/2014/main" id="{D4A8FE17-7D0E-A6ED-AC81-7C89A7A026BB}"/>
+              </a:ext>
+            </a:extLst>
+          </p:cNvPr>
+          <p:cNvSpPr/>
+          <p:nvPr/>
+        </p:nvSpPr>
+        <p:spPr>
+          <a:xfrm>
+            <a:off x="7291917" y="4211312"/>
+            <a:ext cx="1293681" cy="1140419"/>
+          </a:xfrm>
+          <a:prstGeom prst="roundRect">
+            <a:avLst>
+              <a:gd name="adj" fmla="val 0"/>
+            </a:avLst>
+          </a:prstGeom>
+          <a:solidFill>
+            <a:schemeClr val="accent1">
+              <a:lumMod val="75000"/>
+            </a:schemeClr>
+          </a:solidFill>
+          <a:ln>
+            <a:noFill/>
+          </a:ln>
+        </p:spPr>
+        <p:style>
+          <a:lnRef idx="0">
+            <a:scrgbClr r="0" g="0" b="0"/>
+          </a:lnRef>
+          <a:fillRef idx="0">
+            <a:scrgbClr r="0" g="0" b="0"/>
+          </a:fillRef>
+          <a:effectRef idx="0">
+            <a:scrgbClr r="0" g="0" b="0"/>
+          </a:effectRef>
+          <a:fontRef idx="minor">
+            <a:schemeClr val="lt1"/>
+          </a:fontRef>
+        </p:style>
+        <p:txBody>
+          <a:bodyPr rtlCol="0" anchor="ctr" anchorCtr="1"/>
+          <a:lstStyle/>
+          <a:p>
+            <a:pPr marL="0" marR="0" lvl="0" indent="0" algn="ctr" defTabSz="1218804" rtl="0" eaLnBrk="0" fontAlgn="base" latinLnBrk="0" hangingPunct="0">
+              <a:lnSpc>
+                <a:spcPct val="100000"/>
+              </a:lnSpc>
+              <a:spcBef>
+                <a:spcPct val="0"/>
+              </a:spcBef>
+              <a:spcAft>
+                <a:spcPct val="0"/>
+              </a:spcAft>
+              <a:buClrTx/>
+              <a:buSzTx/>
+              <a:buFontTx/>
+              <a:buNone/>
+              <a:tabLst/>
+              <a:defRPr/>
+            </a:pPr>
+            <a:r>
+              <a:rPr kumimoji="1" lang="sv-SE" altLang="ja-JP" sz="1600" b="0" i="0" u="none" strike="noStrike" kern="1200" cap="none" spc="0" normalizeH="0" baseline="0" noProof="0" err="1">
+                <a:ln>
+                  <a:noFill/>
+                </a:ln>
+                <a:solidFill>
+                  <a:prstClr val="white"/>
+                </a:solidFill>
+                <a:effectLst/>
+                <a:uLnTx/>
+                <a:uFillTx/>
+                <a:latin typeface="Calibri" panose="020F0502020204030204" pitchFamily="34" charset="0"/>
+                <a:ea typeface="Lato Light" panose="020F0502020204030203" pitchFamily="34" charset="0"/>
+                <a:cs typeface="Calibri" panose="020F0502020204030204" pitchFamily="34" charset="0"/>
+              </a:rPr>
+              <a:t>Ethos</a:t>
+            </a:r>
+            <a:r>
+              <a:rPr kumimoji="1" lang="sv-SE" altLang="ja-JP" sz="1600" b="0" i="0" u="none" strike="noStrike" kern="1200" cap="none" spc="0" normalizeH="0" baseline="0" noProof="0">
+                <a:ln>
+                  <a:noFill/>
+                </a:ln>
+                <a:solidFill>
+                  <a:prstClr val="white"/>
+                </a:solidFill>
+                <a:effectLst/>
+                <a:uLnTx/>
+                <a:uFillTx/>
+                <a:latin typeface="Calibri" panose="020F0502020204030204" pitchFamily="34" charset="0"/>
+                <a:ea typeface="Lato Light" panose="020F0502020204030203" pitchFamily="34" charset="0"/>
+                <a:cs typeface="Calibri" panose="020F0502020204030204" pitchFamily="34" charset="0"/>
+              </a:rPr>
+              <a:t>-U</a:t>
+            </a:r>
+          </a:p>
+          <a:p>
+            <a:pPr marL="0" marR="0" lvl="0" indent="0" algn="ctr" defTabSz="1218804" rtl="0" eaLnBrk="0" fontAlgn="base" latinLnBrk="0" hangingPunct="0">
+              <a:lnSpc>
+                <a:spcPct val="100000"/>
+              </a:lnSpc>
+              <a:spcBef>
+                <a:spcPct val="0"/>
+              </a:spcBef>
+              <a:spcAft>
+                <a:spcPct val="0"/>
+              </a:spcAft>
+              <a:buClrTx/>
+              <a:buSzTx/>
+              <a:buFontTx/>
+              <a:buNone/>
+              <a:tabLst/>
+              <a:defRPr/>
+            </a:pPr>
+            <a:r>
+              <a:rPr kumimoji="1" lang="sv-SE" altLang="ja-JP" sz="1600" b="0" i="0" u="none" strike="noStrike" kern="1200" cap="none" spc="0" normalizeH="0" baseline="0" noProof="0">
+                <a:ln>
+                  <a:noFill/>
+                </a:ln>
+                <a:solidFill>
+                  <a:prstClr val="white"/>
+                </a:solidFill>
+                <a:effectLst/>
+                <a:uLnTx/>
+                <a:uFillTx/>
+                <a:latin typeface="Calibri" panose="020F0502020204030204" pitchFamily="34" charset="0"/>
+                <a:ea typeface="Lato Light" panose="020F0502020204030203" pitchFamily="34" charset="0"/>
+                <a:cs typeface="Calibri" panose="020F0502020204030204" pitchFamily="34" charset="0"/>
+              </a:rPr>
+              <a:t>NPU</a:t>
+            </a:r>
+          </a:p>
+        </p:txBody>
+      </p:sp>
+      <p:sp>
+        <p:nvSpPr>
+          <p:cNvPr id="18" name="角丸四角形 7">
+            <a:extLst>
+              <a:ext uri="{FF2B5EF4-FFF2-40B4-BE49-F238E27FC236}">
+                <a16:creationId xmlns:a16="http://schemas.microsoft.com/office/drawing/2014/main" id="{308DED3E-3A0C-74DA-7E1C-9AA424063B8D}"/>
+              </a:ext>
+            </a:extLst>
+          </p:cNvPr>
+          <p:cNvSpPr/>
+          <p:nvPr/>
+        </p:nvSpPr>
+        <p:spPr>
+          <a:xfrm>
+            <a:off x="5751967" y="4213659"/>
+            <a:ext cx="1268451" cy="1138073"/>
+          </a:xfrm>
+          <a:prstGeom prst="roundRect">
+            <a:avLst>
+              <a:gd name="adj" fmla="val 0"/>
+            </a:avLst>
+          </a:prstGeom>
+          <a:solidFill>
+            <a:schemeClr val="accent1">
+              <a:lumMod val="75000"/>
+            </a:schemeClr>
+          </a:solidFill>
+          <a:ln>
+            <a:noFill/>
+          </a:ln>
+        </p:spPr>
+        <p:style>
+          <a:lnRef idx="0">
+            <a:scrgbClr r="0" g="0" b="0"/>
+          </a:lnRef>
+          <a:fillRef idx="0">
+            <a:scrgbClr r="0" g="0" b="0"/>
+          </a:fillRef>
+          <a:effectRef idx="0">
+            <a:scrgbClr r="0" g="0" b="0"/>
+          </a:effectRef>
+          <a:fontRef idx="minor">
+            <a:schemeClr val="lt1"/>
+          </a:fontRef>
+        </p:style>
+        <p:txBody>
+          <a:bodyPr rtlCol="0" anchor="ctr" anchorCtr="1"/>
+          <a:lstStyle/>
+          <a:p>
+            <a:pPr marL="0" marR="0" lvl="0" indent="0" algn="ctr" defTabSz="1218804" rtl="0" eaLnBrk="0" fontAlgn="base" latinLnBrk="0" hangingPunct="0">
+              <a:lnSpc>
+                <a:spcPct val="100000"/>
+              </a:lnSpc>
+              <a:spcBef>
+                <a:spcPct val="0"/>
+              </a:spcBef>
+              <a:spcAft>
+                <a:spcPct val="0"/>
+              </a:spcAft>
+              <a:buClrTx/>
+              <a:buSzTx/>
+              <a:buFontTx/>
+              <a:buNone/>
+              <a:tabLst/>
+              <a:defRPr/>
+            </a:pPr>
+            <a:r>
+              <a:rPr kumimoji="1" lang="sv-SE" altLang="ja-JP" sz="1600" b="0" i="0" u="none" strike="noStrike" kern="1200" cap="none" spc="0" normalizeH="0" baseline="0" noProof="0">
+                <a:ln>
+                  <a:noFill/>
+                </a:ln>
+                <a:solidFill>
+                  <a:prstClr val="white"/>
+                </a:solidFill>
+                <a:effectLst/>
+                <a:uLnTx/>
+                <a:uFillTx/>
+                <a:latin typeface="Calibri" panose="020F0502020204030204" pitchFamily="34" charset="0"/>
+                <a:ea typeface="Lato Light" panose="020F0502020204030203" pitchFamily="34" charset="0"/>
+                <a:cs typeface="Calibri" panose="020F0502020204030204" pitchFamily="34" charset="0"/>
+              </a:rPr>
+              <a:t>Ethos-U Driver</a:t>
+            </a:r>
+            <a:endParaRPr kumimoji="0" lang="en-US" altLang="ja-JP" sz="1600" b="0" i="0" u="none" strike="noStrike" kern="1200" cap="none" spc="0" normalizeH="0" baseline="0" noProof="0">
+              <a:ln>
+                <a:noFill/>
+              </a:ln>
+              <a:solidFill>
+                <a:prstClr val="white"/>
+              </a:solidFill>
+              <a:effectLst/>
+              <a:uLnTx/>
+              <a:uFillTx/>
+              <a:latin typeface="Calibri" panose="020F0502020204030204" pitchFamily="34" charset="0"/>
+              <a:ea typeface="Lato Light" panose="020F0502020204030203" pitchFamily="34" charset="0"/>
+              <a:cs typeface="Calibri" panose="020F0502020204030204" pitchFamily="34" charset="0"/>
+            </a:endParaRPr>
+          </a:p>
+        </p:txBody>
+      </p:sp>
+      <p:sp>
+        <p:nvSpPr>
+          <p:cNvPr id="20" name="角丸四角形 6">
+            <a:extLst>
+              <a:ext uri="{FF2B5EF4-FFF2-40B4-BE49-F238E27FC236}">
+                <a16:creationId xmlns:a16="http://schemas.microsoft.com/office/drawing/2014/main" id="{E6453D9D-7C8A-4615-4482-436DC263D8B6}"/>
+              </a:ext>
+            </a:extLst>
+          </p:cNvPr>
+          <p:cNvSpPr/>
+          <p:nvPr/>
+        </p:nvSpPr>
+        <p:spPr>
+          <a:xfrm>
+            <a:off x="2831636" y="4349453"/>
+            <a:ext cx="1566699" cy="851168"/>
+          </a:xfrm>
+          <a:prstGeom prst="roundRect">
+            <a:avLst>
+              <a:gd name="adj" fmla="val 0"/>
+            </a:avLst>
+          </a:prstGeom>
+          <a:solidFill>
+            <a:schemeClr val="accent1">
+              <a:lumMod val="75000"/>
+            </a:schemeClr>
+          </a:solidFill>
+          <a:ln w="15875">
+            <a:noFill/>
+          </a:ln>
+        </p:spPr>
+        <p:style>
+          <a:lnRef idx="2">
+            <a:schemeClr val="accent4"/>
+          </a:lnRef>
+          <a:fillRef idx="1">
+            <a:schemeClr val="lt1"/>
+          </a:fillRef>
+          <a:effectRef idx="0">
+            <a:schemeClr val="accent4"/>
+          </a:effectRef>
+          <a:fontRef idx="minor">
+            <a:schemeClr val="dk1"/>
+          </a:fontRef>
+        </p:style>
+        <p:txBody>
+          <a:bodyPr rtlCol="0" anchor="ctr" anchorCtr="1"/>
+          <a:lstStyle/>
+          <a:p>
+            <a:pPr marL="0" marR="0" lvl="0" indent="0" algn="ctr" defTabSz="1218804" rtl="0" eaLnBrk="0" fontAlgn="base" latinLnBrk="0" hangingPunct="0">
+              <a:lnSpc>
+                <a:spcPct val="100000"/>
+              </a:lnSpc>
+              <a:spcBef>
+                <a:spcPct val="0"/>
+              </a:spcBef>
+              <a:spcAft>
+                <a:spcPct val="0"/>
+              </a:spcAft>
+              <a:buClrTx/>
+              <a:buSzTx/>
+              <a:buFontTx/>
+              <a:buNone/>
+              <a:tabLst/>
+              <a:defRPr/>
+            </a:pPr>
+            <a:r>
+              <a:rPr kumimoji="1" lang="sv-SE" altLang="ja-JP" sz="1600" b="0" i="0" u="none" strike="noStrike" kern="1200" cap="none" spc="0" normalizeH="0" baseline="0" noProof="0" dirty="0">
+                <a:ln>
+                  <a:noFill/>
+                </a:ln>
+                <a:solidFill>
+                  <a:srgbClr val="FFFFFF"/>
+                </a:solidFill>
+                <a:effectLst/>
+                <a:uLnTx/>
+                <a:uFillTx/>
+                <a:latin typeface="Calibri" panose="020F0502020204030204" pitchFamily="34" charset="0"/>
+                <a:ea typeface="Lato" panose="020F0502020204030203" pitchFamily="34" charset="0"/>
+                <a:cs typeface="Calibri" panose="020F0502020204030204" pitchFamily="34" charset="0"/>
+              </a:rPr>
+              <a:t>Vela </a:t>
+            </a:r>
+            <a:r>
+              <a:rPr kumimoji="1" lang="sv-SE" altLang="ja-JP" sz="1600" b="0" i="0" u="none" strike="noStrike" kern="1200" cap="none" spc="0" normalizeH="0" baseline="0" noProof="0" dirty="0" err="1">
+                <a:ln>
+                  <a:noFill/>
+                </a:ln>
+                <a:solidFill>
+                  <a:srgbClr val="FFFFFF"/>
+                </a:solidFill>
+                <a:effectLst/>
+                <a:uLnTx/>
+                <a:uFillTx/>
+                <a:latin typeface="Calibri" panose="020F0502020204030204" pitchFamily="34" charset="0"/>
+                <a:ea typeface="Lato" panose="020F0502020204030203" pitchFamily="34" charset="0"/>
+                <a:cs typeface="Calibri" panose="020F0502020204030204" pitchFamily="34" charset="0"/>
+              </a:rPr>
+              <a:t>Compiler</a:t>
+            </a:r>
+            <a:endParaRPr kumimoji="1" lang="sv-SE" altLang="ja-JP" sz="1600" b="0" i="0" u="none" strike="noStrike" kern="1200" cap="none" spc="0" normalizeH="0" baseline="0" noProof="0" dirty="0">
+              <a:ln>
+                <a:noFill/>
+              </a:ln>
+              <a:solidFill>
+                <a:srgbClr val="FFFFFF"/>
+              </a:solidFill>
+              <a:effectLst/>
+              <a:uLnTx/>
+              <a:uFillTx/>
+              <a:latin typeface="Calibri" panose="020F0502020204030204" pitchFamily="34" charset="0"/>
+              <a:ea typeface="Lato" panose="020F0502020204030203" pitchFamily="34" charset="0"/>
+              <a:cs typeface="Calibri" panose="020F0502020204030204" pitchFamily="34" charset="0"/>
+            </a:endParaRPr>
+          </a:p>
+          <a:p>
+            <a:pPr marL="0" marR="0" lvl="0" indent="0" algn="ctr" defTabSz="1218804" rtl="0" eaLnBrk="0" fontAlgn="base" latinLnBrk="0" hangingPunct="0">
+              <a:lnSpc>
+                <a:spcPct val="100000"/>
+              </a:lnSpc>
+              <a:spcBef>
+                <a:spcPct val="0"/>
+              </a:spcBef>
+              <a:spcAft>
+                <a:spcPct val="0"/>
+              </a:spcAft>
+              <a:buClrTx/>
+              <a:buSzTx/>
+              <a:buFontTx/>
+              <a:buNone/>
+              <a:tabLst/>
+              <a:defRPr/>
+            </a:pPr>
+            <a:r>
+              <a:rPr kumimoji="1" lang="sv-SE" altLang="ja-JP" sz="1600" b="0" i="0" u="none" strike="noStrike" kern="1200" cap="none" spc="0" normalizeH="0" baseline="0" noProof="0" dirty="0">
+                <a:ln>
+                  <a:noFill/>
+                </a:ln>
+                <a:solidFill>
+                  <a:srgbClr val="FFFFFF"/>
+                </a:solidFill>
+                <a:effectLst/>
+                <a:uLnTx/>
+                <a:uFillTx/>
+                <a:latin typeface="Calibri" panose="020F0502020204030204" pitchFamily="34" charset="0"/>
+                <a:ea typeface="Lato Light" panose="020F0502020204030203" pitchFamily="34" charset="0"/>
+                <a:cs typeface="Calibri" panose="020F0502020204030204" pitchFamily="34" charset="0"/>
+              </a:rPr>
+              <a:t>(</a:t>
+            </a:r>
+            <a:r>
+              <a:rPr kumimoji="1" lang="sv-SE" altLang="ja-JP" sz="1600" b="0" i="0" u="none" strike="noStrike" kern="1200" cap="none" spc="0" normalizeH="0" baseline="0" noProof="0" dirty="0" err="1">
+                <a:ln>
+                  <a:noFill/>
+                </a:ln>
+                <a:solidFill>
+                  <a:srgbClr val="FFFFFF"/>
+                </a:solidFill>
+                <a:effectLst/>
+                <a:uLnTx/>
+                <a:uFillTx/>
+                <a:latin typeface="Calibri" panose="020F0502020204030204" pitchFamily="34" charset="0"/>
+                <a:ea typeface="Lato Light" panose="020F0502020204030203" pitchFamily="34" charset="0"/>
+                <a:cs typeface="Calibri" panose="020F0502020204030204" pitchFamily="34" charset="0"/>
+              </a:rPr>
+              <a:t>Optimize</a:t>
+            </a:r>
+            <a:r>
+              <a:rPr kumimoji="1" lang="sv-SE" altLang="ja-JP" sz="1600" b="0" i="0" u="none" strike="noStrike" kern="1200" cap="none" spc="0" normalizeH="0" baseline="0" noProof="0" dirty="0">
+                <a:ln>
+                  <a:noFill/>
+                </a:ln>
+                <a:solidFill>
+                  <a:srgbClr val="FFFFFF"/>
+                </a:solidFill>
+                <a:effectLst/>
+                <a:uLnTx/>
+                <a:uFillTx/>
+                <a:latin typeface="Calibri" panose="020F0502020204030204" pitchFamily="34" charset="0"/>
+                <a:ea typeface="Lato Light" panose="020F0502020204030203" pitchFamily="34" charset="0"/>
+                <a:cs typeface="Calibri" panose="020F0502020204030204" pitchFamily="34" charset="0"/>
+              </a:rPr>
+              <a:t> for </a:t>
+            </a:r>
+            <a:r>
+              <a:rPr kumimoji="1" lang="sv-SE" altLang="ja-JP" sz="1600" b="0" i="0" u="none" strike="noStrike" kern="1200" cap="none" spc="0" normalizeH="0" baseline="0" noProof="0" dirty="0" err="1">
+                <a:ln>
+                  <a:noFill/>
+                </a:ln>
+                <a:solidFill>
+                  <a:srgbClr val="FFFFFF"/>
+                </a:solidFill>
+                <a:effectLst/>
+                <a:uLnTx/>
+                <a:uFillTx/>
+                <a:latin typeface="Calibri" panose="020F0502020204030204" pitchFamily="34" charset="0"/>
+                <a:ea typeface="Lato Light" panose="020F0502020204030203" pitchFamily="34" charset="0"/>
+                <a:cs typeface="Calibri" panose="020F0502020204030204" pitchFamily="34" charset="0"/>
+              </a:rPr>
+              <a:t>Ethos</a:t>
+            </a:r>
+            <a:r>
+              <a:rPr kumimoji="1" lang="sv-SE" altLang="ja-JP" sz="1600" b="0" i="0" u="none" strike="noStrike" kern="1200" cap="none" spc="0" normalizeH="0" baseline="0" noProof="0" dirty="0">
+                <a:ln>
+                  <a:noFill/>
+                </a:ln>
+                <a:solidFill>
+                  <a:srgbClr val="FFFFFF"/>
+                </a:solidFill>
+                <a:effectLst/>
+                <a:uLnTx/>
+                <a:uFillTx/>
+                <a:latin typeface="Calibri" panose="020F0502020204030204" pitchFamily="34" charset="0"/>
+                <a:ea typeface="Lato Light" panose="020F0502020204030203" pitchFamily="34" charset="0"/>
+                <a:cs typeface="Calibri" panose="020F0502020204030204" pitchFamily="34" charset="0"/>
+              </a:rPr>
+              <a:t>-U NPU)</a:t>
+            </a:r>
+          </a:p>
+        </p:txBody>
+      </p:sp>
+      <p:sp>
+        <p:nvSpPr>
+          <p:cNvPr id="26" name="Right Arrow 25">
+            <a:extLst>
+              <a:ext uri="{FF2B5EF4-FFF2-40B4-BE49-F238E27FC236}">
+                <a16:creationId xmlns:a16="http://schemas.microsoft.com/office/drawing/2014/main" id="{C048DC5F-E549-3C22-7726-566FA656D911}"/>
+              </a:ext>
+            </a:extLst>
+          </p:cNvPr>
+          <p:cNvSpPr/>
+          <p:nvPr/>
+        </p:nvSpPr>
+        <p:spPr>
+          <a:xfrm>
+            <a:off x="4344045" y="3226427"/>
+            <a:ext cx="702809" cy="535780"/>
+          </a:xfrm>
+          <a:prstGeom prst="rightArrow">
+            <a:avLst/>
+          </a:prstGeom>
+          <a:solidFill>
+            <a:schemeClr val="bg1"/>
+          </a:solidFill>
+          <a:ln>
+            <a:solidFill>
+              <a:schemeClr val="tx2">
+                <a:lumMod val="40000"/>
+                <a:lumOff val="60000"/>
+              </a:schemeClr>
+            </a:solidFill>
+          </a:ln>
+        </p:spPr>
+        <p:style>
+          <a:lnRef idx="2">
+            <a:schemeClr val="accent1">
+              <a:shade val="50000"/>
+            </a:schemeClr>
+          </a:lnRef>
+          <a:fillRef idx="1">
+            <a:schemeClr val="accent1"/>
+          </a:fillRef>
+          <a:effectRef idx="0">
+            <a:schemeClr val="accent1"/>
+          </a:effectRef>
+          <a:fontRef idx="minor">
+            <a:schemeClr val="lt1"/>
+          </a:fontRef>
+        </p:style>
+        <p:txBody>
+          <a:bodyPr rtlCol="0" anchor="ctr"/>
+          <a:lstStyle/>
+          <a:p>
+            <a:pPr algn="ctr"/>
+            <a:endParaRPr lang="en-DE"/>
+          </a:p>
+        </p:txBody>
+      </p:sp>
+      <p:sp>
+        <p:nvSpPr>
+          <p:cNvPr id="27" name="Right Arrow 26">
+            <a:extLst>
+              <a:ext uri="{FF2B5EF4-FFF2-40B4-BE49-F238E27FC236}">
+                <a16:creationId xmlns:a16="http://schemas.microsoft.com/office/drawing/2014/main" id="{19CEEC00-C71C-E28D-F369-386555FB7868}"/>
+              </a:ext>
+            </a:extLst>
+          </p:cNvPr>
+          <p:cNvSpPr/>
+          <p:nvPr/>
+        </p:nvSpPr>
+        <p:spPr>
+          <a:xfrm>
+            <a:off x="4398335" y="4494356"/>
+            <a:ext cx="637294" cy="535780"/>
+          </a:xfrm>
+          <a:prstGeom prst="rightArrow">
+            <a:avLst/>
+          </a:prstGeom>
+          <a:solidFill>
+            <a:schemeClr val="bg1"/>
+          </a:solidFill>
+          <a:ln>
+            <a:solidFill>
+              <a:schemeClr val="tx2">
+                <a:lumMod val="40000"/>
+                <a:lumOff val="60000"/>
+              </a:schemeClr>
+            </a:solidFill>
+          </a:ln>
+        </p:spPr>
+        <p:style>
+          <a:lnRef idx="2">
+            <a:schemeClr val="accent1">
+              <a:shade val="50000"/>
+            </a:schemeClr>
+          </a:lnRef>
+          <a:fillRef idx="1">
+            <a:schemeClr val="accent1"/>
+          </a:fillRef>
+          <a:effectRef idx="0">
+            <a:schemeClr val="accent1"/>
+          </a:effectRef>
+          <a:fontRef idx="minor">
+            <a:schemeClr val="lt1"/>
+          </a:fontRef>
+        </p:style>
+        <p:txBody>
+          <a:bodyPr rtlCol="0" anchor="ctr"/>
+          <a:lstStyle/>
+          <a:p>
+            <a:pPr algn="ctr"/>
+            <a:endParaRPr lang="en-DE"/>
+          </a:p>
+        </p:txBody>
+      </p:sp>
+      <p:sp>
+        <p:nvSpPr>
+          <p:cNvPr id="33" name="Right Arrow 32">
+            <a:extLst>
+              <a:ext uri="{FF2B5EF4-FFF2-40B4-BE49-F238E27FC236}">
+                <a16:creationId xmlns:a16="http://schemas.microsoft.com/office/drawing/2014/main" id="{5D652612-B781-2A6B-2C28-72AAA7CCCACB}"/>
+              </a:ext>
+            </a:extLst>
+          </p:cNvPr>
+          <p:cNvSpPr/>
+          <p:nvPr/>
+        </p:nvSpPr>
+        <p:spPr>
+          <a:xfrm>
+            <a:off x="5489799" y="3246275"/>
+            <a:ext cx="271499" cy="535780"/>
+          </a:xfrm>
+          <a:prstGeom prst="rightArrow">
+            <a:avLst/>
+          </a:prstGeom>
+          <a:solidFill>
+            <a:schemeClr val="bg1"/>
+          </a:solidFill>
+          <a:ln>
+            <a:solidFill>
+              <a:schemeClr val="tx2">
+                <a:lumMod val="40000"/>
+                <a:lumOff val="60000"/>
+              </a:schemeClr>
+            </a:solidFill>
+          </a:ln>
+        </p:spPr>
+        <p:style>
+          <a:lnRef idx="2">
+            <a:schemeClr val="accent1">
+              <a:shade val="50000"/>
+            </a:schemeClr>
+          </a:lnRef>
+          <a:fillRef idx="1">
+            <a:schemeClr val="accent1"/>
+          </a:fillRef>
+          <a:effectRef idx="0">
+            <a:schemeClr val="accent1"/>
+          </a:effectRef>
+          <a:fontRef idx="minor">
+            <a:schemeClr val="lt1"/>
+          </a:fontRef>
+        </p:style>
+        <p:txBody>
+          <a:bodyPr rtlCol="0" anchor="ctr"/>
+          <a:lstStyle/>
+          <a:p>
+            <a:pPr algn="ctr"/>
+            <a:endParaRPr lang="en-DE"/>
+          </a:p>
+        </p:txBody>
+      </p:sp>
+      <p:sp>
+        <p:nvSpPr>
+          <p:cNvPr id="34" name="Right Arrow 33">
+            <a:extLst>
+              <a:ext uri="{FF2B5EF4-FFF2-40B4-BE49-F238E27FC236}">
+                <a16:creationId xmlns:a16="http://schemas.microsoft.com/office/drawing/2014/main" id="{1692C015-06FC-2665-93F7-0D8B7DAE5FE6}"/>
+              </a:ext>
+            </a:extLst>
+          </p:cNvPr>
+          <p:cNvSpPr/>
+          <p:nvPr/>
+        </p:nvSpPr>
+        <p:spPr>
+          <a:xfrm>
+            <a:off x="5480468" y="4515090"/>
+            <a:ext cx="271499" cy="535780"/>
+          </a:xfrm>
+          <a:prstGeom prst="rightArrow">
+            <a:avLst/>
+          </a:prstGeom>
+          <a:solidFill>
+            <a:schemeClr val="bg1"/>
+          </a:solidFill>
+          <a:ln>
+            <a:solidFill>
+              <a:schemeClr val="tx2">
+                <a:lumMod val="40000"/>
+                <a:lumOff val="60000"/>
+              </a:schemeClr>
+            </a:solidFill>
+          </a:ln>
+        </p:spPr>
+        <p:style>
+          <a:lnRef idx="2">
+            <a:schemeClr val="accent1">
+              <a:shade val="50000"/>
+            </a:schemeClr>
+          </a:lnRef>
+          <a:fillRef idx="1">
+            <a:schemeClr val="accent1"/>
+          </a:fillRef>
+          <a:effectRef idx="0">
+            <a:schemeClr val="accent1"/>
+          </a:effectRef>
+          <a:fontRef idx="minor">
+            <a:schemeClr val="lt1"/>
+          </a:fontRef>
+        </p:style>
+        <p:txBody>
+          <a:bodyPr rtlCol="0" anchor="ctr"/>
+          <a:lstStyle/>
+          <a:p>
+            <a:pPr algn="ctr"/>
+            <a:endParaRPr lang="en-DE"/>
+          </a:p>
+        </p:txBody>
+      </p:sp>
+      <p:sp>
+        <p:nvSpPr>
+          <p:cNvPr id="35" name="Right Arrow 34">
+            <a:extLst>
+              <a:ext uri="{FF2B5EF4-FFF2-40B4-BE49-F238E27FC236}">
+                <a16:creationId xmlns:a16="http://schemas.microsoft.com/office/drawing/2014/main" id="{A1D85C2F-7060-6370-50A6-5ED2EDF5FE19}"/>
+              </a:ext>
+            </a:extLst>
+          </p:cNvPr>
+          <p:cNvSpPr/>
+          <p:nvPr/>
+        </p:nvSpPr>
+        <p:spPr>
+          <a:xfrm>
+            <a:off x="7016575" y="3246275"/>
+            <a:ext cx="271499" cy="535780"/>
+          </a:xfrm>
+          <a:prstGeom prst="rightArrow">
+            <a:avLst/>
+          </a:prstGeom>
+          <a:solidFill>
+            <a:schemeClr val="bg1"/>
+          </a:solidFill>
+          <a:ln>
+            <a:solidFill>
+              <a:schemeClr val="tx2">
+                <a:lumMod val="40000"/>
+                <a:lumOff val="60000"/>
+              </a:schemeClr>
+            </a:solidFill>
+          </a:ln>
+        </p:spPr>
+        <p:style>
+          <a:lnRef idx="2">
+            <a:schemeClr val="accent1">
+              <a:shade val="50000"/>
+            </a:schemeClr>
+          </a:lnRef>
+          <a:fillRef idx="1">
+            <a:schemeClr val="accent1"/>
+          </a:fillRef>
+          <a:effectRef idx="0">
+            <a:schemeClr val="accent1"/>
+          </a:effectRef>
+          <a:fontRef idx="minor">
+            <a:schemeClr val="lt1"/>
+          </a:fontRef>
+        </p:style>
+        <p:txBody>
+          <a:bodyPr rtlCol="0" anchor="ctr"/>
+          <a:lstStyle/>
+          <a:p>
+            <a:pPr algn="ctr"/>
+            <a:endParaRPr lang="en-DE"/>
+          </a:p>
+        </p:txBody>
+      </p:sp>
+      <p:sp>
+        <p:nvSpPr>
+          <p:cNvPr id="36" name="Right Arrow 35">
+            <a:extLst>
+              <a:ext uri="{FF2B5EF4-FFF2-40B4-BE49-F238E27FC236}">
+                <a16:creationId xmlns:a16="http://schemas.microsoft.com/office/drawing/2014/main" id="{F0F44984-D4E9-3FD5-0FBC-A0EC774430C6}"/>
+              </a:ext>
+            </a:extLst>
+          </p:cNvPr>
+          <p:cNvSpPr/>
+          <p:nvPr/>
+        </p:nvSpPr>
+        <p:spPr>
+          <a:xfrm>
+            <a:off x="7007244" y="4515090"/>
+            <a:ext cx="271499" cy="535780"/>
+          </a:xfrm>
+          <a:prstGeom prst="rightArrow">
+            <a:avLst/>
+          </a:prstGeom>
+          <a:solidFill>
+            <a:schemeClr val="bg1"/>
+          </a:solidFill>
+          <a:ln>
+            <a:solidFill>
+              <a:schemeClr val="tx2">
+                <a:lumMod val="40000"/>
+                <a:lumOff val="60000"/>
+              </a:schemeClr>
+            </a:solidFill>
+          </a:ln>
+        </p:spPr>
+        <p:style>
+          <a:lnRef idx="2">
+            <a:schemeClr val="accent1">
+              <a:shade val="50000"/>
+            </a:schemeClr>
+          </a:lnRef>
+          <a:fillRef idx="1">
+            <a:schemeClr val="accent1"/>
+          </a:fillRef>
+          <a:effectRef idx="0">
+            <a:schemeClr val="accent1"/>
+          </a:effectRef>
+          <a:fontRef idx="minor">
+            <a:schemeClr val="lt1"/>
+          </a:fontRef>
+        </p:style>
+        <p:txBody>
+          <a:bodyPr rtlCol="0" anchor="ctr"/>
+          <a:lstStyle/>
+          <a:p>
+            <a:pPr algn="ctr"/>
+            <a:endParaRPr lang="en-DE"/>
+          </a:p>
+        </p:txBody>
+      </p:sp>
+      <p:sp>
+        <p:nvSpPr>
+          <p:cNvPr id="37" name="Right Arrow 36">
+            <a:extLst>
+              <a:ext uri="{FF2B5EF4-FFF2-40B4-BE49-F238E27FC236}">
+                <a16:creationId xmlns:a16="http://schemas.microsoft.com/office/drawing/2014/main" id="{AEE69B1B-9918-FB4E-7694-612F7AF44772}"/>
+              </a:ext>
+            </a:extLst>
+          </p:cNvPr>
+          <p:cNvSpPr/>
+          <p:nvPr/>
+        </p:nvSpPr>
+        <p:spPr>
+          <a:xfrm rot="5400000">
+            <a:off x="3342769" y="3831507"/>
+            <a:ext cx="500112" cy="535780"/>
+          </a:xfrm>
+          <a:prstGeom prst="rightArrow">
+            <a:avLst/>
+          </a:prstGeom>
+          <a:solidFill>
+            <a:schemeClr val="bg1"/>
+          </a:solidFill>
+          <a:ln>
+            <a:solidFill>
+              <a:schemeClr val="tx2">
+                <a:lumMod val="40000"/>
+                <a:lumOff val="60000"/>
+              </a:schemeClr>
+            </a:solidFill>
+          </a:ln>
+        </p:spPr>
+        <p:style>
+          <a:lnRef idx="2">
+            <a:schemeClr val="accent1">
+              <a:shade val="50000"/>
+            </a:schemeClr>
+          </a:lnRef>
+          <a:fillRef idx="1">
+            <a:schemeClr val="accent1"/>
+          </a:fillRef>
+          <a:effectRef idx="0">
+            <a:schemeClr val="accent1"/>
+          </a:effectRef>
+          <a:fontRef idx="minor">
+            <a:schemeClr val="lt1"/>
+          </a:fontRef>
+        </p:style>
+        <p:txBody>
+          <a:bodyPr rtlCol="0" anchor="ctr"/>
+          <a:lstStyle/>
+          <a:p>
+            <a:pPr algn="ctr"/>
+            <a:endParaRPr lang="en-DE"/>
+          </a:p>
+        </p:txBody>
+      </p:sp>
+      <p:sp>
+        <p:nvSpPr>
+          <p:cNvPr id="24" name="Right Arrow 32">
+            <a:extLst>
+              <a:ext uri="{FF2B5EF4-FFF2-40B4-BE49-F238E27FC236}">
+                <a16:creationId xmlns:a16="http://schemas.microsoft.com/office/drawing/2014/main" id="{0D13819C-9F20-115D-E2CB-687B344C7C8B}"/>
+              </a:ext>
+            </a:extLst>
+          </p:cNvPr>
+          <p:cNvSpPr/>
+          <p:nvPr/>
+        </p:nvSpPr>
+        <p:spPr>
+          <a:xfrm>
+            <a:off x="2532758" y="3200383"/>
+            <a:ext cx="271499" cy="535780"/>
+          </a:xfrm>
+          <a:prstGeom prst="rightArrow">
+            <a:avLst/>
+          </a:prstGeom>
+          <a:solidFill>
+            <a:schemeClr val="bg1"/>
+          </a:solidFill>
+          <a:ln>
+            <a:solidFill>
+              <a:schemeClr val="tx2">
+                <a:lumMod val="40000"/>
+                <a:lumOff val="60000"/>
+              </a:schemeClr>
+            </a:solidFill>
+          </a:ln>
+        </p:spPr>
+        <p:style>
+          <a:lnRef idx="2">
+            <a:schemeClr val="accent1">
+              <a:shade val="50000"/>
+            </a:schemeClr>
+          </a:lnRef>
+          <a:fillRef idx="1">
+            <a:schemeClr val="accent1"/>
+          </a:fillRef>
+          <a:effectRef idx="0">
+            <a:schemeClr val="accent1"/>
+          </a:effectRef>
+          <a:fontRef idx="minor">
+            <a:schemeClr val="lt1"/>
+          </a:fontRef>
+        </p:style>
+        <p:txBody>
+          <a:bodyPr rtlCol="0" anchor="ctr"/>
+          <a:lstStyle/>
+          <a:p>
+            <a:pPr algn="ctr"/>
+            <a:endParaRPr lang="en-DE"/>
+          </a:p>
+        </p:txBody>
+      </p:sp>
+      <p:sp>
+        <p:nvSpPr>
+          <p:cNvPr id="23" name="角丸四角形 6">
+            <a:extLst>
+              <a:ext uri="{FF2B5EF4-FFF2-40B4-BE49-F238E27FC236}">
+                <a16:creationId xmlns:a16="http://schemas.microsoft.com/office/drawing/2014/main" id="{47935825-0EE0-9F16-CBB9-78D6714F99C6}"/>
+              </a:ext>
+            </a:extLst>
+          </p:cNvPr>
+          <p:cNvSpPr/>
+          <p:nvPr/>
+        </p:nvSpPr>
+        <p:spPr>
+          <a:xfrm>
+            <a:off x="1102765" y="2983743"/>
+            <a:ext cx="1446937" cy="870217"/>
+          </a:xfrm>
+          <a:prstGeom prst="roundRect">
+            <a:avLst>
+              <a:gd name="adj" fmla="val 0"/>
+            </a:avLst>
+          </a:prstGeom>
+          <a:solidFill>
+            <a:schemeClr val="tx2"/>
+          </a:solidFill>
+          <a:ln w="15875">
+            <a:solidFill>
+              <a:srgbClr val="00C1DE"/>
+            </a:solidFill>
+          </a:ln>
+        </p:spPr>
+        <p:style>
+          <a:lnRef idx="2">
+            <a:schemeClr val="accent1">
+              <a:shade val="50000"/>
+            </a:schemeClr>
+          </a:lnRef>
+          <a:fillRef idx="1">
+            <a:schemeClr val="accent1"/>
+          </a:fillRef>
+          <a:effectRef idx="0">
+            <a:schemeClr val="accent1"/>
+          </a:effectRef>
+          <a:fontRef idx="minor">
+            <a:schemeClr val="lt1"/>
+          </a:fontRef>
+        </p:style>
+        <p:txBody>
+          <a:bodyPr rtlCol="0" anchor="ctr"/>
+          <a:lstStyle/>
+          <a:p>
+            <a:pPr algn="ctr" defTabSz="1219170"/>
+            <a:r>
+              <a:rPr kumimoji="1" lang="sv-SE" altLang="ja-JP" sz="1600" dirty="0">
+                <a:solidFill>
+                  <a:srgbClr val="FFFFFF"/>
+                </a:solidFill>
+                <a:latin typeface="Calibri"/>
+                <a:cs typeface="Calibri"/>
+              </a:rPr>
+              <a:t>ML</a:t>
+            </a:r>
+            <a:br>
+              <a:rPr kumimoji="1" lang="sv-SE" altLang="ja-JP" sz="1600" dirty="0">
+                <a:solidFill>
+                  <a:srgbClr val="FFFFFF"/>
+                </a:solidFill>
+                <a:latin typeface="Calibri"/>
+                <a:cs typeface="Calibri"/>
+              </a:rPr>
+            </a:br>
+            <a:r>
+              <a:rPr kumimoji="1" lang="sv-SE" altLang="ja-JP" sz="1600" dirty="0">
+                <a:solidFill>
+                  <a:srgbClr val="FFFFFF"/>
+                </a:solidFill>
+                <a:latin typeface="Calibri"/>
+                <a:cs typeface="Calibri"/>
+              </a:rPr>
+              <a:t> Model</a:t>
+            </a:r>
+          </a:p>
+        </p:txBody>
+      </p:sp>
+    </p:spTree>
+    <p:extLst>
+      <p:ext uri="{BB962C8B-B14F-4D97-AF65-F5344CB8AC3E}">
+        <p14:creationId xmlns:p14="http://schemas.microsoft.com/office/powerpoint/2010/main" val="527080550"/>
       </p:ext>
     </p:extLst>
   </p:cSld>
@@ -11354,6 +18105,43 @@
 </file>
 
 <file path=customXml/item1.xml><?xml version="1.0" encoding="utf-8"?>
+<p:properties xmlns:p="http://schemas.microsoft.com/office/2006/metadata/properties" xmlns:xsi="http://www.w3.org/2001/XMLSchema-instance" xmlns:pc="http://schemas.microsoft.com/office/infopath/2007/PartnerControls">
+  <documentManagement>
+    <Current_x0020_Version xmlns="f2ad5090-61a8-4b8c-ab70-68f4ff4d1933">9.0</Current_x0020_Version>
+    <Document_x0020_Author xmlns="f2ad5090-61a8-4b8c-ab70-68f4ff4d1933">
+      <UserInfo>
+        <DisplayName/>
+        <AccountId xsi:nil="true"/>
+        <AccountType/>
+      </UserInfo>
+    </Document_x0020_Author>
+    <_dlc_DocId xmlns="f2ad5090-61a8-4b8c-ab70-68f4ff4d1933">ARM-ECM-0633231</_dlc_DocId>
+    <Document_x0020_Confidentiality xmlns="f2ad5090-61a8-4b8c-ab70-68f4ff4d1933">Confidential-Restricted</Document_x0020_Confidentiality>
+    <_dlc_DocIdUrl xmlns="f2ad5090-61a8-4b8c-ab70-68f4ff4d1933">
+      <Url>http://teamsites.arm.com/sites/cthub/_layouts/DocIdRedir.aspx?ID=ARM-ECM-0633231</Url>
+      <Description>ARM-ECM-0633231</Description>
+    </_dlc_DocIdUrl>
+    <Category xmlns="c0950e01-db07-4e41-9c32-b7a8e9fccc9b">Private Presentation Templates</Category>
+    <ARM_x0020_Legacy_x0020_ID xmlns="f2ad5090-61a8-4b8c-ab70-68f4ff4d1933" xsi:nil="true"/>
+    <TaxCatchAll xmlns="f2ad5090-61a8-4b8c-ab70-68f4ff4d1933">
+      <Value>7</Value>
+      <Value>1</Value>
+    </TaxCatchAll>
+    <j60c3ced31bb40378c6254d49035d966 xmlns="f2ad5090-61a8-4b8c-ab70-68f4ff4d1933">
+      <Terms xmlns="http://schemas.microsoft.com/office/infopath/2007/PartnerControls">
+        <TermInfo xmlns="http://schemas.microsoft.com/office/infopath/2007/PartnerControls">
+          <TermName xmlns="http://schemas.microsoft.com/office/infopath/2007/PartnerControls">2017</TermName>
+          <TermId xmlns="http://schemas.microsoft.com/office/infopath/2007/PartnerControls">58467e81-5d99-44a5-abb5-12a016b65e9e</TermId>
+        </TermInfo>
+      </Terms>
+    </j60c3ced31bb40378c6254d49035d966>
+    <RoutingRuleDescription xmlns="http://schemas.microsoft.com/sharepoint/v3" xsi:nil="true"/>
+    <_Status xmlns="http://schemas.microsoft.com/sharepoint/v3/fields">Not Started</_Status>
+  </documentManagement>
+</p:properties>
+</file>
+
+<file path=customXml/item2.xml><?xml version="1.0" encoding="utf-8"?>
 <ct:contentTypeSchema xmlns:ct="http://schemas.microsoft.com/office/2006/metadata/contentType" xmlns:ma="http://schemas.microsoft.com/office/2006/metadata/properties/metaAttributes" ct:_="" ma:_="" ma:contentTypeName="ARM Document" ma:contentTypeID="0x0101005C6975769EB1684CAB07571CAE07A11B0100BC81FA0C64ACC243A77959D9266C7751" ma:contentTypeVersion="27" ma:contentTypeDescription="" ma:contentTypeScope="" ma:versionID="c3d44a507a30e34bb56df6cb41b0e970">
   <xsd:schema xmlns:xsd="http://www.w3.org/2001/XMLSchema" xmlns:xs="http://www.w3.org/2001/XMLSchema" xmlns:p="http://schemas.microsoft.com/office/2006/metadata/properties" xmlns:ns1="http://schemas.microsoft.com/sharepoint/v3" xmlns:ns2="f2ad5090-61a8-4b8c-ab70-68f4ff4d1933" xmlns:ns3="http://schemas.microsoft.com/sharepoint/v3/fields" xmlns:ns4="c0950e01-db07-4e41-9c32-b7a8e9fccc9b" targetNamespace="http://schemas.microsoft.com/office/2006/metadata/properties" ma:root="true" ma:fieldsID="d6365f768a9cf65e3d0aaa644537f94f" ns1:_="" ns2:_="" ns3:_="" ns4:_="">
     <xsd:import namespace="http://schemas.microsoft.com/sharepoint/v3"/>
@@ -11637,7 +18425,7 @@
 </ct:contentTypeSchema>
 </file>
 
-<file path=customXml/item2.xml><?xml version="1.0" encoding="utf-8"?>
+<file path=customXml/item3.xml><?xml version="1.0" encoding="utf-8"?>
 <?mso-contentType ?>
 <FormTemplates xmlns="http://schemas.microsoft.com/sharepoint/v3/contenttype/forms">
   <Display>DocumentLibraryForm</Display>
@@ -11646,7 +18434,7 @@
 </FormTemplates>
 </file>
 
-<file path=customXml/item3.xml><?xml version="1.0" encoding="utf-8"?>
+<file path=customXml/item4.xml><?xml version="1.0" encoding="utf-8"?>
 <?mso-contentType ?>
 <customXsn xmlns="http://schemas.microsoft.com/office/2006/metadata/customXsn">
   <xsnLocation/>
@@ -11656,7 +18444,7 @@
 </customXsn>
 </file>
 
-<file path=customXml/item4.xml><?xml version="1.0" encoding="utf-8"?>
+<file path=customXml/item5.xml><?xml version="1.0" encoding="utf-8"?>
 <?mso-contentType ?>
 <spe:Receivers xmlns:spe="http://schemas.microsoft.com/sharepoint/events">
   <Receiver>
@@ -11702,44 +18490,26 @@
 </spe:Receivers>
 </file>
 
-<file path=customXml/item5.xml><?xml version="1.0" encoding="utf-8"?>
-<p:properties xmlns:p="http://schemas.microsoft.com/office/2006/metadata/properties" xmlns:xsi="http://www.w3.org/2001/XMLSchema-instance" xmlns:pc="http://schemas.microsoft.com/office/infopath/2007/PartnerControls">
-  <documentManagement>
-    <Current_x0020_Version xmlns="f2ad5090-61a8-4b8c-ab70-68f4ff4d1933">9.0</Current_x0020_Version>
-    <Document_x0020_Author xmlns="f2ad5090-61a8-4b8c-ab70-68f4ff4d1933">
-      <UserInfo>
-        <DisplayName/>
-        <AccountId xsi:nil="true"/>
-        <AccountType/>
-      </UserInfo>
-    </Document_x0020_Author>
-    <_dlc_DocId xmlns="f2ad5090-61a8-4b8c-ab70-68f4ff4d1933">ARM-ECM-0633231</_dlc_DocId>
-    <Document_x0020_Confidentiality xmlns="f2ad5090-61a8-4b8c-ab70-68f4ff4d1933">Confidential-Restricted</Document_x0020_Confidentiality>
-    <_dlc_DocIdUrl xmlns="f2ad5090-61a8-4b8c-ab70-68f4ff4d1933">
-      <Url>http://teamsites.arm.com/sites/cthub/_layouts/DocIdRedir.aspx?ID=ARM-ECM-0633231</Url>
-      <Description>ARM-ECM-0633231</Description>
-    </_dlc_DocIdUrl>
-    <Category xmlns="c0950e01-db07-4e41-9c32-b7a8e9fccc9b">Private Presentation Templates</Category>
-    <ARM_x0020_Legacy_x0020_ID xmlns="f2ad5090-61a8-4b8c-ab70-68f4ff4d1933" xsi:nil="true"/>
-    <TaxCatchAll xmlns="f2ad5090-61a8-4b8c-ab70-68f4ff4d1933">
-      <Value>7</Value>
-      <Value>1</Value>
-    </TaxCatchAll>
-    <j60c3ced31bb40378c6254d49035d966 xmlns="f2ad5090-61a8-4b8c-ab70-68f4ff4d1933">
-      <Terms xmlns="http://schemas.microsoft.com/office/infopath/2007/PartnerControls">
-        <TermInfo xmlns="http://schemas.microsoft.com/office/infopath/2007/PartnerControls">
-          <TermName xmlns="http://schemas.microsoft.com/office/infopath/2007/PartnerControls">2017</TermName>
-          <TermId xmlns="http://schemas.microsoft.com/office/infopath/2007/PartnerControls">58467e81-5d99-44a5-abb5-12a016b65e9e</TermId>
-        </TermInfo>
-      </Terms>
-    </j60c3ced31bb40378c6254d49035d966>
-    <RoutingRuleDescription xmlns="http://schemas.microsoft.com/sharepoint/v3" xsi:nil="true"/>
-    <_Status xmlns="http://schemas.microsoft.com/sharepoint/v3/fields">Not Started</_Status>
-  </documentManagement>
-</p:properties>
+<file path=customXml/itemProps1.xml><?xml version="1.0" encoding="utf-8"?>
+<ds:datastoreItem xmlns:ds="http://schemas.openxmlformats.org/officeDocument/2006/customXml" ds:itemID="{B61D4E06-5D3F-4994-A4A7-4BA626FA722D}">
+  <ds:schemaRefs>
+    <ds:schemaRef ds:uri="c0950e01-db07-4e41-9c32-b7a8e9fccc9b"/>
+    <ds:schemaRef ds:uri="http://purl.org/dc/elements/1.1/"/>
+    <ds:schemaRef ds:uri="http://schemas.microsoft.com/office/2006/metadata/properties"/>
+    <ds:schemaRef ds:uri="http://schemas.microsoft.com/office/2006/documentManagement/types"/>
+    <ds:schemaRef ds:uri="f2ad5090-61a8-4b8c-ab70-68f4ff4d1933"/>
+    <ds:schemaRef ds:uri="http://schemas.microsoft.com/sharepoint/v3"/>
+    <ds:schemaRef ds:uri="http://purl.org/dc/terms/"/>
+    <ds:schemaRef ds:uri="http://schemas.openxmlformats.org/package/2006/metadata/core-properties"/>
+    <ds:schemaRef ds:uri="http://purl.org/dc/dcmitype/"/>
+    <ds:schemaRef ds:uri="http://schemas.microsoft.com/office/infopath/2007/PartnerControls"/>
+    <ds:schemaRef ds:uri="http://schemas.microsoft.com/sharepoint/v3/fields"/>
+    <ds:schemaRef ds:uri="http://www.w3.org/XML/1998/namespace"/>
+  </ds:schemaRefs>
+</ds:datastoreItem>
 </file>
 
-<file path=customXml/itemProps1.xml><?xml version="1.0" encoding="utf-8"?>
+<file path=customXml/itemProps2.xml><?xml version="1.0" encoding="utf-8"?>
 <ds:datastoreItem xmlns:ds="http://schemas.openxmlformats.org/officeDocument/2006/customXml" ds:itemID="{5675509F-A6F5-4147-861D-E4CC99F48FA5}">
   <ds:schemaRefs>
     <ds:schemaRef ds:uri="c0950e01-db07-4e41-9c32-b7a8e9fccc9b"/>
@@ -11760,7 +18530,7 @@
 </ds:datastoreItem>
 </file>
 
-<file path=customXml/itemProps2.xml><?xml version="1.0" encoding="utf-8"?>
+<file path=customXml/itemProps3.xml><?xml version="1.0" encoding="utf-8"?>
 <ds:datastoreItem xmlns:ds="http://schemas.openxmlformats.org/officeDocument/2006/customXml" ds:itemID="{82EFBBFE-5AFC-4CAD-AD38-1CB870BDB255}">
   <ds:schemaRefs>
     <ds:schemaRef ds:uri="http://schemas.microsoft.com/sharepoint/v3/contenttype/forms"/>
@@ -11768,7 +18538,7 @@
 </ds:datastoreItem>
 </file>
 
-<file path=customXml/itemProps3.xml><?xml version="1.0" encoding="utf-8"?>
+<file path=customXml/itemProps4.xml><?xml version="1.0" encoding="utf-8"?>
 <ds:datastoreItem xmlns:ds="http://schemas.openxmlformats.org/officeDocument/2006/customXml" ds:itemID="{C959113B-7FA4-40AB-AF85-5C5588D4771C}">
   <ds:schemaRefs>
     <ds:schemaRef ds:uri="http://schemas.microsoft.com/office/2006/metadata/customXsn"/>
@@ -11776,29 +18546,10 @@
 </ds:datastoreItem>
 </file>
 
-<file path=customXml/itemProps4.xml><?xml version="1.0" encoding="utf-8"?>
+<file path=customXml/itemProps5.xml><?xml version="1.0" encoding="utf-8"?>
 <ds:datastoreItem xmlns:ds="http://schemas.openxmlformats.org/officeDocument/2006/customXml" ds:itemID="{1E7F2E56-8924-419D-99E9-79DB71144EB2}">
   <ds:schemaRefs>
     <ds:schemaRef ds:uri="http://schemas.microsoft.com/sharepoint/events"/>
   </ds:schemaRefs>
 </ds:datastoreItem>
-</file>
-
-<file path=customXml/itemProps5.xml><?xml version="1.0" encoding="utf-8"?>
-<ds:datastoreItem xmlns:ds="http://schemas.openxmlformats.org/officeDocument/2006/customXml" ds:itemID="{B61D4E06-5D3F-4994-A4A7-4BA626FA722D}">
-  <ds:schemaRefs>
-    <ds:schemaRef ds:uri="c0950e01-db07-4e41-9c32-b7a8e9fccc9b"/>
-    <ds:schemaRef ds:uri="http://purl.org/dc/elements/1.1/"/>
-    <ds:schemaRef ds:uri="http://schemas.microsoft.com/office/2006/metadata/properties"/>
-    <ds:schemaRef ds:uri="http://schemas.microsoft.com/office/2006/documentManagement/types"/>
-    <ds:schemaRef ds:uri="f2ad5090-61a8-4b8c-ab70-68f4ff4d1933"/>
-    <ds:schemaRef ds:uri="http://schemas.microsoft.com/sharepoint/v3"/>
-    <ds:schemaRef ds:uri="http://purl.org/dc/terms/"/>
-    <ds:schemaRef ds:uri="http://schemas.openxmlformats.org/package/2006/metadata/core-properties"/>
-    <ds:schemaRef ds:uri="http://purl.org/dc/dcmitype/"/>
-    <ds:schemaRef ds:uri="http://schemas.microsoft.com/office/infopath/2007/PartnerControls"/>
-    <ds:schemaRef ds:uri="http://schemas.microsoft.com/sharepoint/v3/fields"/>
-    <ds:schemaRef ds:uri="http://www.w3.org/XML/1998/namespace"/>
-  </ds:schemaRefs>
-</ds:datastoreItem>
 </file>